--- a/Trabalho Prático de Modelagem Parte 2/Slide/Trabalho de Modelagem Parte 2.pptx
+++ b/Trabalho Prático de Modelagem Parte 2/Slide/Trabalho de Modelagem Parte 2.pptx
@@ -27,8 +27,8 @@
 </file>
 
 <file path=ppt/slideLayouts/slideLayout1.xml><?xml version="1.0" encoding="utf-8"?>
-<p:sldLayout xmlns:a="http://schemas.openxmlformats.org/drawingml/2006/main" xmlns:p="http://schemas.openxmlformats.org/presentationml/2006/main" xmlns:r="http://schemas.openxmlformats.org/officeDocument/2006/relationships" xmlns:p14="http://schemas.microsoft.com/office/powerpoint/2010/main" xmlns:p15="http://schemas.microsoft.com/office/powerpoint/2012/main" xmlns:mc="http://schemas.openxmlformats.org/markup-compatibility/2006" type="title" preserve="1">
-  <p:cSld name="Slide de Título">
+<p:sldLayout xmlns:a="http://schemas.openxmlformats.org/drawingml/2006/main" xmlns:p="http://schemas.openxmlformats.org/presentationml/2006/main" xmlns:r="http://schemas.openxmlformats.org/officeDocument/2006/relationships" xmlns:p14="http://schemas.microsoft.com/office/powerpoint/2010/main" xmlns:p15="http://schemas.microsoft.com/office/powerpoint/2012/main" xmlns:mc="http://schemas.openxmlformats.org/markup-compatibility/2006" type="blank" preserve="1">
+  <p:cSld name="Em Branco">
     <p:bg>
       <p:bgPr>
         <a:solidFill>
@@ -59,7 +59,7 @@
         <p:spPr>
           <a:xfrm>
             <a:off x="0" y="2019600"/>
-            <a:ext cx="12191760" cy="4105440"/>
+            <a:ext cx="12191400" cy="4105080"/>
           </a:xfrm>
           <a:prstGeom prst="rect">
             <a:avLst/>
@@ -100,6 +100,11 @@
             <a:noAutofit/>
           </a:bodyPr>
           <a:p>
+            <a:pPr>
+              <a:lnSpc>
+                <a:spcPct val="100000"/>
+              </a:lnSpc>
+            </a:pPr>
             <a:endParaRPr b="0" lang="pt-BR" sz="1800" strike="noStrike" u="none">
               <a:solidFill>
                 <a:srgbClr val="000000"/>
@@ -125,7 +130,7 @@
         <p:spPr>
           <a:xfrm>
             <a:off x="0" y="6126480"/>
-            <a:ext cx="12191760" cy="742680"/>
+            <a:ext cx="12191400" cy="742320"/>
           </a:xfrm>
           <a:prstGeom prst="rect">
             <a:avLst/>
@@ -145,7 +150,7 @@
         <p:spPr>
           <a:xfrm>
             <a:off x="0" y="6128280"/>
-            <a:ext cx="12192120" cy="360"/>
+            <a:ext cx="12192480" cy="720"/>
           </a:xfrm>
           <a:prstGeom prst="straightConnector1">
             <a:avLst/>
@@ -167,13 +172,13 @@
             <a:spLocks noGrp="1"/>
           </p:cNvSpPr>
           <p:nvPr>
-            <p:ph type="title"/>
+            <p:ph type="dt" idx="1"/>
           </p:nvPr>
         </p:nvSpPr>
         <p:spPr>
           <a:xfrm>
-            <a:off x="2417760" y="802440"/>
-            <a:ext cx="8636760" cy="2541240"/>
+            <a:off x="7554240" y="330480"/>
+            <a:ext cx="3499920" cy="308520"/>
           </a:xfrm>
           <a:prstGeom prst="rect">
             <a:avLst/>
@@ -184,34 +189,60 @@
           </a:ln>
         </p:spPr>
         <p:txBody>
-          <a:bodyPr lIns="91440" rIns="91440" tIns="45720" bIns="0" anchor="b">
-            <a:normAutofit lnSpcReduction="9999"/>
+          <a:bodyPr lIns="91440" rIns="91440" tIns="45720" bIns="45720" anchor="ctr">
+            <a:noAutofit/>
           </a:bodyPr>
-          <a:p>
-            <a:pPr indent="0" defTabSz="914400">
-              <a:lnSpc>
-                <a:spcPct val="90000"/>
+          <a:lstStyle>
+            <a:lvl1pPr indent="0" algn="r" defTabSz="457200">
+              <a:lnSpc>
+                <a:spcPct val="100000"/>
               </a:lnSpc>
               <a:buNone/>
-            </a:pPr>
-            <a:r>
-              <a:rPr b="0" lang="pt-BR" sz="6600" strike="noStrike" u="none" cap="all">
-                <a:solidFill>
-                  <a:schemeClr val="dk1"/>
-                </a:solidFill>
-                <a:effectLst/>
-                <a:uFillTx/>
-                <a:latin typeface="Gill Sans MT"/>
-              </a:rPr>
-              <a:t>Clique para editar o título Mestre</a:t>
-            </a:r>
-            <a:endParaRPr b="0" lang="en-US" sz="6600" strike="noStrike" u="none">
-              <a:solidFill>
-                <a:schemeClr val="dk1"/>
-              </a:solidFill>
-              <a:effectLst/>
-              <a:uFillTx/>
-              <a:latin typeface="Gill Sans MT"/>
+              <a:tabLst>
+                <a:tab algn="l" pos="0"/>
+              </a:tabLst>
+              <a:defRPr b="0" lang="pt-BR" sz="1000" strike="noStrike" u="none">
+                <a:solidFill>
+                  <a:schemeClr val="dk1">
+                    <a:tint val="75000"/>
+                  </a:schemeClr>
+                </a:solidFill>
+                <a:effectLst/>
+                <a:uFillTx/>
+                <a:latin typeface="Gill Sans MT"/>
+              </a:defRPr>
+            </a:lvl1pPr>
+          </a:lstStyle>
+          <a:p>
+            <a:pPr indent="0" algn="r" defTabSz="457200">
+              <a:lnSpc>
+                <a:spcPct val="100000"/>
+              </a:lnSpc>
+              <a:buNone/>
+              <a:tabLst>
+                <a:tab algn="l" pos="0"/>
+              </a:tabLst>
+            </a:pPr>
+            <a:r>
+              <a:rPr b="0" lang="pt-BR" sz="1000" strike="noStrike" u="none">
+                <a:solidFill>
+                  <a:schemeClr val="dk1">
+                    <a:tint val="75000"/>
+                  </a:schemeClr>
+                </a:solidFill>
+                <a:effectLst/>
+                <a:uFillTx/>
+                <a:latin typeface="Gill Sans MT"/>
+              </a:rPr>
+              <a:t>&lt;data/hora&gt;</a:t>
+            </a:r>
+            <a:endParaRPr b="0" lang="pt-BR" sz="1000" strike="noStrike" u="none">
+              <a:solidFill>
+                <a:srgbClr val="000000"/>
+              </a:solidFill>
+              <a:effectLst/>
+              <a:uFillTx/>
+              <a:latin typeface="Times New Roman"/>
             </a:endParaRPr>
           </a:p>
         </p:txBody>
@@ -223,13 +254,13 @@
             <a:spLocks noGrp="1"/>
           </p:cNvSpPr>
           <p:nvPr>
-            <p:ph type="dt" idx="1"/>
+            <p:ph type="ftr" idx="2"/>
           </p:nvPr>
         </p:nvSpPr>
         <p:spPr>
           <a:xfrm>
-            <a:off x="7554240" y="330480"/>
-            <a:ext cx="3500280" cy="308880"/>
+            <a:off x="1451520" y="329400"/>
+            <a:ext cx="5938200" cy="308520"/>
           </a:xfrm>
           <a:prstGeom prst="rect">
             <a:avLst/>
@@ -244,44 +275,46 @@
             <a:noAutofit/>
           </a:bodyPr>
           <a:lstStyle>
-            <a:lvl1pPr indent="0" algn="r" defTabSz="457200">
+            <a:lvl1pPr indent="0" algn="ctr">
               <a:lnSpc>
                 <a:spcPct val="100000"/>
               </a:lnSpc>
               <a:buNone/>
-              <a:defRPr b="0" lang="pt-BR" sz="1000" strike="noStrike" u="none">
-                <a:solidFill>
-                  <a:schemeClr val="dk1">
-                    <a:tint val="75000"/>
-                  </a:schemeClr>
-                </a:solidFill>
-                <a:effectLst/>
-                <a:uFillTx/>
-                <a:latin typeface="Gill Sans MT"/>
+              <a:tabLst>
+                <a:tab algn="l" pos="0"/>
+              </a:tabLst>
+              <a:defRPr b="0" lang="pt-BR" sz="1400" strike="noStrike" u="none">
+                <a:solidFill>
+                  <a:srgbClr val="000000"/>
+                </a:solidFill>
+                <a:effectLst/>
+                <a:uFillTx/>
+                <a:latin typeface="Times New Roman"/>
               </a:defRPr>
             </a:lvl1pPr>
           </a:lstStyle>
           <a:p>
-            <a:pPr indent="0" algn="r" defTabSz="457200">
+            <a:pPr indent="0" algn="ctr">
               <a:lnSpc>
                 <a:spcPct val="100000"/>
               </a:lnSpc>
               <a:buNone/>
-            </a:pPr>
-            <a:r>
-              <a:rPr b="0" lang="pt-BR" sz="1000" strike="noStrike" u="none">
-                <a:solidFill>
-                  <a:schemeClr val="dk1">
-                    <a:tint val="75000"/>
-                  </a:schemeClr>
-                </a:solidFill>
-                <a:effectLst/>
-                <a:uFillTx/>
-                <a:latin typeface="Gill Sans MT"/>
-              </a:rPr>
-              <a:t>&lt;data/hora&gt;</a:t>
-            </a:r>
-            <a:endParaRPr b="0" lang="pt-BR" sz="1000" strike="noStrike" u="none">
+              <a:tabLst>
+                <a:tab algn="l" pos="0"/>
+              </a:tabLst>
+            </a:pPr>
+            <a:r>
+              <a:rPr b="0" lang="pt-BR" sz="1400" strike="noStrike" u="none">
+                <a:solidFill>
+                  <a:srgbClr val="000000"/>
+                </a:solidFill>
+                <a:effectLst/>
+                <a:uFillTx/>
+                <a:latin typeface="Times New Roman"/>
+              </a:rPr>
+              <a:t>&lt;rodapé&gt;</a:t>
+            </a:r>
+            <a:endParaRPr b="0" lang="pt-BR" sz="1400" strike="noStrike" u="none">
               <a:solidFill>
                 <a:srgbClr val="000000"/>
               </a:solidFill>
@@ -299,13 +332,13 @@
             <a:spLocks noGrp="1"/>
           </p:cNvSpPr>
           <p:nvPr>
-            <p:ph type="ftr" idx="2"/>
+            <p:ph type="sldNum" idx="3"/>
           </p:nvPr>
         </p:nvSpPr>
         <p:spPr>
           <a:xfrm>
-            <a:off x="2416680" y="329400"/>
-            <a:ext cx="4973400" cy="308880"/>
+            <a:off x="480240" y="798840"/>
+            <a:ext cx="810360" cy="502920"/>
           </a:xfrm>
           <a:prstGeom prst="rect">
             <a:avLst/>
@@ -316,38 +349,50 @@
           </a:ln>
         </p:spPr>
         <p:txBody>
-          <a:bodyPr lIns="91440" rIns="91440" tIns="45720" bIns="45720" anchor="ctr">
+          <a:bodyPr lIns="91440" rIns="91440" tIns="45720" bIns="45720" anchor="t">
             <a:noAutofit/>
           </a:bodyPr>
           <a:lstStyle>
-            <a:lvl1pPr indent="0" algn="ctr">
+            <a:lvl1pPr indent="0" algn="r" defTabSz="457200">
+              <a:lnSpc>
+                <a:spcPct val="100000"/>
+              </a:lnSpc>
               <a:buNone/>
-              <a:defRPr b="0" lang="pt-BR" sz="1400" strike="noStrike" u="none">
-                <a:solidFill>
-                  <a:srgbClr val="000000"/>
-                </a:solidFill>
-                <a:effectLst/>
-                <a:uFillTx/>
-                <a:latin typeface="Times New Roman"/>
+              <a:tabLst>
+                <a:tab algn="l" pos="0"/>
+              </a:tabLst>
+              <a:defRPr b="0" lang="pt-BR" sz="2800" strike="noStrike" u="none">
+                <a:solidFill>
+                  <a:schemeClr val="accent1"/>
+                </a:solidFill>
+                <a:effectLst/>
+                <a:uFillTx/>
+                <a:latin typeface="Gill Sans MT"/>
               </a:defRPr>
             </a:lvl1pPr>
           </a:lstStyle>
           <a:p>
-            <a:pPr indent="0" algn="ctr">
+            <a:pPr indent="0" algn="r" defTabSz="457200">
+              <a:lnSpc>
+                <a:spcPct val="100000"/>
+              </a:lnSpc>
               <a:buNone/>
-            </a:pPr>
-            <a:r>
-              <a:rPr b="0" lang="pt-BR" sz="1400" strike="noStrike" u="none">
-                <a:solidFill>
-                  <a:srgbClr val="000000"/>
-                </a:solidFill>
-                <a:effectLst/>
-                <a:uFillTx/>
-                <a:latin typeface="Times New Roman"/>
-              </a:rPr>
-              <a:t>&lt;rodapé&gt;</a:t>
-            </a:r>
-            <a:endParaRPr b="0" lang="pt-BR" sz="1400" strike="noStrike" u="none">
+              <a:tabLst>
+                <a:tab algn="l" pos="0"/>
+              </a:tabLst>
+            </a:pPr>
+            <a:fld id="{CFAB31A0-05F0-4AB2-8A7E-EE9373AB7B0D}" type="slidenum">
+              <a:rPr b="0" lang="pt-BR" sz="2800" strike="noStrike" u="none">
+                <a:solidFill>
+                  <a:schemeClr val="accent1"/>
+                </a:solidFill>
+                <a:effectLst/>
+                <a:uFillTx/>
+                <a:latin typeface="Gill Sans MT"/>
+              </a:rPr>
+              <a:t>&lt;número&gt;</a:t>
+            </a:fld>
+            <a:endParaRPr b="0" lang="pt-BR" sz="2800" strike="noStrike" u="none">
               <a:solidFill>
                 <a:srgbClr val="000000"/>
               </a:solidFill>
@@ -365,13 +410,13 @@
             <a:spLocks noGrp="1"/>
           </p:cNvSpPr>
           <p:nvPr>
-            <p:ph type="sldNum" idx="3"/>
+            <p:ph type="title"/>
           </p:nvPr>
         </p:nvSpPr>
         <p:spPr>
           <a:xfrm>
-            <a:off x="1437840" y="798840"/>
-            <a:ext cx="810720" cy="503280"/>
+            <a:off x="609480" y="273600"/>
+            <a:ext cx="10972080" cy="1144440"/>
           </a:xfrm>
           <a:prstGeom prst="rect">
             <a:avLst/>
@@ -382,79 +427,44 @@
           </a:ln>
         </p:spPr>
         <p:txBody>
-          <a:bodyPr lIns="91440" rIns="91440" tIns="45720" bIns="45720" anchor="t">
+          <a:bodyPr lIns="0" rIns="0" tIns="0" bIns="0" anchor="ctr">
             <a:noAutofit/>
           </a:bodyPr>
-          <a:lstStyle>
-            <a:lvl1pPr indent="0" algn="r" defTabSz="457200">
+          <a:p>
+            <a:pPr indent="0">
               <a:lnSpc>
                 <a:spcPct val="100000"/>
               </a:lnSpc>
               <a:buNone/>
-              <a:defRPr b="0" lang="pt-BR" sz="2800" strike="noStrike" u="none">
-                <a:solidFill>
-                  <a:schemeClr val="accent1"/>
-                </a:solidFill>
-                <a:effectLst/>
-                <a:uFillTx/>
-                <a:latin typeface="Gill Sans MT"/>
-              </a:defRPr>
-            </a:lvl1pPr>
-          </a:lstStyle>
-          <a:p>
-            <a:pPr indent="0" algn="r" defTabSz="457200">
-              <a:lnSpc>
-                <a:spcPct val="100000"/>
-              </a:lnSpc>
-              <a:buNone/>
-            </a:pPr>
-            <a:fld id="{825049B8-0DB8-4572-8ED6-0D0F4E548C11}" type="slidenum">
-              <a:rPr b="0" lang="pt-BR" sz="2800" strike="noStrike" u="none">
-                <a:solidFill>
-                  <a:schemeClr val="accent1"/>
-                </a:solidFill>
-                <a:effectLst/>
-                <a:uFillTx/>
-                <a:latin typeface="Gill Sans MT"/>
-              </a:rPr>
-              <a:t>&lt;número&gt;</a:t>
-            </a:fld>
-            <a:endParaRPr b="0" lang="pt-BR" sz="2800" strike="noStrike" u="none">
-              <a:solidFill>
-                <a:srgbClr val="000000"/>
-              </a:solidFill>
-              <a:effectLst/>
-              <a:uFillTx/>
-              <a:latin typeface="Times New Roman"/>
+              <a:tabLst>
+                <a:tab algn="l" pos="0"/>
+              </a:tabLst>
+            </a:pPr>
+            <a:r>
+              <a:rPr b="0" lang="en-US" sz="1800" strike="noStrike" u="none">
+                <a:solidFill>
+                  <a:schemeClr val="dk1"/>
+                </a:solidFill>
+                <a:effectLst/>
+                <a:uFillTx/>
+                <a:latin typeface="Gill Sans MT"/>
+              </a:rPr>
+              <a:t>Clique para editar o formato do texto do título</a:t>
+            </a:r>
+            <a:endParaRPr b="0" lang="pt-BR" sz="1800" strike="noStrike" u="none">
+              <a:solidFill>
+                <a:srgbClr val="000000"/>
+              </a:solidFill>
+              <a:effectLst/>
+              <a:uFillTx/>
+              <a:latin typeface="Arial"/>
             </a:endParaRPr>
           </a:p>
         </p:txBody>
       </p:sp>
-      <p:cxnSp>
-        <p:nvCxnSpPr>
-          <p:cNvPr id="7" name="Straight Connector 14"/>
-          <p:cNvCxnSpPr/>
-          <p:nvPr/>
-        </p:nvCxnSpPr>
-        <p:spPr>
-          <a:xfrm>
-            <a:off x="2417760" y="3528360"/>
-            <a:ext cx="8637120" cy="360"/>
-          </a:xfrm>
-          <a:prstGeom prst="straightConnector1">
-            <a:avLst/>
-          </a:prstGeom>
-          <a:ln w="31750">
-            <a:solidFill>
-              <a:srgbClr val="4472c4"/>
-            </a:solidFill>
-            <a:round/>
-          </a:ln>
-        </p:spPr>
-      </p:cxnSp>
       <p:sp>
         <p:nvSpPr>
-          <p:cNvPr id="8" name="PlaceHolder 5"/>
+          <p:cNvPr id="7" name="PlaceHolder 5"/>
           <p:cNvSpPr>
             <a:spLocks noGrp="1"/>
           </p:cNvSpPr>
@@ -465,7 +475,7 @@
         <p:spPr>
           <a:xfrm>
             <a:off x="609480" y="1604520"/>
-            <a:ext cx="10972440" cy="3977280"/>
+            <a:ext cx="10972080" cy="3976920"/>
           </a:xfrm>
           <a:prstGeom prst="rect">
             <a:avLst/>
@@ -505,13 +515,13 @@
               </a:rPr>
               <a:t>Clique para editar o formato de texto dos tópicos</a:t>
             </a:r>
-            <a:endParaRPr b="0" lang="en-US" sz="2000" strike="noStrike" u="none">
-              <a:solidFill>
-                <a:schemeClr val="dk1"/>
-              </a:solidFill>
-              <a:effectLst/>
-              <a:uFillTx/>
-              <a:latin typeface="Gill Sans MT"/>
+            <a:endParaRPr b="0" lang="pt-BR" sz="2000" strike="noStrike" u="none">
+              <a:solidFill>
+                <a:srgbClr val="000000"/>
+              </a:solidFill>
+              <a:effectLst/>
+              <a:uFillTx/>
+              <a:latin typeface="Arial"/>
             </a:endParaRPr>
           </a:p>
           <a:p>
@@ -540,13 +550,13 @@
               </a:rPr>
               <a:t>2.º nível de tópicos</a:t>
             </a:r>
-            <a:endParaRPr b="0" lang="en-US" sz="1600" strike="noStrike" u="none">
-              <a:solidFill>
-                <a:schemeClr val="dk1"/>
-              </a:solidFill>
-              <a:effectLst/>
-              <a:uFillTx/>
-              <a:latin typeface="Gill Sans MT"/>
+            <a:endParaRPr b="0" lang="pt-BR" sz="1600" strike="noStrike" u="none">
+              <a:solidFill>
+                <a:srgbClr val="000000"/>
+              </a:solidFill>
+              <a:effectLst/>
+              <a:uFillTx/>
+              <a:latin typeface="Arial"/>
             </a:endParaRPr>
           </a:p>
           <a:p>
@@ -575,13 +585,13 @@
               </a:rPr>
               <a:t>3.º nível de tópicos</a:t>
             </a:r>
-            <a:endParaRPr b="0" lang="en-US" sz="1400" strike="noStrike" u="none">
-              <a:solidFill>
-                <a:schemeClr val="dk1"/>
-              </a:solidFill>
-              <a:effectLst/>
-              <a:uFillTx/>
-              <a:latin typeface="Gill Sans MT"/>
+            <a:endParaRPr b="0" lang="pt-BR" sz="1400" strike="noStrike" u="none">
+              <a:solidFill>
+                <a:srgbClr val="000000"/>
+              </a:solidFill>
+              <a:effectLst/>
+              <a:uFillTx/>
+              <a:latin typeface="Arial"/>
             </a:endParaRPr>
           </a:p>
           <a:p>
@@ -610,13 +620,13 @@
               </a:rPr>
               <a:t>4.º nível de tópicos</a:t>
             </a:r>
-            <a:endParaRPr b="0" lang="en-US" sz="1200" strike="noStrike" u="none">
-              <a:solidFill>
-                <a:schemeClr val="dk1"/>
-              </a:solidFill>
-              <a:effectLst/>
-              <a:uFillTx/>
-              <a:latin typeface="Gill Sans MT"/>
+            <a:endParaRPr b="0" lang="pt-BR" sz="1200" strike="noStrike" u="none">
+              <a:solidFill>
+                <a:srgbClr val="000000"/>
+              </a:solidFill>
+              <a:effectLst/>
+              <a:uFillTx/>
+              <a:latin typeface="Arial"/>
             </a:endParaRPr>
           </a:p>
           <a:p>
@@ -645,13 +655,13 @@
               </a:rPr>
               <a:t>5.º nível de tópicos</a:t>
             </a:r>
-            <a:endParaRPr b="0" lang="en-US" sz="2000" strike="noStrike" u="none">
-              <a:solidFill>
-                <a:schemeClr val="dk1"/>
-              </a:solidFill>
-              <a:effectLst/>
-              <a:uFillTx/>
-              <a:latin typeface="Gill Sans MT"/>
+            <a:endParaRPr b="0" lang="pt-BR" sz="2000" strike="noStrike" u="none">
+              <a:solidFill>
+                <a:srgbClr val="000000"/>
+              </a:solidFill>
+              <a:effectLst/>
+              <a:uFillTx/>
+              <a:latin typeface="Arial"/>
             </a:endParaRPr>
           </a:p>
           <a:p>
@@ -680,13 +690,13 @@
               </a:rPr>
               <a:t>6.º nível de tópicos</a:t>
             </a:r>
-            <a:endParaRPr b="0" lang="en-US" sz="2000" strike="noStrike" u="none">
-              <a:solidFill>
-                <a:schemeClr val="dk1"/>
-              </a:solidFill>
-              <a:effectLst/>
-              <a:uFillTx/>
-              <a:latin typeface="Gill Sans MT"/>
+            <a:endParaRPr b="0" lang="pt-BR" sz="2000" strike="noStrike" u="none">
+              <a:solidFill>
+                <a:srgbClr val="000000"/>
+              </a:solidFill>
+              <a:effectLst/>
+              <a:uFillTx/>
+              <a:latin typeface="Arial"/>
             </a:endParaRPr>
           </a:p>
           <a:p>
@@ -715,13 +725,13 @@
               </a:rPr>
               <a:t>7.º nível de tópicos</a:t>
             </a:r>
-            <a:endParaRPr b="0" lang="en-US" sz="2000" strike="noStrike" u="none">
-              <a:solidFill>
-                <a:schemeClr val="dk1"/>
-              </a:solidFill>
-              <a:effectLst/>
-              <a:uFillTx/>
-              <a:latin typeface="Gill Sans MT"/>
+            <a:endParaRPr b="0" lang="pt-BR" sz="2000" strike="noStrike" u="none">
+              <a:solidFill>
+                <a:srgbClr val="000000"/>
+              </a:solidFill>
+              <a:effectLst/>
+              <a:uFillTx/>
+              <a:latin typeface="Arial"/>
             </a:endParaRPr>
           </a:p>
         </p:txBody>
@@ -732,6 +742,1728 @@
 </file>
 
 <file path=ppt/slideLayouts/slideLayout10.xml><?xml version="1.0" encoding="utf-8"?>
+<p:sldLayout xmlns:a="http://schemas.openxmlformats.org/drawingml/2006/main" xmlns:p="http://schemas.openxmlformats.org/presentationml/2006/main" xmlns:r="http://schemas.openxmlformats.org/officeDocument/2006/relationships" xmlns:p14="http://schemas.microsoft.com/office/powerpoint/2010/main" xmlns:p15="http://schemas.microsoft.com/office/powerpoint/2012/main" xmlns:mc="http://schemas.openxmlformats.org/markup-compatibility/2006" type="blank" preserve="1">
+  <p:cSld name="Comparação">
+    <p:bg>
+      <p:bgPr>
+        <a:solidFill>
+          <a:srgbClr val="ffffff"/>
+        </a:solidFill>
+      </p:bgPr>
+    </p:bg>
+    <p:spTree>
+      <p:nvGrpSpPr>
+        <p:cNvPr id="1" name=""/>
+        <p:cNvGrpSpPr/>
+        <p:nvPr/>
+      </p:nvGrpSpPr>
+      <p:grpSpPr>
+        <a:xfrm>
+          <a:off x="0" y="0"/>
+          <a:ext cx="0" cy="0"/>
+          <a:chOff x="0" y="0"/>
+          <a:chExt cx="0" cy="0"/>
+        </a:xfrm>
+      </p:grpSpPr>
+      <p:sp>
+        <p:nvSpPr>
+          <p:cNvPr id="86" name="Rectangle 7"/>
+          <p:cNvSpPr/>
+          <p:nvPr/>
+        </p:nvSpPr>
+        <p:spPr>
+          <a:xfrm>
+            <a:off x="0" y="2019600"/>
+            <a:ext cx="12191400" cy="4105080"/>
+          </a:xfrm>
+          <a:prstGeom prst="rect">
+            <a:avLst/>
+          </a:prstGeom>
+          <a:gradFill rotWithShape="0">
+            <a:gsLst>
+              <a:gs pos="0">
+                <a:srgbClr val="e7e6e6">
+                  <a:alpha val="0"/>
+                </a:srgbClr>
+              </a:gs>
+              <a:gs pos="100000">
+                <a:srgbClr val="e7e6e6"/>
+              </a:gs>
+            </a:gsLst>
+            <a:lin ang="5400000"/>
+          </a:gradFill>
+          <a:ln>
+            <a:noFill/>
+          </a:ln>
+        </p:spPr>
+        <p:style>
+          <a:lnRef idx="2">
+            <a:schemeClr val="accent1">
+              <a:shade val="50000"/>
+            </a:schemeClr>
+          </a:lnRef>
+          <a:fillRef idx="1">
+            <a:schemeClr val="accent1"/>
+          </a:fillRef>
+          <a:effectRef idx="0">
+            <a:schemeClr val="accent1"/>
+          </a:effectRef>
+          <a:fontRef idx="minor"/>
+        </p:style>
+        <p:txBody>
+          <a:bodyPr lIns="90000" rIns="90000" tIns="45000" bIns="45000" anchor="t">
+            <a:noAutofit/>
+          </a:bodyPr>
+          <a:p>
+            <a:pPr>
+              <a:lnSpc>
+                <a:spcPct val="100000"/>
+              </a:lnSpc>
+            </a:pPr>
+            <a:endParaRPr b="0" lang="pt-BR" sz="1800" strike="noStrike" u="none">
+              <a:solidFill>
+                <a:srgbClr val="000000"/>
+              </a:solidFill>
+              <a:effectLst/>
+              <a:uFillTx/>
+              <a:latin typeface="Arial"/>
+            </a:endParaRPr>
+          </a:p>
+        </p:txBody>
+      </p:sp>
+      <p:pic>
+        <p:nvPicPr>
+          <p:cNvPr id="87" name="Picture 6" descr=""/>
+          <p:cNvPicPr/>
+          <p:nvPr/>
+        </p:nvPicPr>
+        <p:blipFill>
+          <a:blip r:embed="rId2"/>
+          <a:srcRect l="0" t="1526" r="0" b="-1526"/>
+          <a:stretch/>
+        </p:blipFill>
+        <p:spPr>
+          <a:xfrm>
+            <a:off x="0" y="6126480"/>
+            <a:ext cx="12191400" cy="742320"/>
+          </a:xfrm>
+          <a:prstGeom prst="rect">
+            <a:avLst/>
+          </a:prstGeom>
+          <a:noFill/>
+          <a:ln w="0">
+            <a:noFill/>
+          </a:ln>
+        </p:spPr>
+      </p:pic>
+      <p:cxnSp>
+        <p:nvCxnSpPr>
+          <p:cNvPr id="88" name="Straight Connector 9"/>
+          <p:cNvCxnSpPr/>
+          <p:nvPr/>
+        </p:nvCxnSpPr>
+        <p:spPr>
+          <a:xfrm>
+            <a:off x="0" y="6128280"/>
+            <a:ext cx="12192480" cy="720"/>
+          </a:xfrm>
+          <a:prstGeom prst="straightConnector1">
+            <a:avLst/>
+          </a:prstGeom>
+          <a:ln w="12700">
+            <a:solidFill>
+              <a:srgbClr val="000001">
+                <a:alpha val="20000"/>
+              </a:srgbClr>
+            </a:solidFill>
+            <a:round/>
+          </a:ln>
+        </p:spPr>
+      </p:cxnSp>
+      <p:sp>
+        <p:nvSpPr>
+          <p:cNvPr id="89" name="PlaceHolder 1"/>
+          <p:cNvSpPr>
+            <a:spLocks noGrp="1"/>
+          </p:cNvSpPr>
+          <p:nvPr>
+            <p:ph type="title"/>
+          </p:nvPr>
+        </p:nvSpPr>
+        <p:spPr>
+          <a:xfrm>
+            <a:off x="1447200" y="804240"/>
+            <a:ext cx="9606960" cy="1055520"/>
+          </a:xfrm>
+          <a:prstGeom prst="rect">
+            <a:avLst/>
+          </a:prstGeom>
+          <a:noFill/>
+          <a:ln w="0">
+            <a:noFill/>
+          </a:ln>
+        </p:spPr>
+        <p:txBody>
+          <a:bodyPr lIns="91440" rIns="91440" tIns="45720" bIns="45720" anchor="t">
+            <a:noAutofit/>
+          </a:bodyPr>
+          <a:p>
+            <a:pPr indent="0" defTabSz="914400">
+              <a:lnSpc>
+                <a:spcPct val="90000"/>
+              </a:lnSpc>
+              <a:buNone/>
+              <a:tabLst>
+                <a:tab algn="l" pos="0"/>
+              </a:tabLst>
+            </a:pPr>
+            <a:r>
+              <a:rPr b="0" lang="pt-BR" sz="3200" strike="noStrike" u="none" cap="all">
+                <a:solidFill>
+                  <a:schemeClr val="dk1"/>
+                </a:solidFill>
+                <a:effectLst/>
+                <a:uFillTx/>
+                <a:latin typeface="Gill Sans MT"/>
+              </a:rPr>
+              <a:t>Clique para editar o título Mestre</a:t>
+            </a:r>
+            <a:endParaRPr b="0" lang="pt-BR" sz="3200" strike="noStrike" u="none">
+              <a:solidFill>
+                <a:srgbClr val="000000"/>
+              </a:solidFill>
+              <a:effectLst/>
+              <a:uFillTx/>
+              <a:latin typeface="Arial"/>
+            </a:endParaRPr>
+          </a:p>
+        </p:txBody>
+      </p:sp>
+      <p:sp>
+        <p:nvSpPr>
+          <p:cNvPr id="90" name="PlaceHolder 2"/>
+          <p:cNvSpPr>
+            <a:spLocks noGrp="1"/>
+          </p:cNvSpPr>
+          <p:nvPr>
+            <p:ph type="body"/>
+          </p:nvPr>
+        </p:nvSpPr>
+        <p:spPr>
+          <a:xfrm>
+            <a:off x="1447200" y="2019600"/>
+            <a:ext cx="4644360" cy="801360"/>
+          </a:xfrm>
+          <a:prstGeom prst="rect">
+            <a:avLst/>
+          </a:prstGeom>
+          <a:noFill/>
+          <a:ln w="0">
+            <a:noFill/>
+          </a:ln>
+        </p:spPr>
+        <p:txBody>
+          <a:bodyPr lIns="91440" rIns="91440" tIns="45720" bIns="45720" anchor="b">
+            <a:normAutofit/>
+          </a:bodyPr>
+          <a:p>
+            <a:pPr indent="0" defTabSz="914400">
+              <a:lnSpc>
+                <a:spcPct val="100000"/>
+              </a:lnSpc>
+              <a:spcBef>
+                <a:spcPts val="1001"/>
+              </a:spcBef>
+              <a:buNone/>
+              <a:tabLst>
+                <a:tab algn="l" pos="0"/>
+              </a:tabLst>
+            </a:pPr>
+            <a:r>
+              <a:rPr b="0" lang="pt-BR" sz="2200" strike="noStrike" u="none" cap="all">
+                <a:solidFill>
+                  <a:schemeClr val="accent1"/>
+                </a:solidFill>
+                <a:effectLst/>
+                <a:uFillTx/>
+                <a:latin typeface="Gill Sans MT"/>
+              </a:rPr>
+              <a:t>Clique para editar os estilos de texto Mestres</a:t>
+            </a:r>
+            <a:endParaRPr b="0" lang="pt-BR" sz="2200" strike="noStrike" u="none">
+              <a:solidFill>
+                <a:srgbClr val="000000"/>
+              </a:solidFill>
+              <a:effectLst/>
+              <a:uFillTx/>
+              <a:latin typeface="Arial"/>
+            </a:endParaRPr>
+          </a:p>
+        </p:txBody>
+      </p:sp>
+      <p:sp>
+        <p:nvSpPr>
+          <p:cNvPr id="91" name="PlaceHolder 3"/>
+          <p:cNvSpPr>
+            <a:spLocks noGrp="1"/>
+          </p:cNvSpPr>
+          <p:nvPr>
+            <p:ph type="body"/>
+          </p:nvPr>
+        </p:nvSpPr>
+        <p:spPr>
+          <a:xfrm>
+            <a:off x="1447200" y="2824200"/>
+            <a:ext cx="4644360" cy="2643840"/>
+          </a:xfrm>
+          <a:prstGeom prst="rect">
+            <a:avLst/>
+          </a:prstGeom>
+          <a:noFill/>
+          <a:ln w="0">
+            <a:noFill/>
+          </a:ln>
+        </p:spPr>
+        <p:txBody>
+          <a:bodyPr lIns="91440" rIns="91440" tIns="45720" bIns="45720" anchor="t">
+            <a:noAutofit/>
+          </a:bodyPr>
+          <a:p>
+            <a:pPr marL="228600" indent="-228600" defTabSz="914400">
+              <a:lnSpc>
+                <a:spcPct val="120000"/>
+              </a:lnSpc>
+              <a:spcBef>
+                <a:spcPts val="1001"/>
+              </a:spcBef>
+              <a:buClr>
+                <a:srgbClr val="4472c4"/>
+              </a:buClr>
+              <a:buFont typeface="Arial"/>
+              <a:buChar char="•"/>
+            </a:pPr>
+            <a:r>
+              <a:rPr b="0" lang="pt-BR" sz="2000" strike="noStrike" u="none">
+                <a:solidFill>
+                  <a:schemeClr val="dk1"/>
+                </a:solidFill>
+                <a:effectLst/>
+                <a:uFillTx/>
+                <a:latin typeface="Gill Sans MT"/>
+              </a:rPr>
+              <a:t>Clique para editar os estilos de texto Mestres</a:t>
+            </a:r>
+            <a:endParaRPr b="0" lang="pt-BR" sz="2000" strike="noStrike" u="none">
+              <a:solidFill>
+                <a:srgbClr val="000000"/>
+              </a:solidFill>
+              <a:effectLst/>
+              <a:uFillTx/>
+              <a:latin typeface="Arial"/>
+            </a:endParaRPr>
+          </a:p>
+          <a:p>
+            <a:pPr lvl="1" marL="685800" indent="-228600" defTabSz="914400">
+              <a:lnSpc>
+                <a:spcPct val="120000"/>
+              </a:lnSpc>
+              <a:spcBef>
+                <a:spcPts val="499"/>
+              </a:spcBef>
+              <a:buClr>
+                <a:srgbClr val="4472c4"/>
+              </a:buClr>
+              <a:buFont typeface="Arial"/>
+              <a:buChar char="•"/>
+            </a:pPr>
+            <a:r>
+              <a:rPr b="0" lang="pt-BR" sz="1800" strike="noStrike" u="none">
+                <a:solidFill>
+                  <a:schemeClr val="dk1"/>
+                </a:solidFill>
+                <a:effectLst/>
+                <a:uFillTx/>
+                <a:latin typeface="Gill Sans MT"/>
+              </a:rPr>
+              <a:t>Segundo nível</a:t>
+            </a:r>
+            <a:endParaRPr b="0" lang="pt-BR" sz="1800" strike="noStrike" u="none">
+              <a:solidFill>
+                <a:srgbClr val="000000"/>
+              </a:solidFill>
+              <a:effectLst/>
+              <a:uFillTx/>
+              <a:latin typeface="Arial"/>
+            </a:endParaRPr>
+          </a:p>
+          <a:p>
+            <a:pPr lvl="2" marL="1143000" indent="-228600" defTabSz="914400">
+              <a:lnSpc>
+                <a:spcPct val="120000"/>
+              </a:lnSpc>
+              <a:spcBef>
+                <a:spcPts val="499"/>
+              </a:spcBef>
+              <a:buClr>
+                <a:srgbClr val="4472c4"/>
+              </a:buClr>
+              <a:buFont typeface="Arial"/>
+              <a:buChar char="•"/>
+            </a:pPr>
+            <a:r>
+              <a:rPr b="0" lang="pt-BR" sz="1600" strike="noStrike" u="none">
+                <a:solidFill>
+                  <a:schemeClr val="dk1"/>
+                </a:solidFill>
+                <a:effectLst/>
+                <a:uFillTx/>
+                <a:latin typeface="Gill Sans MT"/>
+              </a:rPr>
+              <a:t>Terceiro nível</a:t>
+            </a:r>
+            <a:endParaRPr b="0" lang="pt-BR" sz="1600" strike="noStrike" u="none">
+              <a:solidFill>
+                <a:srgbClr val="000000"/>
+              </a:solidFill>
+              <a:effectLst/>
+              <a:uFillTx/>
+              <a:latin typeface="Arial"/>
+            </a:endParaRPr>
+          </a:p>
+          <a:p>
+            <a:pPr lvl="3" marL="1600200" indent="-228600" defTabSz="914400">
+              <a:lnSpc>
+                <a:spcPct val="120000"/>
+              </a:lnSpc>
+              <a:spcBef>
+                <a:spcPts val="499"/>
+              </a:spcBef>
+              <a:buClr>
+                <a:srgbClr val="4472c4"/>
+              </a:buClr>
+              <a:buFont typeface="Arial"/>
+              <a:buChar char="•"/>
+            </a:pPr>
+            <a:r>
+              <a:rPr b="0" lang="pt-BR" sz="1400" strike="noStrike" u="none">
+                <a:solidFill>
+                  <a:schemeClr val="dk1"/>
+                </a:solidFill>
+                <a:effectLst/>
+                <a:uFillTx/>
+                <a:latin typeface="Gill Sans MT"/>
+              </a:rPr>
+              <a:t>Quarto nível</a:t>
+            </a:r>
+            <a:endParaRPr b="0" lang="pt-BR" sz="1400" strike="noStrike" u="none">
+              <a:solidFill>
+                <a:srgbClr val="000000"/>
+              </a:solidFill>
+              <a:effectLst/>
+              <a:uFillTx/>
+              <a:latin typeface="Arial"/>
+            </a:endParaRPr>
+          </a:p>
+          <a:p>
+            <a:pPr lvl="4" marL="2057400" indent="-228600" defTabSz="914400">
+              <a:lnSpc>
+                <a:spcPct val="120000"/>
+              </a:lnSpc>
+              <a:spcBef>
+                <a:spcPts val="499"/>
+              </a:spcBef>
+              <a:buClr>
+                <a:srgbClr val="4472c4"/>
+              </a:buClr>
+              <a:buFont typeface="Arial"/>
+              <a:buChar char="•"/>
+            </a:pPr>
+            <a:r>
+              <a:rPr b="0" lang="pt-BR" sz="1200" strike="noStrike" u="none">
+                <a:solidFill>
+                  <a:schemeClr val="dk1"/>
+                </a:solidFill>
+                <a:effectLst/>
+                <a:uFillTx/>
+                <a:latin typeface="Gill Sans MT"/>
+              </a:rPr>
+              <a:t>Quinto nível</a:t>
+            </a:r>
+            <a:endParaRPr b="0" lang="pt-BR" sz="1200" strike="noStrike" u="none">
+              <a:solidFill>
+                <a:srgbClr val="000000"/>
+              </a:solidFill>
+              <a:effectLst/>
+              <a:uFillTx/>
+              <a:latin typeface="Arial"/>
+            </a:endParaRPr>
+          </a:p>
+        </p:txBody>
+      </p:sp>
+      <p:sp>
+        <p:nvSpPr>
+          <p:cNvPr id="92" name="PlaceHolder 4"/>
+          <p:cNvSpPr>
+            <a:spLocks noGrp="1"/>
+          </p:cNvSpPr>
+          <p:nvPr>
+            <p:ph type="body"/>
+          </p:nvPr>
+        </p:nvSpPr>
+        <p:spPr>
+          <a:xfrm>
+            <a:off x="6412320" y="2022840"/>
+            <a:ext cx="4644360" cy="801360"/>
+          </a:xfrm>
+          <a:prstGeom prst="rect">
+            <a:avLst/>
+          </a:prstGeom>
+          <a:noFill/>
+          <a:ln w="0">
+            <a:noFill/>
+          </a:ln>
+        </p:spPr>
+        <p:txBody>
+          <a:bodyPr lIns="91440" rIns="91440" tIns="45720" bIns="45720" anchor="b">
+            <a:normAutofit/>
+          </a:bodyPr>
+          <a:p>
+            <a:pPr indent="0" defTabSz="914400">
+              <a:lnSpc>
+                <a:spcPct val="100000"/>
+              </a:lnSpc>
+              <a:spcBef>
+                <a:spcPts val="1001"/>
+              </a:spcBef>
+              <a:buNone/>
+              <a:tabLst>
+                <a:tab algn="l" pos="0"/>
+              </a:tabLst>
+            </a:pPr>
+            <a:r>
+              <a:rPr b="0" lang="pt-BR" sz="2200" strike="noStrike" u="none" cap="all">
+                <a:solidFill>
+                  <a:schemeClr val="accent1"/>
+                </a:solidFill>
+                <a:effectLst/>
+                <a:uFillTx/>
+                <a:latin typeface="Gill Sans MT"/>
+              </a:rPr>
+              <a:t>Clique para editar os estilos de texto Mestres</a:t>
+            </a:r>
+            <a:endParaRPr b="0" lang="pt-BR" sz="2200" strike="noStrike" u="none">
+              <a:solidFill>
+                <a:srgbClr val="000000"/>
+              </a:solidFill>
+              <a:effectLst/>
+              <a:uFillTx/>
+              <a:latin typeface="Arial"/>
+            </a:endParaRPr>
+          </a:p>
+        </p:txBody>
+      </p:sp>
+      <p:sp>
+        <p:nvSpPr>
+          <p:cNvPr id="93" name="PlaceHolder 5"/>
+          <p:cNvSpPr>
+            <a:spLocks noGrp="1"/>
+          </p:cNvSpPr>
+          <p:nvPr>
+            <p:ph type="body"/>
+          </p:nvPr>
+        </p:nvSpPr>
+        <p:spPr>
+          <a:xfrm>
+            <a:off x="6412320" y="2821320"/>
+            <a:ext cx="4644360" cy="2636640"/>
+          </a:xfrm>
+          <a:prstGeom prst="rect">
+            <a:avLst/>
+          </a:prstGeom>
+          <a:noFill/>
+          <a:ln w="0">
+            <a:noFill/>
+          </a:ln>
+        </p:spPr>
+        <p:txBody>
+          <a:bodyPr lIns="91440" rIns="91440" tIns="45720" bIns="45720" anchor="t">
+            <a:noAutofit/>
+          </a:bodyPr>
+          <a:p>
+            <a:pPr marL="228600" indent="-228600" defTabSz="914400">
+              <a:lnSpc>
+                <a:spcPct val="120000"/>
+              </a:lnSpc>
+              <a:spcBef>
+                <a:spcPts val="1001"/>
+              </a:spcBef>
+              <a:buClr>
+                <a:srgbClr val="4472c4"/>
+              </a:buClr>
+              <a:buFont typeface="Arial"/>
+              <a:buChar char="•"/>
+            </a:pPr>
+            <a:r>
+              <a:rPr b="0" lang="pt-BR" sz="2000" strike="noStrike" u="none">
+                <a:solidFill>
+                  <a:schemeClr val="dk1"/>
+                </a:solidFill>
+                <a:effectLst/>
+                <a:uFillTx/>
+                <a:latin typeface="Gill Sans MT"/>
+              </a:rPr>
+              <a:t>Clique para editar os estilos de texto Mestres</a:t>
+            </a:r>
+            <a:endParaRPr b="0" lang="pt-BR" sz="2000" strike="noStrike" u="none">
+              <a:solidFill>
+                <a:srgbClr val="000000"/>
+              </a:solidFill>
+              <a:effectLst/>
+              <a:uFillTx/>
+              <a:latin typeface="Arial"/>
+            </a:endParaRPr>
+          </a:p>
+          <a:p>
+            <a:pPr lvl="1" marL="685800" indent="-228600" defTabSz="914400">
+              <a:lnSpc>
+                <a:spcPct val="120000"/>
+              </a:lnSpc>
+              <a:spcBef>
+                <a:spcPts val="499"/>
+              </a:spcBef>
+              <a:buClr>
+                <a:srgbClr val="4472c4"/>
+              </a:buClr>
+              <a:buFont typeface="Arial"/>
+              <a:buChar char="•"/>
+            </a:pPr>
+            <a:r>
+              <a:rPr b="0" lang="pt-BR" sz="1800" strike="noStrike" u="none">
+                <a:solidFill>
+                  <a:schemeClr val="dk1"/>
+                </a:solidFill>
+                <a:effectLst/>
+                <a:uFillTx/>
+                <a:latin typeface="Gill Sans MT"/>
+              </a:rPr>
+              <a:t>Segundo nível</a:t>
+            </a:r>
+            <a:endParaRPr b="0" lang="pt-BR" sz="1800" strike="noStrike" u="none">
+              <a:solidFill>
+                <a:srgbClr val="000000"/>
+              </a:solidFill>
+              <a:effectLst/>
+              <a:uFillTx/>
+              <a:latin typeface="Arial"/>
+            </a:endParaRPr>
+          </a:p>
+          <a:p>
+            <a:pPr lvl="2" marL="1143000" indent="-228600" defTabSz="914400">
+              <a:lnSpc>
+                <a:spcPct val="120000"/>
+              </a:lnSpc>
+              <a:spcBef>
+                <a:spcPts val="499"/>
+              </a:spcBef>
+              <a:buClr>
+                <a:srgbClr val="4472c4"/>
+              </a:buClr>
+              <a:buFont typeface="Arial"/>
+              <a:buChar char="•"/>
+            </a:pPr>
+            <a:r>
+              <a:rPr b="0" lang="pt-BR" sz="1600" strike="noStrike" u="none">
+                <a:solidFill>
+                  <a:schemeClr val="dk1"/>
+                </a:solidFill>
+                <a:effectLst/>
+                <a:uFillTx/>
+                <a:latin typeface="Gill Sans MT"/>
+              </a:rPr>
+              <a:t>Terceiro nível</a:t>
+            </a:r>
+            <a:endParaRPr b="0" lang="pt-BR" sz="1600" strike="noStrike" u="none">
+              <a:solidFill>
+                <a:srgbClr val="000000"/>
+              </a:solidFill>
+              <a:effectLst/>
+              <a:uFillTx/>
+              <a:latin typeface="Arial"/>
+            </a:endParaRPr>
+          </a:p>
+          <a:p>
+            <a:pPr lvl="3" marL="1600200" indent="-228600" defTabSz="914400">
+              <a:lnSpc>
+                <a:spcPct val="120000"/>
+              </a:lnSpc>
+              <a:spcBef>
+                <a:spcPts val="499"/>
+              </a:spcBef>
+              <a:buClr>
+                <a:srgbClr val="4472c4"/>
+              </a:buClr>
+              <a:buFont typeface="Arial"/>
+              <a:buChar char="•"/>
+            </a:pPr>
+            <a:r>
+              <a:rPr b="0" lang="pt-BR" sz="1400" strike="noStrike" u="none">
+                <a:solidFill>
+                  <a:schemeClr val="dk1"/>
+                </a:solidFill>
+                <a:effectLst/>
+                <a:uFillTx/>
+                <a:latin typeface="Gill Sans MT"/>
+              </a:rPr>
+              <a:t>Quarto nível</a:t>
+            </a:r>
+            <a:endParaRPr b="0" lang="pt-BR" sz="1400" strike="noStrike" u="none">
+              <a:solidFill>
+                <a:srgbClr val="000000"/>
+              </a:solidFill>
+              <a:effectLst/>
+              <a:uFillTx/>
+              <a:latin typeface="Arial"/>
+            </a:endParaRPr>
+          </a:p>
+          <a:p>
+            <a:pPr lvl="4" marL="2057400" indent="-228600" defTabSz="914400">
+              <a:lnSpc>
+                <a:spcPct val="120000"/>
+              </a:lnSpc>
+              <a:spcBef>
+                <a:spcPts val="499"/>
+              </a:spcBef>
+              <a:buClr>
+                <a:srgbClr val="4472c4"/>
+              </a:buClr>
+              <a:buFont typeface="Arial"/>
+              <a:buChar char="•"/>
+            </a:pPr>
+            <a:r>
+              <a:rPr b="0" lang="pt-BR" sz="1200" strike="noStrike" u="none">
+                <a:solidFill>
+                  <a:schemeClr val="dk1"/>
+                </a:solidFill>
+                <a:effectLst/>
+                <a:uFillTx/>
+                <a:latin typeface="Gill Sans MT"/>
+              </a:rPr>
+              <a:t>Quinto nível</a:t>
+            </a:r>
+            <a:endParaRPr b="0" lang="pt-BR" sz="1200" strike="noStrike" u="none">
+              <a:solidFill>
+                <a:srgbClr val="000000"/>
+              </a:solidFill>
+              <a:effectLst/>
+              <a:uFillTx/>
+              <a:latin typeface="Arial"/>
+            </a:endParaRPr>
+          </a:p>
+        </p:txBody>
+      </p:sp>
+      <p:sp>
+        <p:nvSpPr>
+          <p:cNvPr id="94" name="PlaceHolder 6"/>
+          <p:cNvSpPr>
+            <a:spLocks noGrp="1"/>
+          </p:cNvSpPr>
+          <p:nvPr>
+            <p:ph type="dt" idx="28"/>
+          </p:nvPr>
+        </p:nvSpPr>
+        <p:spPr>
+          <a:xfrm>
+            <a:off x="7554240" y="330480"/>
+            <a:ext cx="3499920" cy="308520"/>
+          </a:xfrm>
+          <a:prstGeom prst="rect">
+            <a:avLst/>
+          </a:prstGeom>
+          <a:noFill/>
+          <a:ln w="0">
+            <a:noFill/>
+          </a:ln>
+        </p:spPr>
+        <p:txBody>
+          <a:bodyPr lIns="91440" rIns="91440" tIns="45720" bIns="45720" anchor="ctr">
+            <a:noAutofit/>
+          </a:bodyPr>
+          <a:lstStyle>
+            <a:lvl1pPr indent="0" algn="r" defTabSz="457200">
+              <a:lnSpc>
+                <a:spcPct val="100000"/>
+              </a:lnSpc>
+              <a:buNone/>
+              <a:tabLst>
+                <a:tab algn="l" pos="0"/>
+              </a:tabLst>
+              <a:defRPr b="0" lang="pt-BR" sz="1000" strike="noStrike" u="none">
+                <a:solidFill>
+                  <a:schemeClr val="dk1">
+                    <a:tint val="75000"/>
+                  </a:schemeClr>
+                </a:solidFill>
+                <a:effectLst/>
+                <a:uFillTx/>
+                <a:latin typeface="Gill Sans MT"/>
+              </a:defRPr>
+            </a:lvl1pPr>
+          </a:lstStyle>
+          <a:p>
+            <a:pPr indent="0" algn="r" defTabSz="457200">
+              <a:lnSpc>
+                <a:spcPct val="100000"/>
+              </a:lnSpc>
+              <a:buNone/>
+              <a:tabLst>
+                <a:tab algn="l" pos="0"/>
+              </a:tabLst>
+            </a:pPr>
+            <a:r>
+              <a:rPr b="0" lang="pt-BR" sz="1000" strike="noStrike" u="none">
+                <a:solidFill>
+                  <a:schemeClr val="dk1">
+                    <a:tint val="75000"/>
+                  </a:schemeClr>
+                </a:solidFill>
+                <a:effectLst/>
+                <a:uFillTx/>
+                <a:latin typeface="Gill Sans MT"/>
+              </a:rPr>
+              <a:t>&lt;data/hora&gt;</a:t>
+            </a:r>
+            <a:endParaRPr b="0" lang="pt-BR" sz="1000" strike="noStrike" u="none">
+              <a:solidFill>
+                <a:srgbClr val="000000"/>
+              </a:solidFill>
+              <a:effectLst/>
+              <a:uFillTx/>
+              <a:latin typeface="Times New Roman"/>
+            </a:endParaRPr>
+          </a:p>
+        </p:txBody>
+      </p:sp>
+      <p:sp>
+        <p:nvSpPr>
+          <p:cNvPr id="95" name="PlaceHolder 7"/>
+          <p:cNvSpPr>
+            <a:spLocks noGrp="1"/>
+          </p:cNvSpPr>
+          <p:nvPr>
+            <p:ph type="ftr" idx="29"/>
+          </p:nvPr>
+        </p:nvSpPr>
+        <p:spPr>
+          <a:xfrm>
+            <a:off x="1451520" y="329400"/>
+            <a:ext cx="5938200" cy="308520"/>
+          </a:xfrm>
+          <a:prstGeom prst="rect">
+            <a:avLst/>
+          </a:prstGeom>
+          <a:noFill/>
+          <a:ln w="0">
+            <a:noFill/>
+          </a:ln>
+        </p:spPr>
+        <p:txBody>
+          <a:bodyPr lIns="91440" rIns="91440" tIns="45720" bIns="45720" anchor="ctr">
+            <a:noAutofit/>
+          </a:bodyPr>
+          <a:lstStyle>
+            <a:lvl1pPr indent="0" algn="ctr">
+              <a:lnSpc>
+                <a:spcPct val="100000"/>
+              </a:lnSpc>
+              <a:buNone/>
+              <a:tabLst>
+                <a:tab algn="l" pos="0"/>
+              </a:tabLst>
+              <a:defRPr b="0" lang="pt-BR" sz="1400" strike="noStrike" u="none">
+                <a:solidFill>
+                  <a:srgbClr val="000000"/>
+                </a:solidFill>
+                <a:effectLst/>
+                <a:uFillTx/>
+                <a:latin typeface="Times New Roman"/>
+              </a:defRPr>
+            </a:lvl1pPr>
+          </a:lstStyle>
+          <a:p>
+            <a:pPr indent="0" algn="ctr">
+              <a:lnSpc>
+                <a:spcPct val="100000"/>
+              </a:lnSpc>
+              <a:buNone/>
+              <a:tabLst>
+                <a:tab algn="l" pos="0"/>
+              </a:tabLst>
+            </a:pPr>
+            <a:r>
+              <a:rPr b="0" lang="pt-BR" sz="1400" strike="noStrike" u="none">
+                <a:solidFill>
+                  <a:srgbClr val="000000"/>
+                </a:solidFill>
+                <a:effectLst/>
+                <a:uFillTx/>
+                <a:latin typeface="Times New Roman"/>
+              </a:rPr>
+              <a:t>&lt;rodapé&gt;</a:t>
+            </a:r>
+            <a:endParaRPr b="0" lang="pt-BR" sz="1400" strike="noStrike" u="none">
+              <a:solidFill>
+                <a:srgbClr val="000000"/>
+              </a:solidFill>
+              <a:effectLst/>
+              <a:uFillTx/>
+              <a:latin typeface="Times New Roman"/>
+            </a:endParaRPr>
+          </a:p>
+        </p:txBody>
+      </p:sp>
+      <p:sp>
+        <p:nvSpPr>
+          <p:cNvPr id="96" name="PlaceHolder 8"/>
+          <p:cNvSpPr>
+            <a:spLocks noGrp="1"/>
+          </p:cNvSpPr>
+          <p:nvPr>
+            <p:ph type="sldNum" idx="30"/>
+          </p:nvPr>
+        </p:nvSpPr>
+        <p:spPr>
+          <a:xfrm>
+            <a:off x="480240" y="798840"/>
+            <a:ext cx="810360" cy="502920"/>
+          </a:xfrm>
+          <a:prstGeom prst="rect">
+            <a:avLst/>
+          </a:prstGeom>
+          <a:noFill/>
+          <a:ln w="0">
+            <a:noFill/>
+          </a:ln>
+        </p:spPr>
+        <p:txBody>
+          <a:bodyPr lIns="91440" rIns="91440" tIns="45720" bIns="45720" anchor="t">
+            <a:noAutofit/>
+          </a:bodyPr>
+          <a:lstStyle>
+            <a:lvl1pPr indent="0" algn="r" defTabSz="457200">
+              <a:lnSpc>
+                <a:spcPct val="100000"/>
+              </a:lnSpc>
+              <a:buNone/>
+              <a:tabLst>
+                <a:tab algn="l" pos="0"/>
+              </a:tabLst>
+              <a:defRPr b="0" lang="pt-BR" sz="2800" strike="noStrike" u="none">
+                <a:solidFill>
+                  <a:schemeClr val="accent1"/>
+                </a:solidFill>
+                <a:effectLst/>
+                <a:uFillTx/>
+                <a:latin typeface="Gill Sans MT"/>
+              </a:defRPr>
+            </a:lvl1pPr>
+          </a:lstStyle>
+          <a:p>
+            <a:pPr indent="0" algn="r" defTabSz="457200">
+              <a:lnSpc>
+                <a:spcPct val="100000"/>
+              </a:lnSpc>
+              <a:buNone/>
+              <a:tabLst>
+                <a:tab algn="l" pos="0"/>
+              </a:tabLst>
+            </a:pPr>
+            <a:fld id="{103144AE-7EBE-4063-AE22-73BF9B61EF32}" type="slidenum">
+              <a:rPr b="0" lang="pt-BR" sz="2800" strike="noStrike" u="none">
+                <a:solidFill>
+                  <a:schemeClr val="accent1"/>
+                </a:solidFill>
+                <a:effectLst/>
+                <a:uFillTx/>
+                <a:latin typeface="Gill Sans MT"/>
+              </a:rPr>
+              <a:t>&lt;número&gt;</a:t>
+            </a:fld>
+            <a:endParaRPr b="0" lang="pt-BR" sz="2800" strike="noStrike" u="none">
+              <a:solidFill>
+                <a:srgbClr val="000000"/>
+              </a:solidFill>
+              <a:effectLst/>
+              <a:uFillTx/>
+              <a:latin typeface="Times New Roman"/>
+            </a:endParaRPr>
+          </a:p>
+        </p:txBody>
+      </p:sp>
+      <p:cxnSp>
+        <p:nvCxnSpPr>
+          <p:cNvPr id="97" name="Straight Connector 28"/>
+          <p:cNvCxnSpPr/>
+          <p:nvPr/>
+        </p:nvCxnSpPr>
+        <p:spPr>
+          <a:xfrm>
+            <a:off x="1453680" y="1846800"/>
+            <a:ext cx="9608400" cy="720"/>
+          </a:xfrm>
+          <a:prstGeom prst="straightConnector1">
+            <a:avLst/>
+          </a:prstGeom>
+          <a:ln w="31750">
+            <a:solidFill>
+              <a:srgbClr val="4472c4"/>
+            </a:solidFill>
+            <a:round/>
+          </a:ln>
+        </p:spPr>
+      </p:cxnSp>
+    </p:spTree>
+  </p:cSld>
+</p:sldLayout>
+</file>
+
+<file path=ppt/slideLayouts/slideLayout11.xml><?xml version="1.0" encoding="utf-8"?>
+<p:sldLayout xmlns:a="http://schemas.openxmlformats.org/drawingml/2006/main" xmlns:p="http://schemas.openxmlformats.org/presentationml/2006/main" xmlns:r="http://schemas.openxmlformats.org/officeDocument/2006/relationships" xmlns:p14="http://schemas.microsoft.com/office/powerpoint/2010/main" xmlns:p15="http://schemas.microsoft.com/office/powerpoint/2012/main" xmlns:mc="http://schemas.openxmlformats.org/markup-compatibility/2006" type="titleOnly" preserve="1">
+  <p:cSld name="Somente Título">
+    <p:bg>
+      <p:bgPr>
+        <a:solidFill>
+          <a:srgbClr val="ffffff"/>
+        </a:solidFill>
+      </p:bgPr>
+    </p:bg>
+    <p:spTree>
+      <p:nvGrpSpPr>
+        <p:cNvPr id="1" name=""/>
+        <p:cNvGrpSpPr/>
+        <p:nvPr/>
+      </p:nvGrpSpPr>
+      <p:grpSpPr>
+        <a:xfrm>
+          <a:off x="0" y="0"/>
+          <a:ext cx="0" cy="0"/>
+          <a:chOff x="0" y="0"/>
+          <a:chExt cx="0" cy="0"/>
+        </a:xfrm>
+      </p:grpSpPr>
+      <p:sp>
+        <p:nvSpPr>
+          <p:cNvPr id="98" name="Rectangle 7"/>
+          <p:cNvSpPr/>
+          <p:nvPr/>
+        </p:nvSpPr>
+        <p:spPr>
+          <a:xfrm>
+            <a:off x="0" y="2019600"/>
+            <a:ext cx="12191400" cy="4105080"/>
+          </a:xfrm>
+          <a:prstGeom prst="rect">
+            <a:avLst/>
+          </a:prstGeom>
+          <a:gradFill rotWithShape="0">
+            <a:gsLst>
+              <a:gs pos="0">
+                <a:srgbClr val="e7e6e6">
+                  <a:alpha val="0"/>
+                </a:srgbClr>
+              </a:gs>
+              <a:gs pos="100000">
+                <a:srgbClr val="e7e6e6"/>
+              </a:gs>
+            </a:gsLst>
+            <a:lin ang="5400000"/>
+          </a:gradFill>
+          <a:ln>
+            <a:noFill/>
+          </a:ln>
+        </p:spPr>
+        <p:style>
+          <a:lnRef idx="2">
+            <a:schemeClr val="accent1">
+              <a:shade val="50000"/>
+            </a:schemeClr>
+          </a:lnRef>
+          <a:fillRef idx="1">
+            <a:schemeClr val="accent1"/>
+          </a:fillRef>
+          <a:effectRef idx="0">
+            <a:schemeClr val="accent1"/>
+          </a:effectRef>
+          <a:fontRef idx="minor"/>
+        </p:style>
+        <p:txBody>
+          <a:bodyPr lIns="90000" rIns="90000" tIns="45000" bIns="45000" anchor="t">
+            <a:noAutofit/>
+          </a:bodyPr>
+          <a:p>
+            <a:pPr>
+              <a:lnSpc>
+                <a:spcPct val="100000"/>
+              </a:lnSpc>
+            </a:pPr>
+            <a:endParaRPr b="0" lang="pt-BR" sz="1800" strike="noStrike" u="none">
+              <a:solidFill>
+                <a:srgbClr val="000000"/>
+              </a:solidFill>
+              <a:effectLst/>
+              <a:uFillTx/>
+              <a:latin typeface="Arial"/>
+            </a:endParaRPr>
+          </a:p>
+        </p:txBody>
+      </p:sp>
+      <p:pic>
+        <p:nvPicPr>
+          <p:cNvPr id="99" name="Picture 6" descr=""/>
+          <p:cNvPicPr/>
+          <p:nvPr/>
+        </p:nvPicPr>
+        <p:blipFill>
+          <a:blip r:embed="rId2"/>
+          <a:srcRect l="0" t="1526" r="0" b="-1526"/>
+          <a:stretch/>
+        </p:blipFill>
+        <p:spPr>
+          <a:xfrm>
+            <a:off x="0" y="6126480"/>
+            <a:ext cx="12191400" cy="742320"/>
+          </a:xfrm>
+          <a:prstGeom prst="rect">
+            <a:avLst/>
+          </a:prstGeom>
+          <a:noFill/>
+          <a:ln w="0">
+            <a:noFill/>
+          </a:ln>
+        </p:spPr>
+      </p:pic>
+      <p:cxnSp>
+        <p:nvCxnSpPr>
+          <p:cNvPr id="100" name="Straight Connector 9"/>
+          <p:cNvCxnSpPr/>
+          <p:nvPr/>
+        </p:nvCxnSpPr>
+        <p:spPr>
+          <a:xfrm>
+            <a:off x="0" y="6128280"/>
+            <a:ext cx="12192480" cy="720"/>
+          </a:xfrm>
+          <a:prstGeom prst="straightConnector1">
+            <a:avLst/>
+          </a:prstGeom>
+          <a:ln w="12700">
+            <a:solidFill>
+              <a:srgbClr val="000001">
+                <a:alpha val="20000"/>
+              </a:srgbClr>
+            </a:solidFill>
+            <a:round/>
+          </a:ln>
+        </p:spPr>
+      </p:cxnSp>
+      <p:sp>
+        <p:nvSpPr>
+          <p:cNvPr id="101" name="PlaceHolder 1"/>
+          <p:cNvSpPr>
+            <a:spLocks noGrp="1"/>
+          </p:cNvSpPr>
+          <p:nvPr>
+            <p:ph type="title"/>
+          </p:nvPr>
+        </p:nvSpPr>
+        <p:spPr>
+          <a:xfrm>
+            <a:off x="1451520" y="804600"/>
+            <a:ext cx="9602640" cy="1048680"/>
+          </a:xfrm>
+          <a:prstGeom prst="rect">
+            <a:avLst/>
+          </a:prstGeom>
+          <a:noFill/>
+          <a:ln w="0">
+            <a:noFill/>
+          </a:ln>
+        </p:spPr>
+        <p:txBody>
+          <a:bodyPr lIns="91440" rIns="91440" tIns="45720" bIns="45720" anchor="t">
+            <a:noAutofit/>
+          </a:bodyPr>
+          <a:p>
+            <a:pPr indent="0" defTabSz="914400">
+              <a:lnSpc>
+                <a:spcPct val="90000"/>
+              </a:lnSpc>
+              <a:buNone/>
+              <a:tabLst>
+                <a:tab algn="l" pos="0"/>
+              </a:tabLst>
+            </a:pPr>
+            <a:r>
+              <a:rPr b="0" lang="pt-BR" sz="3200" strike="noStrike" u="none" cap="all">
+                <a:solidFill>
+                  <a:schemeClr val="dk1"/>
+                </a:solidFill>
+                <a:effectLst/>
+                <a:uFillTx/>
+                <a:latin typeface="Gill Sans MT"/>
+              </a:rPr>
+              <a:t>Clique para editar o título Mestre</a:t>
+            </a:r>
+            <a:endParaRPr b="0" lang="pt-BR" sz="3200" strike="noStrike" u="none">
+              <a:solidFill>
+                <a:srgbClr val="000000"/>
+              </a:solidFill>
+              <a:effectLst/>
+              <a:uFillTx/>
+              <a:latin typeface="Arial"/>
+            </a:endParaRPr>
+          </a:p>
+        </p:txBody>
+      </p:sp>
+      <p:sp>
+        <p:nvSpPr>
+          <p:cNvPr id="102" name="PlaceHolder 2"/>
+          <p:cNvSpPr>
+            <a:spLocks noGrp="1"/>
+          </p:cNvSpPr>
+          <p:nvPr>
+            <p:ph type="dt" idx="31"/>
+          </p:nvPr>
+        </p:nvSpPr>
+        <p:spPr>
+          <a:xfrm>
+            <a:off x="7554240" y="330480"/>
+            <a:ext cx="3499920" cy="308520"/>
+          </a:xfrm>
+          <a:prstGeom prst="rect">
+            <a:avLst/>
+          </a:prstGeom>
+          <a:noFill/>
+          <a:ln w="0">
+            <a:noFill/>
+          </a:ln>
+        </p:spPr>
+        <p:txBody>
+          <a:bodyPr lIns="91440" rIns="91440" tIns="45720" bIns="45720" anchor="ctr">
+            <a:noAutofit/>
+          </a:bodyPr>
+          <a:lstStyle>
+            <a:lvl1pPr indent="0" algn="r" defTabSz="457200">
+              <a:lnSpc>
+                <a:spcPct val="100000"/>
+              </a:lnSpc>
+              <a:buNone/>
+              <a:tabLst>
+                <a:tab algn="l" pos="0"/>
+              </a:tabLst>
+              <a:defRPr b="0" lang="pt-BR" sz="1000" strike="noStrike" u="none">
+                <a:solidFill>
+                  <a:schemeClr val="dk1">
+                    <a:tint val="75000"/>
+                  </a:schemeClr>
+                </a:solidFill>
+                <a:effectLst/>
+                <a:uFillTx/>
+                <a:latin typeface="Gill Sans MT"/>
+              </a:defRPr>
+            </a:lvl1pPr>
+          </a:lstStyle>
+          <a:p>
+            <a:pPr indent="0" algn="r" defTabSz="457200">
+              <a:lnSpc>
+                <a:spcPct val="100000"/>
+              </a:lnSpc>
+              <a:buNone/>
+              <a:tabLst>
+                <a:tab algn="l" pos="0"/>
+              </a:tabLst>
+            </a:pPr>
+            <a:r>
+              <a:rPr b="0" lang="pt-BR" sz="1000" strike="noStrike" u="none">
+                <a:solidFill>
+                  <a:schemeClr val="dk1">
+                    <a:tint val="75000"/>
+                  </a:schemeClr>
+                </a:solidFill>
+                <a:effectLst/>
+                <a:uFillTx/>
+                <a:latin typeface="Gill Sans MT"/>
+              </a:rPr>
+              <a:t>&lt;data/hora&gt;</a:t>
+            </a:r>
+            <a:endParaRPr b="0" lang="pt-BR" sz="1000" strike="noStrike" u="none">
+              <a:solidFill>
+                <a:srgbClr val="000000"/>
+              </a:solidFill>
+              <a:effectLst/>
+              <a:uFillTx/>
+              <a:latin typeface="Times New Roman"/>
+            </a:endParaRPr>
+          </a:p>
+        </p:txBody>
+      </p:sp>
+      <p:sp>
+        <p:nvSpPr>
+          <p:cNvPr id="103" name="PlaceHolder 3"/>
+          <p:cNvSpPr>
+            <a:spLocks noGrp="1"/>
+          </p:cNvSpPr>
+          <p:nvPr>
+            <p:ph type="ftr" idx="32"/>
+          </p:nvPr>
+        </p:nvSpPr>
+        <p:spPr>
+          <a:xfrm>
+            <a:off x="1451520" y="329400"/>
+            <a:ext cx="5938200" cy="308520"/>
+          </a:xfrm>
+          <a:prstGeom prst="rect">
+            <a:avLst/>
+          </a:prstGeom>
+          <a:noFill/>
+          <a:ln w="0">
+            <a:noFill/>
+          </a:ln>
+        </p:spPr>
+        <p:txBody>
+          <a:bodyPr lIns="91440" rIns="91440" tIns="45720" bIns="45720" anchor="ctr">
+            <a:noAutofit/>
+          </a:bodyPr>
+          <a:lstStyle>
+            <a:lvl1pPr indent="0" algn="ctr">
+              <a:lnSpc>
+                <a:spcPct val="100000"/>
+              </a:lnSpc>
+              <a:buNone/>
+              <a:tabLst>
+                <a:tab algn="l" pos="0"/>
+              </a:tabLst>
+              <a:defRPr b="0" lang="pt-BR" sz="1400" strike="noStrike" u="none">
+                <a:solidFill>
+                  <a:srgbClr val="000000"/>
+                </a:solidFill>
+                <a:effectLst/>
+                <a:uFillTx/>
+                <a:latin typeface="Times New Roman"/>
+              </a:defRPr>
+            </a:lvl1pPr>
+          </a:lstStyle>
+          <a:p>
+            <a:pPr indent="0" algn="ctr">
+              <a:lnSpc>
+                <a:spcPct val="100000"/>
+              </a:lnSpc>
+              <a:buNone/>
+              <a:tabLst>
+                <a:tab algn="l" pos="0"/>
+              </a:tabLst>
+            </a:pPr>
+            <a:r>
+              <a:rPr b="0" lang="pt-BR" sz="1400" strike="noStrike" u="none">
+                <a:solidFill>
+                  <a:srgbClr val="000000"/>
+                </a:solidFill>
+                <a:effectLst/>
+                <a:uFillTx/>
+                <a:latin typeface="Times New Roman"/>
+              </a:rPr>
+              <a:t>&lt;rodapé&gt;</a:t>
+            </a:r>
+            <a:endParaRPr b="0" lang="pt-BR" sz="1400" strike="noStrike" u="none">
+              <a:solidFill>
+                <a:srgbClr val="000000"/>
+              </a:solidFill>
+              <a:effectLst/>
+              <a:uFillTx/>
+              <a:latin typeface="Times New Roman"/>
+            </a:endParaRPr>
+          </a:p>
+        </p:txBody>
+      </p:sp>
+      <p:sp>
+        <p:nvSpPr>
+          <p:cNvPr id="104" name="PlaceHolder 4"/>
+          <p:cNvSpPr>
+            <a:spLocks noGrp="1"/>
+          </p:cNvSpPr>
+          <p:nvPr>
+            <p:ph type="sldNum" idx="33"/>
+          </p:nvPr>
+        </p:nvSpPr>
+        <p:spPr>
+          <a:xfrm>
+            <a:off x="480240" y="798840"/>
+            <a:ext cx="810360" cy="502920"/>
+          </a:xfrm>
+          <a:prstGeom prst="rect">
+            <a:avLst/>
+          </a:prstGeom>
+          <a:noFill/>
+          <a:ln w="0">
+            <a:noFill/>
+          </a:ln>
+        </p:spPr>
+        <p:txBody>
+          <a:bodyPr lIns="91440" rIns="91440" tIns="45720" bIns="45720" anchor="t">
+            <a:noAutofit/>
+          </a:bodyPr>
+          <a:lstStyle>
+            <a:lvl1pPr indent="0" algn="r" defTabSz="457200">
+              <a:lnSpc>
+                <a:spcPct val="100000"/>
+              </a:lnSpc>
+              <a:buNone/>
+              <a:tabLst>
+                <a:tab algn="l" pos="0"/>
+              </a:tabLst>
+              <a:defRPr b="0" lang="pt-BR" sz="2800" strike="noStrike" u="none">
+                <a:solidFill>
+                  <a:schemeClr val="accent1"/>
+                </a:solidFill>
+                <a:effectLst/>
+                <a:uFillTx/>
+                <a:latin typeface="Gill Sans MT"/>
+              </a:defRPr>
+            </a:lvl1pPr>
+          </a:lstStyle>
+          <a:p>
+            <a:pPr indent="0" algn="r" defTabSz="457200">
+              <a:lnSpc>
+                <a:spcPct val="100000"/>
+              </a:lnSpc>
+              <a:buNone/>
+              <a:tabLst>
+                <a:tab algn="l" pos="0"/>
+              </a:tabLst>
+            </a:pPr>
+            <a:fld id="{41846F1A-24B4-4F55-B839-27C9C613E4ED}" type="slidenum">
+              <a:rPr b="0" lang="pt-BR" sz="2800" strike="noStrike" u="none">
+                <a:solidFill>
+                  <a:schemeClr val="accent1"/>
+                </a:solidFill>
+                <a:effectLst/>
+                <a:uFillTx/>
+                <a:latin typeface="Gill Sans MT"/>
+              </a:rPr>
+              <a:t>&lt;número&gt;</a:t>
+            </a:fld>
+            <a:endParaRPr b="0" lang="pt-BR" sz="2800" strike="noStrike" u="none">
+              <a:solidFill>
+                <a:srgbClr val="000000"/>
+              </a:solidFill>
+              <a:effectLst/>
+              <a:uFillTx/>
+              <a:latin typeface="Times New Roman"/>
+            </a:endParaRPr>
+          </a:p>
+        </p:txBody>
+      </p:sp>
+      <p:cxnSp>
+        <p:nvCxnSpPr>
+          <p:cNvPr id="105" name="Straight Connector 24"/>
+          <p:cNvCxnSpPr/>
+          <p:nvPr/>
+        </p:nvCxnSpPr>
+        <p:spPr>
+          <a:xfrm>
+            <a:off x="1453680" y="1846800"/>
+            <a:ext cx="9608400" cy="720"/>
+          </a:xfrm>
+          <a:prstGeom prst="straightConnector1">
+            <a:avLst/>
+          </a:prstGeom>
+          <a:ln w="31750">
+            <a:solidFill>
+              <a:srgbClr val="4472c4"/>
+            </a:solidFill>
+            <a:round/>
+          </a:ln>
+        </p:spPr>
+      </p:cxnSp>
+      <p:sp>
+        <p:nvSpPr>
+          <p:cNvPr id="106" name="PlaceHolder 5"/>
+          <p:cNvSpPr>
+            <a:spLocks noGrp="1"/>
+          </p:cNvSpPr>
+          <p:nvPr>
+            <p:ph type="body"/>
+          </p:nvPr>
+        </p:nvSpPr>
+        <p:spPr>
+          <a:xfrm>
+            <a:off x="609480" y="1604520"/>
+            <a:ext cx="10972080" cy="3976920"/>
+          </a:xfrm>
+          <a:prstGeom prst="rect">
+            <a:avLst/>
+          </a:prstGeom>
+          <a:noFill/>
+          <a:ln w="0">
+            <a:noFill/>
+          </a:ln>
+        </p:spPr>
+        <p:txBody>
+          <a:bodyPr lIns="0" rIns="0" tIns="0" bIns="0" anchor="t">
+            <a:normAutofit/>
+          </a:bodyPr>
+          <a:p>
+            <a:pPr marL="432000" indent="-324000">
+              <a:lnSpc>
+                <a:spcPct val="120000"/>
+              </a:lnSpc>
+              <a:spcBef>
+                <a:spcPts val="1417"/>
+              </a:spcBef>
+              <a:buClr>
+                <a:srgbClr val="000000"/>
+              </a:buClr>
+              <a:buSzPct val="45000"/>
+              <a:buFont typeface="Wingdings" charset="2"/>
+              <a:buChar char=""/>
+            </a:pPr>
+            <a:r>
+              <a:rPr b="0" lang="en-US" sz="2000" strike="noStrike" u="none">
+                <a:solidFill>
+                  <a:schemeClr val="dk1"/>
+                </a:solidFill>
+                <a:effectLst/>
+                <a:uFillTx/>
+                <a:latin typeface="Gill Sans MT"/>
+              </a:rPr>
+              <a:t>Clique para editar o formato de texto dos tópicos</a:t>
+            </a:r>
+            <a:endParaRPr b="0" lang="pt-BR" sz="2000" strike="noStrike" u="none">
+              <a:solidFill>
+                <a:srgbClr val="000000"/>
+              </a:solidFill>
+              <a:effectLst/>
+              <a:uFillTx/>
+              <a:latin typeface="Arial"/>
+            </a:endParaRPr>
+          </a:p>
+          <a:p>
+            <a:pPr lvl="1" marL="864000" indent="-324000">
+              <a:lnSpc>
+                <a:spcPct val="120000"/>
+              </a:lnSpc>
+              <a:spcBef>
+                <a:spcPts val="1134"/>
+              </a:spcBef>
+              <a:buClr>
+                <a:srgbClr val="000000"/>
+              </a:buClr>
+              <a:buSzPct val="75000"/>
+              <a:buFont typeface="Symbol" charset="2"/>
+              <a:buChar char=""/>
+            </a:pPr>
+            <a:r>
+              <a:rPr b="0" lang="en-US" sz="1600" strike="noStrike" u="none">
+                <a:solidFill>
+                  <a:schemeClr val="dk1"/>
+                </a:solidFill>
+                <a:effectLst/>
+                <a:uFillTx/>
+                <a:latin typeface="Gill Sans MT"/>
+              </a:rPr>
+              <a:t>2.º nível de tópicos</a:t>
+            </a:r>
+            <a:endParaRPr b="0" lang="pt-BR" sz="1600" strike="noStrike" u="none">
+              <a:solidFill>
+                <a:srgbClr val="000000"/>
+              </a:solidFill>
+              <a:effectLst/>
+              <a:uFillTx/>
+              <a:latin typeface="Arial"/>
+            </a:endParaRPr>
+          </a:p>
+          <a:p>
+            <a:pPr lvl="2" marL="1296000" indent="-288000">
+              <a:lnSpc>
+                <a:spcPct val="120000"/>
+              </a:lnSpc>
+              <a:spcBef>
+                <a:spcPts val="850"/>
+              </a:spcBef>
+              <a:buClr>
+                <a:srgbClr val="000000"/>
+              </a:buClr>
+              <a:buSzPct val="45000"/>
+              <a:buFont typeface="Wingdings" charset="2"/>
+              <a:buChar char=""/>
+            </a:pPr>
+            <a:r>
+              <a:rPr b="0" lang="en-US" sz="1400" strike="noStrike" u="none">
+                <a:solidFill>
+                  <a:schemeClr val="dk1"/>
+                </a:solidFill>
+                <a:effectLst/>
+                <a:uFillTx/>
+                <a:latin typeface="Gill Sans MT"/>
+              </a:rPr>
+              <a:t>3.º nível de tópicos</a:t>
+            </a:r>
+            <a:endParaRPr b="0" lang="pt-BR" sz="1400" strike="noStrike" u="none">
+              <a:solidFill>
+                <a:srgbClr val="000000"/>
+              </a:solidFill>
+              <a:effectLst/>
+              <a:uFillTx/>
+              <a:latin typeface="Arial"/>
+            </a:endParaRPr>
+          </a:p>
+          <a:p>
+            <a:pPr lvl="3" marL="1728000" indent="-216000">
+              <a:lnSpc>
+                <a:spcPct val="120000"/>
+              </a:lnSpc>
+              <a:spcBef>
+                <a:spcPts val="567"/>
+              </a:spcBef>
+              <a:buClr>
+                <a:srgbClr val="000000"/>
+              </a:buClr>
+              <a:buSzPct val="75000"/>
+              <a:buFont typeface="Symbol" charset="2"/>
+              <a:buChar char=""/>
+            </a:pPr>
+            <a:r>
+              <a:rPr b="0" lang="en-US" sz="1200" strike="noStrike" u="none">
+                <a:solidFill>
+                  <a:schemeClr val="dk1"/>
+                </a:solidFill>
+                <a:effectLst/>
+                <a:uFillTx/>
+                <a:latin typeface="Gill Sans MT"/>
+              </a:rPr>
+              <a:t>4.º nível de tópicos</a:t>
+            </a:r>
+            <a:endParaRPr b="0" lang="pt-BR" sz="1200" strike="noStrike" u="none">
+              <a:solidFill>
+                <a:srgbClr val="000000"/>
+              </a:solidFill>
+              <a:effectLst/>
+              <a:uFillTx/>
+              <a:latin typeface="Arial"/>
+            </a:endParaRPr>
+          </a:p>
+          <a:p>
+            <a:pPr lvl="4" marL="2160000" indent="-216000">
+              <a:lnSpc>
+                <a:spcPct val="120000"/>
+              </a:lnSpc>
+              <a:spcBef>
+                <a:spcPts val="283"/>
+              </a:spcBef>
+              <a:buClr>
+                <a:srgbClr val="000000"/>
+              </a:buClr>
+              <a:buSzPct val="45000"/>
+              <a:buFont typeface="Wingdings" charset="2"/>
+              <a:buChar char=""/>
+            </a:pPr>
+            <a:r>
+              <a:rPr b="0" lang="en-US" sz="2000" strike="noStrike" u="none">
+                <a:solidFill>
+                  <a:schemeClr val="dk1"/>
+                </a:solidFill>
+                <a:effectLst/>
+                <a:uFillTx/>
+                <a:latin typeface="Gill Sans MT"/>
+              </a:rPr>
+              <a:t>5.º nível de tópicos</a:t>
+            </a:r>
+            <a:endParaRPr b="0" lang="pt-BR" sz="2000" strike="noStrike" u="none">
+              <a:solidFill>
+                <a:srgbClr val="000000"/>
+              </a:solidFill>
+              <a:effectLst/>
+              <a:uFillTx/>
+              <a:latin typeface="Arial"/>
+            </a:endParaRPr>
+          </a:p>
+          <a:p>
+            <a:pPr lvl="5" marL="2592000" indent="-216000">
+              <a:lnSpc>
+                <a:spcPct val="120000"/>
+              </a:lnSpc>
+              <a:spcBef>
+                <a:spcPts val="283"/>
+              </a:spcBef>
+              <a:buClr>
+                <a:srgbClr val="000000"/>
+              </a:buClr>
+              <a:buSzPct val="45000"/>
+              <a:buFont typeface="Wingdings" charset="2"/>
+              <a:buChar char=""/>
+            </a:pPr>
+            <a:r>
+              <a:rPr b="0" lang="en-US" sz="2000" strike="noStrike" u="none">
+                <a:solidFill>
+                  <a:schemeClr val="dk1"/>
+                </a:solidFill>
+                <a:effectLst/>
+                <a:uFillTx/>
+                <a:latin typeface="Gill Sans MT"/>
+              </a:rPr>
+              <a:t>6.º nível de tópicos</a:t>
+            </a:r>
+            <a:endParaRPr b="0" lang="pt-BR" sz="2000" strike="noStrike" u="none">
+              <a:solidFill>
+                <a:srgbClr val="000000"/>
+              </a:solidFill>
+              <a:effectLst/>
+              <a:uFillTx/>
+              <a:latin typeface="Arial"/>
+            </a:endParaRPr>
+          </a:p>
+          <a:p>
+            <a:pPr lvl="6" marL="3024000" indent="-216000">
+              <a:lnSpc>
+                <a:spcPct val="120000"/>
+              </a:lnSpc>
+              <a:spcBef>
+                <a:spcPts val="283"/>
+              </a:spcBef>
+              <a:buClr>
+                <a:srgbClr val="000000"/>
+              </a:buClr>
+              <a:buSzPct val="45000"/>
+              <a:buFont typeface="Wingdings" charset="2"/>
+              <a:buChar char=""/>
+            </a:pPr>
+            <a:r>
+              <a:rPr b="0" lang="en-US" sz="2000" strike="noStrike" u="none">
+                <a:solidFill>
+                  <a:schemeClr val="dk1"/>
+                </a:solidFill>
+                <a:effectLst/>
+                <a:uFillTx/>
+                <a:latin typeface="Gill Sans MT"/>
+              </a:rPr>
+              <a:t>7.º nível de tópicos</a:t>
+            </a:r>
+            <a:endParaRPr b="0" lang="pt-BR" sz="2000" strike="noStrike" u="none">
+              <a:solidFill>
+                <a:srgbClr val="000000"/>
+              </a:solidFill>
+              <a:effectLst/>
+              <a:uFillTx/>
+              <a:latin typeface="Arial"/>
+            </a:endParaRPr>
+          </a:p>
+        </p:txBody>
+      </p:sp>
+    </p:spTree>
+  </p:cSld>
+</p:sldLayout>
+</file>
+
+<file path=ppt/slideLayouts/slideLayout2.xml><?xml version="1.0" encoding="utf-8"?>
 <p:sldLayout xmlns:a="http://schemas.openxmlformats.org/drawingml/2006/main" xmlns:p="http://schemas.openxmlformats.org/presentationml/2006/main" xmlns:r="http://schemas.openxmlformats.org/officeDocument/2006/relationships" xmlns:p14="http://schemas.microsoft.com/office/powerpoint/2010/main" xmlns:p15="http://schemas.microsoft.com/office/powerpoint/2012/main" xmlns:mc="http://schemas.openxmlformats.org/markup-compatibility/2006" type="blank" preserve="1">
   <p:cSld name="Conteúdo com Legenda">
     <p:bg>
@@ -757,14 +2489,14 @@
       </p:grpSpPr>
       <p:sp>
         <p:nvSpPr>
-          <p:cNvPr id="84" name="Rectangle 7"/>
+          <p:cNvPr id="8" name="Rectangle 7"/>
           <p:cNvSpPr/>
           <p:nvPr/>
         </p:nvSpPr>
         <p:spPr>
           <a:xfrm>
             <a:off x="0" y="2019600"/>
-            <a:ext cx="12191760" cy="4105440"/>
+            <a:ext cx="12191400" cy="4105080"/>
           </a:xfrm>
           <a:prstGeom prst="rect">
             <a:avLst/>
@@ -805,6 +2537,11 @@
             <a:noAutofit/>
           </a:bodyPr>
           <a:p>
+            <a:pPr>
+              <a:lnSpc>
+                <a:spcPct val="100000"/>
+              </a:lnSpc>
+            </a:pPr>
             <a:endParaRPr b="0" lang="pt-BR" sz="1800" strike="noStrike" u="none">
               <a:solidFill>
                 <a:srgbClr val="000000"/>
@@ -818,7 +2555,7 @@
       </p:sp>
       <p:pic>
         <p:nvPicPr>
-          <p:cNvPr id="85" name="Picture 6" descr=""/>
+          <p:cNvPr id="9" name="Picture 6" descr=""/>
           <p:cNvPicPr/>
           <p:nvPr/>
         </p:nvPicPr>
@@ -830,7 +2567,7 @@
         <p:spPr>
           <a:xfrm>
             <a:off x="0" y="6126480"/>
-            <a:ext cx="12191760" cy="742680"/>
+            <a:ext cx="12191400" cy="742320"/>
           </a:xfrm>
           <a:prstGeom prst="rect">
             <a:avLst/>
@@ -843,14 +2580,14 @@
       </p:pic>
       <p:cxnSp>
         <p:nvCxnSpPr>
-          <p:cNvPr id="86" name="Straight Connector 9"/>
+          <p:cNvPr id="10" name="Straight Connector 9"/>
           <p:cNvCxnSpPr/>
           <p:nvPr/>
         </p:nvCxnSpPr>
         <p:spPr>
           <a:xfrm>
             <a:off x="0" y="6128280"/>
-            <a:ext cx="12192120" cy="360"/>
+            <a:ext cx="12192480" cy="720"/>
           </a:xfrm>
           <a:prstGeom prst="straightConnector1">
             <a:avLst/>
@@ -867,7 +2604,7 @@
       </p:cxnSp>
       <p:sp>
         <p:nvSpPr>
-          <p:cNvPr id="87" name="PlaceHolder 1"/>
+          <p:cNvPr id="11" name="PlaceHolder 1"/>
           <p:cNvSpPr>
             <a:spLocks noGrp="1"/>
           </p:cNvSpPr>
@@ -878,7 +2615,7 @@
         <p:spPr>
           <a:xfrm>
             <a:off x="1444680" y="798840"/>
-            <a:ext cx="3272760" cy="2246760"/>
+            <a:ext cx="3272400" cy="2246400"/>
           </a:xfrm>
           <a:prstGeom prst="rect">
             <a:avLst/>
@@ -898,6 +2635,9 @@
                 <a:spcPct val="90000"/>
               </a:lnSpc>
               <a:buNone/>
+              <a:tabLst>
+                <a:tab algn="l" pos="0"/>
+              </a:tabLst>
             </a:pPr>
             <a:r>
               <a:rPr b="0" lang="pt-BR" sz="2400" strike="noStrike" u="none" cap="all">
@@ -910,20 +2650,20 @@
               </a:rPr>
               <a:t>Clique para editar o título Mestre</a:t>
             </a:r>
-            <a:endParaRPr b="0" lang="en-US" sz="2400" strike="noStrike" u="none">
-              <a:solidFill>
-                <a:schemeClr val="dk1"/>
-              </a:solidFill>
-              <a:effectLst/>
-              <a:uFillTx/>
-              <a:latin typeface="Gill Sans MT"/>
+            <a:endParaRPr b="0" lang="pt-BR" sz="2400" strike="noStrike" u="none">
+              <a:solidFill>
+                <a:srgbClr val="000000"/>
+              </a:solidFill>
+              <a:effectLst/>
+              <a:uFillTx/>
+              <a:latin typeface="Arial"/>
             </a:endParaRPr>
           </a:p>
         </p:txBody>
       </p:sp>
       <p:sp>
         <p:nvSpPr>
-          <p:cNvPr id="88" name="PlaceHolder 2"/>
+          <p:cNvPr id="12" name="PlaceHolder 2"/>
           <p:cNvSpPr>
             <a:spLocks noGrp="1"/>
           </p:cNvSpPr>
@@ -934,7 +2674,7 @@
         <p:spPr>
           <a:xfrm>
             <a:off x="5043600" y="798840"/>
-            <a:ext cx="6012000" cy="4658400"/>
+            <a:ext cx="6011640" cy="4658040"/>
           </a:xfrm>
           <a:prstGeom prst="rect">
             <a:avLst/>
@@ -973,13 +2713,13 @@
               </a:rPr>
               <a:t>Clique para editar os estilos de texto Mestres</a:t>
             </a:r>
-            <a:endParaRPr b="0" lang="en-US" sz="2000" strike="noStrike" u="none">
-              <a:solidFill>
-                <a:schemeClr val="dk1"/>
-              </a:solidFill>
-              <a:effectLst/>
-              <a:uFillTx/>
-              <a:latin typeface="Gill Sans MT"/>
+            <a:endParaRPr b="0" lang="pt-BR" sz="2000" strike="noStrike" u="none">
+              <a:solidFill>
+                <a:srgbClr val="000000"/>
+              </a:solidFill>
+              <a:effectLst/>
+              <a:uFillTx/>
+              <a:latin typeface="Arial"/>
             </a:endParaRPr>
           </a:p>
           <a:p>
@@ -1007,13 +2747,13 @@
               </a:rPr>
               <a:t>Segundo nível</a:t>
             </a:r>
-            <a:endParaRPr b="0" lang="en-US" sz="1800" strike="noStrike" u="none">
-              <a:solidFill>
-                <a:schemeClr val="dk1"/>
-              </a:solidFill>
-              <a:effectLst/>
-              <a:uFillTx/>
-              <a:latin typeface="Gill Sans MT"/>
+            <a:endParaRPr b="0" lang="pt-BR" sz="1800" strike="noStrike" u="none">
+              <a:solidFill>
+                <a:srgbClr val="000000"/>
+              </a:solidFill>
+              <a:effectLst/>
+              <a:uFillTx/>
+              <a:latin typeface="Arial"/>
             </a:endParaRPr>
           </a:p>
           <a:p>
@@ -1041,13 +2781,13 @@
               </a:rPr>
               <a:t>Terceiro nível</a:t>
             </a:r>
-            <a:endParaRPr b="0" lang="en-US" sz="1600" strike="noStrike" u="none">
-              <a:solidFill>
-                <a:schemeClr val="dk1"/>
-              </a:solidFill>
-              <a:effectLst/>
-              <a:uFillTx/>
-              <a:latin typeface="Gill Sans MT"/>
+            <a:endParaRPr b="0" lang="pt-BR" sz="1600" strike="noStrike" u="none">
+              <a:solidFill>
+                <a:srgbClr val="000000"/>
+              </a:solidFill>
+              <a:effectLst/>
+              <a:uFillTx/>
+              <a:latin typeface="Arial"/>
             </a:endParaRPr>
           </a:p>
           <a:p>
@@ -1075,13 +2815,13 @@
               </a:rPr>
               <a:t>Quarto nível</a:t>
             </a:r>
-            <a:endParaRPr b="0" lang="en-US" sz="1400" strike="noStrike" u="none">
-              <a:solidFill>
-                <a:schemeClr val="dk1"/>
-              </a:solidFill>
-              <a:effectLst/>
-              <a:uFillTx/>
-              <a:latin typeface="Gill Sans MT"/>
+            <a:endParaRPr b="0" lang="pt-BR" sz="1400" strike="noStrike" u="none">
+              <a:solidFill>
+                <a:srgbClr val="000000"/>
+              </a:solidFill>
+              <a:effectLst/>
+              <a:uFillTx/>
+              <a:latin typeface="Arial"/>
             </a:endParaRPr>
           </a:p>
           <a:p>
@@ -1109,20 +2849,20 @@
               </a:rPr>
               <a:t>Quinto nível</a:t>
             </a:r>
-            <a:endParaRPr b="0" lang="en-US" sz="1200" strike="noStrike" u="none">
-              <a:solidFill>
-                <a:schemeClr val="dk1"/>
-              </a:solidFill>
-              <a:effectLst/>
-              <a:uFillTx/>
-              <a:latin typeface="Gill Sans MT"/>
+            <a:endParaRPr b="0" lang="pt-BR" sz="1200" strike="noStrike" u="none">
+              <a:solidFill>
+                <a:srgbClr val="000000"/>
+              </a:solidFill>
+              <a:effectLst/>
+              <a:uFillTx/>
+              <a:latin typeface="Arial"/>
             </a:endParaRPr>
           </a:p>
         </p:txBody>
       </p:sp>
       <p:sp>
         <p:nvSpPr>
-          <p:cNvPr id="89" name="PlaceHolder 3"/>
+          <p:cNvPr id="13" name="PlaceHolder 3"/>
           <p:cNvSpPr>
             <a:spLocks noGrp="1"/>
           </p:cNvSpPr>
@@ -1133,7 +2873,7 @@
         <p:spPr>
           <a:xfrm>
             <a:off x="1444680" y="3205440"/>
-            <a:ext cx="3274560" cy="2247840"/>
+            <a:ext cx="3274200" cy="2247480"/>
           </a:xfrm>
           <a:prstGeom prst="rect">
             <a:avLst/>
@@ -1171,31 +2911,31 @@
               </a:rPr>
               <a:t>Clique para editar os estilos de texto Mestres</a:t>
             </a:r>
-            <a:endParaRPr b="0" lang="en-US" sz="1600" strike="noStrike" u="none">
-              <a:solidFill>
-                <a:schemeClr val="dk1"/>
-              </a:solidFill>
-              <a:effectLst/>
-              <a:uFillTx/>
-              <a:latin typeface="Gill Sans MT"/>
+            <a:endParaRPr b="0" lang="pt-BR" sz="1600" strike="noStrike" u="none">
+              <a:solidFill>
+                <a:srgbClr val="000000"/>
+              </a:solidFill>
+              <a:effectLst/>
+              <a:uFillTx/>
+              <a:latin typeface="Arial"/>
             </a:endParaRPr>
           </a:p>
         </p:txBody>
       </p:sp>
       <p:sp>
         <p:nvSpPr>
-          <p:cNvPr id="90" name="PlaceHolder 4"/>
+          <p:cNvPr id="14" name="PlaceHolder 4"/>
           <p:cNvSpPr>
             <a:spLocks noGrp="1"/>
           </p:cNvSpPr>
           <p:nvPr>
-            <p:ph type="dt" idx="28"/>
+            <p:ph type="dt" idx="4"/>
           </p:nvPr>
         </p:nvSpPr>
         <p:spPr>
           <a:xfrm>
             <a:off x="7554240" y="330480"/>
-            <a:ext cx="3500280" cy="308880"/>
+            <a:ext cx="3499920" cy="308520"/>
           </a:xfrm>
           <a:prstGeom prst="rect">
             <a:avLst/>
@@ -1215,6 +2955,9 @@
                 <a:spcPct val="100000"/>
               </a:lnSpc>
               <a:buNone/>
+              <a:tabLst>
+                <a:tab algn="l" pos="0"/>
+              </a:tabLst>
               <a:defRPr b="0" lang="pt-BR" sz="1000" strike="noStrike" u="none">
                 <a:solidFill>
                   <a:schemeClr val="dk1">
@@ -1233,6 +2976,9 @@
                 <a:spcPct val="100000"/>
               </a:lnSpc>
               <a:buNone/>
+              <a:tabLst>
+                <a:tab algn="l" pos="0"/>
+              </a:tabLst>
             </a:pPr>
             <a:r>
               <a:rPr b="0" lang="pt-BR" sz="1000" strike="noStrike" u="none">
@@ -1260,18 +3006,18 @@
       </p:sp>
       <p:sp>
         <p:nvSpPr>
-          <p:cNvPr id="91" name="PlaceHolder 5"/>
+          <p:cNvPr id="15" name="PlaceHolder 5"/>
           <p:cNvSpPr>
             <a:spLocks noGrp="1"/>
           </p:cNvSpPr>
           <p:nvPr>
-            <p:ph type="ftr" idx="29"/>
+            <p:ph type="ftr" idx="5"/>
           </p:nvPr>
         </p:nvSpPr>
         <p:spPr>
           <a:xfrm>
             <a:off x="1451520" y="329400"/>
-            <a:ext cx="5938560" cy="308880"/>
+            <a:ext cx="5938200" cy="308520"/>
           </a:xfrm>
           <a:prstGeom prst="rect">
             <a:avLst/>
@@ -1287,7 +3033,13 @@
           </a:bodyPr>
           <a:lstStyle>
             <a:lvl1pPr indent="0" algn="ctr">
+              <a:lnSpc>
+                <a:spcPct val="100000"/>
+              </a:lnSpc>
               <a:buNone/>
+              <a:tabLst>
+                <a:tab algn="l" pos="0"/>
+              </a:tabLst>
               <a:defRPr b="0" lang="pt-BR" sz="1400" strike="noStrike" u="none">
                 <a:solidFill>
                   <a:srgbClr val="000000"/>
@@ -1300,7 +3052,13 @@
           </a:lstStyle>
           <a:p>
             <a:pPr indent="0" algn="ctr">
+              <a:lnSpc>
+                <a:spcPct val="100000"/>
+              </a:lnSpc>
               <a:buNone/>
+              <a:tabLst>
+                <a:tab algn="l" pos="0"/>
+              </a:tabLst>
             </a:pPr>
             <a:r>
               <a:rPr b="0" lang="pt-BR" sz="1400" strike="noStrike" u="none">
@@ -1326,18 +3084,18 @@
       </p:sp>
       <p:sp>
         <p:nvSpPr>
-          <p:cNvPr id="92" name="PlaceHolder 6"/>
+          <p:cNvPr id="16" name="PlaceHolder 6"/>
           <p:cNvSpPr>
             <a:spLocks noGrp="1"/>
           </p:cNvSpPr>
           <p:nvPr>
-            <p:ph type="sldNum" idx="30"/>
+            <p:ph type="sldNum" idx="6"/>
           </p:nvPr>
         </p:nvSpPr>
         <p:spPr>
           <a:xfrm>
             <a:off x="480240" y="798840"/>
-            <a:ext cx="810720" cy="503280"/>
+            <a:ext cx="810360" cy="502920"/>
           </a:xfrm>
           <a:prstGeom prst="rect">
             <a:avLst/>
@@ -1357,6 +3115,9 @@
                 <a:spcPct val="100000"/>
               </a:lnSpc>
               <a:buNone/>
+              <a:tabLst>
+                <a:tab algn="l" pos="0"/>
+              </a:tabLst>
               <a:defRPr b="0" lang="pt-BR" sz="2800" strike="noStrike" u="none">
                 <a:solidFill>
                   <a:schemeClr val="accent1"/>
@@ -1373,8 +3134,11 @@
                 <a:spcPct val="100000"/>
               </a:lnSpc>
               <a:buNone/>
-            </a:pPr>
-            <a:fld id="{DEAB570A-4EAE-4890-BFFD-E9F4EA4D193B}" type="slidenum">
+              <a:tabLst>
+                <a:tab algn="l" pos="0"/>
+              </a:tabLst>
+            </a:pPr>
+            <a:fld id="{542B5BA3-AAFE-4924-BA96-EB8F404A0AA2}" type="slidenum">
               <a:rPr b="0" lang="pt-BR" sz="2800" strike="noStrike" u="none">
                 <a:solidFill>
                   <a:schemeClr val="accent1"/>
@@ -1398,14 +3162,14 @@
       </p:sp>
       <p:cxnSp>
         <p:nvCxnSpPr>
-          <p:cNvPr id="93" name="Straight Connector 16"/>
+          <p:cNvPr id="17" name="Straight Connector 16"/>
           <p:cNvCxnSpPr/>
           <p:nvPr/>
         </p:nvCxnSpPr>
         <p:spPr>
           <a:xfrm>
             <a:off x="1448280" y="3205440"/>
-            <a:ext cx="3269520" cy="360"/>
+            <a:ext cx="3269880" cy="720"/>
           </a:xfrm>
           <a:prstGeom prst="straightConnector1">
             <a:avLst/>
@@ -1423,7 +3187,7 @@
 </p:sldLayout>
 </file>
 
-<file path=ppt/slideLayouts/slideLayout11.xml><?xml version="1.0" encoding="utf-8"?>
+<file path=ppt/slideLayouts/slideLayout3.xml><?xml version="1.0" encoding="utf-8"?>
 <p:sldLayout xmlns:a="http://schemas.openxmlformats.org/drawingml/2006/main" xmlns:p="http://schemas.openxmlformats.org/presentationml/2006/main" xmlns:r="http://schemas.openxmlformats.org/officeDocument/2006/relationships" xmlns:p14="http://schemas.microsoft.com/office/powerpoint/2010/main" xmlns:p15="http://schemas.microsoft.com/office/powerpoint/2012/main" xmlns:mc="http://schemas.openxmlformats.org/markup-compatibility/2006" type="blank" preserve="1">
   <p:cSld name="Imagem com Legenda">
     <p:bg>
@@ -1449,14 +3213,14 @@
       </p:grpSpPr>
       <p:sp>
         <p:nvSpPr>
-          <p:cNvPr id="94" name="Rectangle 7"/>
+          <p:cNvPr id="18" name="Rectangle 7"/>
           <p:cNvSpPr/>
           <p:nvPr/>
         </p:nvSpPr>
         <p:spPr>
           <a:xfrm>
             <a:off x="0" y="2019600"/>
-            <a:ext cx="12191760" cy="4105440"/>
+            <a:ext cx="12191400" cy="4105080"/>
           </a:xfrm>
           <a:prstGeom prst="rect">
             <a:avLst/>
@@ -1497,6 +3261,11 @@
             <a:noAutofit/>
           </a:bodyPr>
           <a:p>
+            <a:pPr>
+              <a:lnSpc>
+                <a:spcPct val="100000"/>
+              </a:lnSpc>
+            </a:pPr>
             <a:endParaRPr b="0" lang="pt-BR" sz="1800" strike="noStrike" u="none">
               <a:solidFill>
                 <a:srgbClr val="000000"/>
@@ -1510,7 +3279,7 @@
       </p:sp>
       <p:pic>
         <p:nvPicPr>
-          <p:cNvPr id="95" name="Picture 6" descr=""/>
+          <p:cNvPr id="19" name="Picture 6" descr=""/>
           <p:cNvPicPr/>
           <p:nvPr/>
         </p:nvPicPr>
@@ -1522,7 +3291,7 @@
         <p:spPr>
           <a:xfrm>
             <a:off x="0" y="6126480"/>
-            <a:ext cx="12191760" cy="742680"/>
+            <a:ext cx="12191400" cy="742320"/>
           </a:xfrm>
           <a:prstGeom prst="rect">
             <a:avLst/>
@@ -1535,14 +3304,14 @@
       </p:pic>
       <p:cxnSp>
         <p:nvCxnSpPr>
-          <p:cNvPr id="96" name="Straight Connector 9"/>
+          <p:cNvPr id="20" name="Straight Connector 9"/>
           <p:cNvCxnSpPr/>
           <p:nvPr/>
         </p:nvCxnSpPr>
         <p:spPr>
           <a:xfrm>
             <a:off x="0" y="6128280"/>
-            <a:ext cx="12192120" cy="360"/>
+            <a:ext cx="12192480" cy="720"/>
           </a:xfrm>
           <a:prstGeom prst="straightConnector1">
             <a:avLst/>
@@ -1559,28 +3328,28 @@
       </p:cxnSp>
       <p:grpSp>
         <p:nvGrpSpPr>
-          <p:cNvPr id="97" name="Group 7"/>
+          <p:cNvPr id="21" name="Group 7"/>
           <p:cNvGrpSpPr/>
           <p:nvPr/>
         </p:nvGrpSpPr>
         <p:grpSpPr>
           <a:xfrm>
             <a:off x="7477560" y="482040"/>
-            <a:ext cx="4074120" cy="5148720"/>
+            <a:ext cx="4073760" cy="5148360"/>
             <a:chOff x="7477560" y="482040"/>
-            <a:chExt cx="4074120" cy="5148720"/>
+            <a:chExt cx="4073760" cy="5148360"/>
           </a:xfrm>
         </p:grpSpPr>
         <p:sp>
           <p:nvSpPr>
-            <p:cNvPr id="98" name="Rectangle 17"/>
+            <p:cNvPr id="22" name="Rectangle 17"/>
             <p:cNvSpPr/>
             <p:nvPr/>
           </p:nvSpPr>
           <p:spPr>
             <a:xfrm>
               <a:off x="7477560" y="482040"/>
-              <a:ext cx="4074120" cy="5148720"/>
+              <a:ext cx="4073760" cy="5148360"/>
             </a:xfrm>
             <a:prstGeom prst="rect">
               <a:avLst/>
@@ -1631,6 +3400,11 @@
               <a:noAutofit/>
             </a:bodyPr>
             <a:p>
+              <a:pPr>
+                <a:lnSpc>
+                  <a:spcPct val="100000"/>
+                </a:lnSpc>
+              </a:pPr>
               <a:endParaRPr b="0" lang="pt-BR" sz="1800" strike="noStrike" u="none">
                 <a:solidFill>
                   <a:srgbClr val="000000"/>
@@ -1644,14 +3418,14 @@
         </p:sp>
         <p:sp>
           <p:nvSpPr>
-            <p:cNvPr id="99" name="Rectangle 18"/>
+            <p:cNvPr id="23" name="Rectangle 18"/>
             <p:cNvSpPr/>
             <p:nvPr/>
           </p:nvSpPr>
           <p:spPr>
             <a:xfrm>
               <a:off x="7790400" y="812520"/>
-              <a:ext cx="3449880" cy="4466160"/>
+              <a:ext cx="3449520" cy="4465800"/>
             </a:xfrm>
             <a:prstGeom prst="rect">
               <a:avLst/>
@@ -1705,6 +3479,11 @@
               <a:noAutofit/>
             </a:bodyPr>
             <a:p>
+              <a:pPr>
+                <a:lnSpc>
+                  <a:spcPct val="100000"/>
+                </a:lnSpc>
+              </a:pPr>
               <a:endParaRPr b="0" lang="pt-BR" sz="1800" strike="noStrike" u="none">
                 <a:solidFill>
                   <a:srgbClr val="000000"/>
@@ -1719,7 +3498,7 @@
       </p:grpSp>
       <p:sp>
         <p:nvSpPr>
-          <p:cNvPr id="100" name="PlaceHolder 1"/>
+          <p:cNvPr id="24" name="PlaceHolder 1"/>
           <p:cNvSpPr>
             <a:spLocks noGrp="1"/>
           </p:cNvSpPr>
@@ -1730,7 +3509,7 @@
         <p:spPr>
           <a:xfrm>
             <a:off x="1451160" y="1129680"/>
-            <a:ext cx="5532120" cy="1830240"/>
+            <a:ext cx="5531760" cy="1829880"/>
           </a:xfrm>
           <a:prstGeom prst="rect">
             <a:avLst/>
@@ -1750,6 +3529,9 @@
                 <a:spcPct val="90000"/>
               </a:lnSpc>
               <a:buNone/>
+              <a:tabLst>
+                <a:tab algn="l" pos="0"/>
+              </a:tabLst>
             </a:pPr>
             <a:r>
               <a:rPr b="0" lang="pt-BR" sz="3200" strike="noStrike" u="none" cap="all">
@@ -1762,20 +3544,20 @@
               </a:rPr>
               <a:t>Clique para editar o título Mestre</a:t>
             </a:r>
-            <a:endParaRPr b="0" lang="en-US" sz="3200" strike="noStrike" u="none">
-              <a:solidFill>
-                <a:schemeClr val="dk1"/>
-              </a:solidFill>
-              <a:effectLst/>
-              <a:uFillTx/>
-              <a:latin typeface="Gill Sans MT"/>
+            <a:endParaRPr b="0" lang="pt-BR" sz="3200" strike="noStrike" u="none">
+              <a:solidFill>
+                <a:srgbClr val="000000"/>
+              </a:solidFill>
+              <a:effectLst/>
+              <a:uFillTx/>
+              <a:latin typeface="Arial"/>
             </a:endParaRPr>
           </a:p>
         </p:txBody>
       </p:sp>
       <p:sp>
         <p:nvSpPr>
-          <p:cNvPr id="101" name="PlaceHolder 2"/>
+          <p:cNvPr id="25" name="PlaceHolder 2"/>
           <p:cNvSpPr>
             <a:spLocks noGrp="1"/>
           </p:cNvSpPr>
@@ -1786,7 +3568,7 @@
         <p:spPr>
           <a:xfrm>
             <a:off x="8124480" y="1122480"/>
-            <a:ext cx="2790720" cy="3866040"/>
+            <a:ext cx="2790360" cy="3865680"/>
           </a:xfrm>
           <a:prstGeom prst="rect">
             <a:avLst/>
@@ -1825,20 +3607,20 @@
               </a:rPr>
               <a:t>Clique no ícone para adicionar uma imagem</a:t>
             </a:r>
-            <a:endParaRPr b="0" lang="en-US" sz="3200" strike="noStrike" u="none">
-              <a:solidFill>
-                <a:schemeClr val="dk1"/>
-              </a:solidFill>
-              <a:effectLst/>
-              <a:uFillTx/>
-              <a:latin typeface="Gill Sans MT"/>
+            <a:endParaRPr b="0" lang="pt-BR" sz="3200" strike="noStrike" u="none">
+              <a:solidFill>
+                <a:srgbClr val="000000"/>
+              </a:solidFill>
+              <a:effectLst/>
+              <a:uFillTx/>
+              <a:latin typeface="Arial"/>
             </a:endParaRPr>
           </a:p>
         </p:txBody>
       </p:sp>
       <p:sp>
         <p:nvSpPr>
-          <p:cNvPr id="102" name="PlaceHolder 3"/>
+          <p:cNvPr id="26" name="PlaceHolder 3"/>
           <p:cNvSpPr>
             <a:spLocks noGrp="1"/>
           </p:cNvSpPr>
@@ -1849,7 +3631,7 @@
         <p:spPr>
           <a:xfrm>
             <a:off x="1450440" y="3146040"/>
-            <a:ext cx="5524200" cy="2003400"/>
+            <a:ext cx="5523840" cy="2003040"/>
           </a:xfrm>
           <a:prstGeom prst="rect">
             <a:avLst/>
@@ -1887,31 +3669,31 @@
               </a:rPr>
               <a:t>Clique para editar os estilos de texto Mestres</a:t>
             </a:r>
-            <a:endParaRPr b="0" lang="en-US" sz="1800" strike="noStrike" u="none">
-              <a:solidFill>
-                <a:schemeClr val="dk1"/>
-              </a:solidFill>
-              <a:effectLst/>
-              <a:uFillTx/>
-              <a:latin typeface="Gill Sans MT"/>
+            <a:endParaRPr b="0" lang="pt-BR" sz="1800" strike="noStrike" u="none">
+              <a:solidFill>
+                <a:srgbClr val="000000"/>
+              </a:solidFill>
+              <a:effectLst/>
+              <a:uFillTx/>
+              <a:latin typeface="Arial"/>
             </a:endParaRPr>
           </a:p>
         </p:txBody>
       </p:sp>
       <p:sp>
         <p:nvSpPr>
-          <p:cNvPr id="103" name="PlaceHolder 4"/>
+          <p:cNvPr id="27" name="PlaceHolder 4"/>
           <p:cNvSpPr>
             <a:spLocks noGrp="1"/>
           </p:cNvSpPr>
           <p:nvPr>
-            <p:ph type="dt" idx="31"/>
+            <p:ph type="dt" idx="7"/>
           </p:nvPr>
         </p:nvSpPr>
         <p:spPr>
           <a:xfrm>
             <a:off x="1447560" y="5469840"/>
-            <a:ext cx="5527080" cy="319680"/>
+            <a:ext cx="5526720" cy="319320"/>
           </a:xfrm>
           <a:prstGeom prst="rect">
             <a:avLst/>
@@ -1931,6 +3713,9 @@
                 <a:spcPct val="100000"/>
               </a:lnSpc>
               <a:buNone/>
+              <a:tabLst>
+                <a:tab algn="l" pos="0"/>
+              </a:tabLst>
               <a:defRPr b="0" lang="pt-BR" sz="1000" strike="noStrike" u="none">
                 <a:solidFill>
                   <a:schemeClr val="dk1">
@@ -1949,6 +3734,9 @@
                 <a:spcPct val="100000"/>
               </a:lnSpc>
               <a:buNone/>
+              <a:tabLst>
+                <a:tab algn="l" pos="0"/>
+              </a:tabLst>
             </a:pPr>
             <a:r>
               <a:rPr b="0" lang="pt-BR" sz="1000" strike="noStrike" u="none">
@@ -1976,18 +3764,18 @@
       </p:sp>
       <p:sp>
         <p:nvSpPr>
-          <p:cNvPr id="104" name="PlaceHolder 5"/>
+          <p:cNvPr id="28" name="PlaceHolder 5"/>
           <p:cNvSpPr>
             <a:spLocks noGrp="1"/>
           </p:cNvSpPr>
           <p:nvPr>
-            <p:ph type="ftr" idx="32"/>
+            <p:ph type="ftr" idx="8"/>
           </p:nvPr>
         </p:nvSpPr>
         <p:spPr>
           <a:xfrm>
             <a:off x="1447560" y="318600"/>
-            <a:ext cx="5540760" cy="320400"/>
+            <a:ext cx="5540400" cy="320040"/>
           </a:xfrm>
           <a:prstGeom prst="rect">
             <a:avLst/>
@@ -2003,7 +3791,13 @@
           </a:bodyPr>
           <a:lstStyle>
             <a:lvl1pPr indent="0" algn="ctr">
+              <a:lnSpc>
+                <a:spcPct val="100000"/>
+              </a:lnSpc>
               <a:buNone/>
+              <a:tabLst>
+                <a:tab algn="l" pos="0"/>
+              </a:tabLst>
               <a:defRPr b="0" lang="pt-BR" sz="1400" strike="noStrike" u="none">
                 <a:solidFill>
                   <a:srgbClr val="000000"/>
@@ -2016,7 +3810,13 @@
           </a:lstStyle>
           <a:p>
             <a:pPr indent="0" algn="ctr">
+              <a:lnSpc>
+                <a:spcPct val="100000"/>
+              </a:lnSpc>
               <a:buNone/>
+              <a:tabLst>
+                <a:tab algn="l" pos="0"/>
+              </a:tabLst>
             </a:pPr>
             <a:r>
               <a:rPr b="0" lang="pt-BR" sz="1400" strike="noStrike" u="none">
@@ -2042,18 +3842,18 @@
       </p:sp>
       <p:sp>
         <p:nvSpPr>
-          <p:cNvPr id="105" name="PlaceHolder 6"/>
+          <p:cNvPr id="29" name="PlaceHolder 6"/>
           <p:cNvSpPr>
             <a:spLocks noGrp="1"/>
           </p:cNvSpPr>
           <p:nvPr>
-            <p:ph type="sldNum" idx="33"/>
+            <p:ph type="sldNum" idx="9"/>
           </p:nvPr>
         </p:nvSpPr>
         <p:spPr>
           <a:xfrm>
             <a:off x="480240" y="798840"/>
-            <a:ext cx="810720" cy="503280"/>
+            <a:ext cx="810360" cy="502920"/>
           </a:xfrm>
           <a:prstGeom prst="rect">
             <a:avLst/>
@@ -2073,6 +3873,9 @@
                 <a:spcPct val="100000"/>
               </a:lnSpc>
               <a:buNone/>
+              <a:tabLst>
+                <a:tab algn="l" pos="0"/>
+              </a:tabLst>
               <a:defRPr b="0" lang="pt-BR" sz="2800" strike="noStrike" u="none">
                 <a:solidFill>
                   <a:schemeClr val="accent1"/>
@@ -2089,8 +3892,11 @@
                 <a:spcPct val="100000"/>
               </a:lnSpc>
               <a:buNone/>
-            </a:pPr>
-            <a:fld id="{982A1BDD-3121-440C-84A3-1055C60B4231}" type="slidenum">
+              <a:tabLst>
+                <a:tab algn="l" pos="0"/>
+              </a:tabLst>
+            </a:pPr>
+            <a:fld id="{692D1E70-B67C-4BF8-A04C-3A41E88296AD}" type="slidenum">
               <a:rPr b="0" lang="pt-BR" sz="2800" strike="noStrike" u="none">
                 <a:solidFill>
                   <a:schemeClr val="accent1"/>
@@ -2114,14 +3920,14 @@
       </p:sp>
       <p:cxnSp>
         <p:nvCxnSpPr>
-          <p:cNvPr id="106" name="Straight Connector 30"/>
+          <p:cNvPr id="30" name="Straight Connector 30"/>
           <p:cNvCxnSpPr/>
           <p:nvPr/>
         </p:nvCxnSpPr>
         <p:spPr>
           <a:xfrm>
             <a:off x="1447200" y="3143520"/>
-            <a:ext cx="5527800" cy="360"/>
+            <a:ext cx="5528160" cy="720"/>
           </a:xfrm>
           <a:prstGeom prst="straightConnector1">
             <a:avLst/>
@@ -2139,7 +3945,744 @@
 </p:sldLayout>
 </file>
 
-<file path=ppt/slideLayouts/slideLayout2.xml><?xml version="1.0" encoding="utf-8"?>
+<file path=ppt/slideLayouts/slideLayout4.xml><?xml version="1.0" encoding="utf-8"?>
+<p:sldLayout xmlns:a="http://schemas.openxmlformats.org/drawingml/2006/main" xmlns:p="http://schemas.openxmlformats.org/presentationml/2006/main" xmlns:r="http://schemas.openxmlformats.org/officeDocument/2006/relationships" xmlns:p14="http://schemas.microsoft.com/office/powerpoint/2010/main" xmlns:p15="http://schemas.microsoft.com/office/powerpoint/2012/main" xmlns:mc="http://schemas.openxmlformats.org/markup-compatibility/2006" type="title" preserve="1">
+  <p:cSld name="Slide de Título">
+    <p:bg>
+      <p:bgPr>
+        <a:solidFill>
+          <a:srgbClr val="ffffff"/>
+        </a:solidFill>
+      </p:bgPr>
+    </p:bg>
+    <p:spTree>
+      <p:nvGrpSpPr>
+        <p:cNvPr id="1" name=""/>
+        <p:cNvGrpSpPr/>
+        <p:nvPr/>
+      </p:nvGrpSpPr>
+      <p:grpSpPr>
+        <a:xfrm>
+          <a:off x="0" y="0"/>
+          <a:ext cx="0" cy="0"/>
+          <a:chOff x="0" y="0"/>
+          <a:chExt cx="0" cy="0"/>
+        </a:xfrm>
+      </p:grpSpPr>
+      <p:sp>
+        <p:nvSpPr>
+          <p:cNvPr id="31" name="Rectangle 7"/>
+          <p:cNvSpPr/>
+          <p:nvPr/>
+        </p:nvSpPr>
+        <p:spPr>
+          <a:xfrm>
+            <a:off x="0" y="2019600"/>
+            <a:ext cx="12191400" cy="4105080"/>
+          </a:xfrm>
+          <a:prstGeom prst="rect">
+            <a:avLst/>
+          </a:prstGeom>
+          <a:gradFill rotWithShape="0">
+            <a:gsLst>
+              <a:gs pos="0">
+                <a:srgbClr val="e7e6e6">
+                  <a:alpha val="0"/>
+                </a:srgbClr>
+              </a:gs>
+              <a:gs pos="100000">
+                <a:srgbClr val="e7e6e6"/>
+              </a:gs>
+            </a:gsLst>
+            <a:lin ang="5400000"/>
+          </a:gradFill>
+          <a:ln>
+            <a:noFill/>
+          </a:ln>
+        </p:spPr>
+        <p:style>
+          <a:lnRef idx="2">
+            <a:schemeClr val="accent1">
+              <a:shade val="50000"/>
+            </a:schemeClr>
+          </a:lnRef>
+          <a:fillRef idx="1">
+            <a:schemeClr val="accent1"/>
+          </a:fillRef>
+          <a:effectRef idx="0">
+            <a:schemeClr val="accent1"/>
+          </a:effectRef>
+          <a:fontRef idx="minor"/>
+        </p:style>
+        <p:txBody>
+          <a:bodyPr lIns="90000" rIns="90000" tIns="45000" bIns="45000" anchor="t">
+            <a:noAutofit/>
+          </a:bodyPr>
+          <a:p>
+            <a:pPr>
+              <a:lnSpc>
+                <a:spcPct val="100000"/>
+              </a:lnSpc>
+            </a:pPr>
+            <a:endParaRPr b="0" lang="pt-BR" sz="1800" strike="noStrike" u="none">
+              <a:solidFill>
+                <a:srgbClr val="000000"/>
+              </a:solidFill>
+              <a:effectLst/>
+              <a:uFillTx/>
+              <a:latin typeface="Arial"/>
+            </a:endParaRPr>
+          </a:p>
+        </p:txBody>
+      </p:sp>
+      <p:pic>
+        <p:nvPicPr>
+          <p:cNvPr id="32" name="Picture 6" descr=""/>
+          <p:cNvPicPr/>
+          <p:nvPr/>
+        </p:nvPicPr>
+        <p:blipFill>
+          <a:blip r:embed="rId2"/>
+          <a:srcRect l="0" t="1526" r="0" b="-1526"/>
+          <a:stretch/>
+        </p:blipFill>
+        <p:spPr>
+          <a:xfrm>
+            <a:off x="0" y="6126480"/>
+            <a:ext cx="12191400" cy="742320"/>
+          </a:xfrm>
+          <a:prstGeom prst="rect">
+            <a:avLst/>
+          </a:prstGeom>
+          <a:noFill/>
+          <a:ln w="0">
+            <a:noFill/>
+          </a:ln>
+        </p:spPr>
+      </p:pic>
+      <p:cxnSp>
+        <p:nvCxnSpPr>
+          <p:cNvPr id="33" name="Straight Connector 9"/>
+          <p:cNvCxnSpPr/>
+          <p:nvPr/>
+        </p:nvCxnSpPr>
+        <p:spPr>
+          <a:xfrm>
+            <a:off x="0" y="6128280"/>
+            <a:ext cx="12192480" cy="720"/>
+          </a:xfrm>
+          <a:prstGeom prst="straightConnector1">
+            <a:avLst/>
+          </a:prstGeom>
+          <a:ln w="12700">
+            <a:solidFill>
+              <a:srgbClr val="000001">
+                <a:alpha val="20000"/>
+              </a:srgbClr>
+            </a:solidFill>
+            <a:round/>
+          </a:ln>
+        </p:spPr>
+      </p:cxnSp>
+      <p:sp>
+        <p:nvSpPr>
+          <p:cNvPr id="34" name="PlaceHolder 1"/>
+          <p:cNvSpPr>
+            <a:spLocks noGrp="1"/>
+          </p:cNvSpPr>
+          <p:nvPr>
+            <p:ph type="title"/>
+          </p:nvPr>
+        </p:nvSpPr>
+        <p:spPr>
+          <a:xfrm>
+            <a:off x="2417760" y="802440"/>
+            <a:ext cx="8636400" cy="2540880"/>
+          </a:xfrm>
+          <a:prstGeom prst="rect">
+            <a:avLst/>
+          </a:prstGeom>
+          <a:noFill/>
+          <a:ln w="0">
+            <a:noFill/>
+          </a:ln>
+        </p:spPr>
+        <p:txBody>
+          <a:bodyPr lIns="91440" rIns="91440" tIns="45720" bIns="0" anchor="b">
+            <a:normAutofit lnSpcReduction="9999"/>
+          </a:bodyPr>
+          <a:p>
+            <a:pPr indent="0" defTabSz="914400">
+              <a:lnSpc>
+                <a:spcPct val="90000"/>
+              </a:lnSpc>
+              <a:buNone/>
+              <a:tabLst>
+                <a:tab algn="l" pos="0"/>
+              </a:tabLst>
+            </a:pPr>
+            <a:r>
+              <a:rPr b="0" lang="pt-BR" sz="6600" strike="noStrike" u="none" cap="all">
+                <a:solidFill>
+                  <a:schemeClr val="dk1"/>
+                </a:solidFill>
+                <a:effectLst/>
+                <a:uFillTx/>
+                <a:latin typeface="Gill Sans MT"/>
+              </a:rPr>
+              <a:t>Clique para editar o título Mestre</a:t>
+            </a:r>
+            <a:endParaRPr b="0" lang="pt-BR" sz="6600" strike="noStrike" u="none">
+              <a:solidFill>
+                <a:srgbClr val="000000"/>
+              </a:solidFill>
+              <a:effectLst/>
+              <a:uFillTx/>
+              <a:latin typeface="Arial"/>
+            </a:endParaRPr>
+          </a:p>
+        </p:txBody>
+      </p:sp>
+      <p:sp>
+        <p:nvSpPr>
+          <p:cNvPr id="35" name="PlaceHolder 2"/>
+          <p:cNvSpPr>
+            <a:spLocks noGrp="1"/>
+          </p:cNvSpPr>
+          <p:nvPr>
+            <p:ph type="dt" idx="10"/>
+          </p:nvPr>
+        </p:nvSpPr>
+        <p:spPr>
+          <a:xfrm>
+            <a:off x="7554240" y="330480"/>
+            <a:ext cx="3499920" cy="308520"/>
+          </a:xfrm>
+          <a:prstGeom prst="rect">
+            <a:avLst/>
+          </a:prstGeom>
+          <a:noFill/>
+          <a:ln w="0">
+            <a:noFill/>
+          </a:ln>
+        </p:spPr>
+        <p:txBody>
+          <a:bodyPr lIns="91440" rIns="91440" tIns="45720" bIns="45720" anchor="ctr">
+            <a:noAutofit/>
+          </a:bodyPr>
+          <a:lstStyle>
+            <a:lvl1pPr indent="0" algn="r" defTabSz="457200">
+              <a:lnSpc>
+                <a:spcPct val="100000"/>
+              </a:lnSpc>
+              <a:buNone/>
+              <a:tabLst>
+                <a:tab algn="l" pos="0"/>
+              </a:tabLst>
+              <a:defRPr b="0" lang="pt-BR" sz="1000" strike="noStrike" u="none">
+                <a:solidFill>
+                  <a:schemeClr val="dk1">
+                    <a:tint val="75000"/>
+                  </a:schemeClr>
+                </a:solidFill>
+                <a:effectLst/>
+                <a:uFillTx/>
+                <a:latin typeface="Gill Sans MT"/>
+              </a:defRPr>
+            </a:lvl1pPr>
+          </a:lstStyle>
+          <a:p>
+            <a:pPr indent="0" algn="r" defTabSz="457200">
+              <a:lnSpc>
+                <a:spcPct val="100000"/>
+              </a:lnSpc>
+              <a:buNone/>
+              <a:tabLst>
+                <a:tab algn="l" pos="0"/>
+              </a:tabLst>
+            </a:pPr>
+            <a:r>
+              <a:rPr b="0" lang="pt-BR" sz="1000" strike="noStrike" u="none">
+                <a:solidFill>
+                  <a:schemeClr val="dk1">
+                    <a:tint val="75000"/>
+                  </a:schemeClr>
+                </a:solidFill>
+                <a:effectLst/>
+                <a:uFillTx/>
+                <a:latin typeface="Gill Sans MT"/>
+              </a:rPr>
+              <a:t>&lt;data/hora&gt;</a:t>
+            </a:r>
+            <a:endParaRPr b="0" lang="pt-BR" sz="1000" strike="noStrike" u="none">
+              <a:solidFill>
+                <a:srgbClr val="000000"/>
+              </a:solidFill>
+              <a:effectLst/>
+              <a:uFillTx/>
+              <a:latin typeface="Times New Roman"/>
+            </a:endParaRPr>
+          </a:p>
+        </p:txBody>
+      </p:sp>
+      <p:sp>
+        <p:nvSpPr>
+          <p:cNvPr id="36" name="PlaceHolder 3"/>
+          <p:cNvSpPr>
+            <a:spLocks noGrp="1"/>
+          </p:cNvSpPr>
+          <p:nvPr>
+            <p:ph type="ftr" idx="11"/>
+          </p:nvPr>
+        </p:nvSpPr>
+        <p:spPr>
+          <a:xfrm>
+            <a:off x="2416680" y="329400"/>
+            <a:ext cx="4973040" cy="308520"/>
+          </a:xfrm>
+          <a:prstGeom prst="rect">
+            <a:avLst/>
+          </a:prstGeom>
+          <a:noFill/>
+          <a:ln w="0">
+            <a:noFill/>
+          </a:ln>
+        </p:spPr>
+        <p:txBody>
+          <a:bodyPr lIns="91440" rIns="91440" tIns="45720" bIns="45720" anchor="ctr">
+            <a:noAutofit/>
+          </a:bodyPr>
+          <a:lstStyle>
+            <a:lvl1pPr indent="0" algn="ctr">
+              <a:lnSpc>
+                <a:spcPct val="100000"/>
+              </a:lnSpc>
+              <a:buNone/>
+              <a:tabLst>
+                <a:tab algn="l" pos="0"/>
+              </a:tabLst>
+              <a:defRPr b="0" lang="pt-BR" sz="1400" strike="noStrike" u="none">
+                <a:solidFill>
+                  <a:srgbClr val="000000"/>
+                </a:solidFill>
+                <a:effectLst/>
+                <a:uFillTx/>
+                <a:latin typeface="Times New Roman"/>
+              </a:defRPr>
+            </a:lvl1pPr>
+          </a:lstStyle>
+          <a:p>
+            <a:pPr indent="0" algn="ctr">
+              <a:lnSpc>
+                <a:spcPct val="100000"/>
+              </a:lnSpc>
+              <a:buNone/>
+              <a:tabLst>
+                <a:tab algn="l" pos="0"/>
+              </a:tabLst>
+            </a:pPr>
+            <a:r>
+              <a:rPr b="0" lang="pt-BR" sz="1400" strike="noStrike" u="none">
+                <a:solidFill>
+                  <a:srgbClr val="000000"/>
+                </a:solidFill>
+                <a:effectLst/>
+                <a:uFillTx/>
+                <a:latin typeface="Times New Roman"/>
+              </a:rPr>
+              <a:t>&lt;rodapé&gt;</a:t>
+            </a:r>
+            <a:endParaRPr b="0" lang="pt-BR" sz="1400" strike="noStrike" u="none">
+              <a:solidFill>
+                <a:srgbClr val="000000"/>
+              </a:solidFill>
+              <a:effectLst/>
+              <a:uFillTx/>
+              <a:latin typeface="Times New Roman"/>
+            </a:endParaRPr>
+          </a:p>
+        </p:txBody>
+      </p:sp>
+      <p:sp>
+        <p:nvSpPr>
+          <p:cNvPr id="37" name="PlaceHolder 4"/>
+          <p:cNvSpPr>
+            <a:spLocks noGrp="1"/>
+          </p:cNvSpPr>
+          <p:nvPr>
+            <p:ph type="sldNum" idx="12"/>
+          </p:nvPr>
+        </p:nvSpPr>
+        <p:spPr>
+          <a:xfrm>
+            <a:off x="1437840" y="798840"/>
+            <a:ext cx="810360" cy="502920"/>
+          </a:xfrm>
+          <a:prstGeom prst="rect">
+            <a:avLst/>
+          </a:prstGeom>
+          <a:noFill/>
+          <a:ln w="0">
+            <a:noFill/>
+          </a:ln>
+        </p:spPr>
+        <p:txBody>
+          <a:bodyPr lIns="91440" rIns="91440" tIns="45720" bIns="45720" anchor="t">
+            <a:noAutofit/>
+          </a:bodyPr>
+          <a:lstStyle>
+            <a:lvl1pPr indent="0" algn="r" defTabSz="457200">
+              <a:lnSpc>
+                <a:spcPct val="100000"/>
+              </a:lnSpc>
+              <a:buNone/>
+              <a:tabLst>
+                <a:tab algn="l" pos="0"/>
+              </a:tabLst>
+              <a:defRPr b="0" lang="pt-BR" sz="2800" strike="noStrike" u="none">
+                <a:solidFill>
+                  <a:schemeClr val="accent1"/>
+                </a:solidFill>
+                <a:effectLst/>
+                <a:uFillTx/>
+                <a:latin typeface="Gill Sans MT"/>
+              </a:defRPr>
+            </a:lvl1pPr>
+          </a:lstStyle>
+          <a:p>
+            <a:pPr indent="0" algn="r" defTabSz="457200">
+              <a:lnSpc>
+                <a:spcPct val="100000"/>
+              </a:lnSpc>
+              <a:buNone/>
+              <a:tabLst>
+                <a:tab algn="l" pos="0"/>
+              </a:tabLst>
+            </a:pPr>
+            <a:fld id="{7E793384-EE74-4E8A-BBC5-EDC7325DB0FA}" type="slidenum">
+              <a:rPr b="0" lang="pt-BR" sz="2800" strike="noStrike" u="none">
+                <a:solidFill>
+                  <a:schemeClr val="accent1"/>
+                </a:solidFill>
+                <a:effectLst/>
+                <a:uFillTx/>
+                <a:latin typeface="Gill Sans MT"/>
+              </a:rPr>
+              <a:t>&lt;número&gt;</a:t>
+            </a:fld>
+            <a:endParaRPr b="0" lang="pt-BR" sz="2800" strike="noStrike" u="none">
+              <a:solidFill>
+                <a:srgbClr val="000000"/>
+              </a:solidFill>
+              <a:effectLst/>
+              <a:uFillTx/>
+              <a:latin typeface="Times New Roman"/>
+            </a:endParaRPr>
+          </a:p>
+        </p:txBody>
+      </p:sp>
+      <p:cxnSp>
+        <p:nvCxnSpPr>
+          <p:cNvPr id="38" name="Straight Connector 14"/>
+          <p:cNvCxnSpPr/>
+          <p:nvPr/>
+        </p:nvCxnSpPr>
+        <p:spPr>
+          <a:xfrm>
+            <a:off x="2417760" y="3528360"/>
+            <a:ext cx="8637480" cy="720"/>
+          </a:xfrm>
+          <a:prstGeom prst="straightConnector1">
+            <a:avLst/>
+          </a:prstGeom>
+          <a:ln w="31750">
+            <a:solidFill>
+              <a:srgbClr val="4472c4"/>
+            </a:solidFill>
+            <a:round/>
+          </a:ln>
+        </p:spPr>
+      </p:cxnSp>
+      <p:sp>
+        <p:nvSpPr>
+          <p:cNvPr id="39" name="PlaceHolder 5"/>
+          <p:cNvSpPr>
+            <a:spLocks noGrp="1"/>
+          </p:cNvSpPr>
+          <p:nvPr>
+            <p:ph type="body"/>
+          </p:nvPr>
+        </p:nvSpPr>
+        <p:spPr>
+          <a:xfrm>
+            <a:off x="609480" y="1604520"/>
+            <a:ext cx="10972080" cy="3976920"/>
+          </a:xfrm>
+          <a:prstGeom prst="rect">
+            <a:avLst/>
+          </a:prstGeom>
+          <a:noFill/>
+          <a:ln w="0">
+            <a:noFill/>
+          </a:ln>
+        </p:spPr>
+        <p:txBody>
+          <a:bodyPr lIns="0" rIns="0" tIns="0" bIns="0" anchor="t">
+            <a:normAutofit/>
+          </a:bodyPr>
+          <a:p>
+            <a:pPr marL="432000" indent="-324000">
+              <a:lnSpc>
+                <a:spcPct val="120000"/>
+              </a:lnSpc>
+              <a:spcBef>
+                <a:spcPts val="1417"/>
+              </a:spcBef>
+              <a:buClr>
+                <a:srgbClr val="000000"/>
+              </a:buClr>
+              <a:buSzPct val="45000"/>
+              <a:buFont typeface="Wingdings" charset="2"/>
+              <a:buChar char=""/>
+            </a:pPr>
+            <a:r>
+              <a:rPr b="0" lang="en-US" sz="2000" strike="noStrike" u="none">
+                <a:solidFill>
+                  <a:schemeClr val="dk1"/>
+                </a:solidFill>
+                <a:effectLst/>
+                <a:uFillTx/>
+                <a:latin typeface="Gill Sans MT"/>
+              </a:rPr>
+              <a:t>Clique para editar o formato de texto dos tópicos</a:t>
+            </a:r>
+            <a:endParaRPr b="0" lang="pt-BR" sz="2000" strike="noStrike" u="none">
+              <a:solidFill>
+                <a:srgbClr val="000000"/>
+              </a:solidFill>
+              <a:effectLst/>
+              <a:uFillTx/>
+              <a:latin typeface="Arial"/>
+            </a:endParaRPr>
+          </a:p>
+          <a:p>
+            <a:pPr lvl="1" marL="864000" indent="-324000">
+              <a:lnSpc>
+                <a:spcPct val="120000"/>
+              </a:lnSpc>
+              <a:spcBef>
+                <a:spcPts val="1134"/>
+              </a:spcBef>
+              <a:buClr>
+                <a:srgbClr val="000000"/>
+              </a:buClr>
+              <a:buSzPct val="75000"/>
+              <a:buFont typeface="Symbol" charset="2"/>
+              <a:buChar char=""/>
+            </a:pPr>
+            <a:r>
+              <a:rPr b="0" lang="en-US" sz="1600" strike="noStrike" u="none">
+                <a:solidFill>
+                  <a:schemeClr val="dk1"/>
+                </a:solidFill>
+                <a:effectLst/>
+                <a:uFillTx/>
+                <a:latin typeface="Gill Sans MT"/>
+              </a:rPr>
+              <a:t>2.º nível de tópicos</a:t>
+            </a:r>
+            <a:endParaRPr b="0" lang="pt-BR" sz="1600" strike="noStrike" u="none">
+              <a:solidFill>
+                <a:srgbClr val="000000"/>
+              </a:solidFill>
+              <a:effectLst/>
+              <a:uFillTx/>
+              <a:latin typeface="Arial"/>
+            </a:endParaRPr>
+          </a:p>
+          <a:p>
+            <a:pPr lvl="2" marL="1296000" indent="-288000">
+              <a:lnSpc>
+                <a:spcPct val="120000"/>
+              </a:lnSpc>
+              <a:spcBef>
+                <a:spcPts val="850"/>
+              </a:spcBef>
+              <a:buClr>
+                <a:srgbClr val="000000"/>
+              </a:buClr>
+              <a:buSzPct val="45000"/>
+              <a:buFont typeface="Wingdings" charset="2"/>
+              <a:buChar char=""/>
+            </a:pPr>
+            <a:r>
+              <a:rPr b="0" lang="en-US" sz="1400" strike="noStrike" u="none">
+                <a:solidFill>
+                  <a:schemeClr val="dk1"/>
+                </a:solidFill>
+                <a:effectLst/>
+                <a:uFillTx/>
+                <a:latin typeface="Gill Sans MT"/>
+              </a:rPr>
+              <a:t>3.º nível de tópicos</a:t>
+            </a:r>
+            <a:endParaRPr b="0" lang="pt-BR" sz="1400" strike="noStrike" u="none">
+              <a:solidFill>
+                <a:srgbClr val="000000"/>
+              </a:solidFill>
+              <a:effectLst/>
+              <a:uFillTx/>
+              <a:latin typeface="Arial"/>
+            </a:endParaRPr>
+          </a:p>
+          <a:p>
+            <a:pPr lvl="3" marL="1728000" indent="-216000">
+              <a:lnSpc>
+                <a:spcPct val="120000"/>
+              </a:lnSpc>
+              <a:spcBef>
+                <a:spcPts val="567"/>
+              </a:spcBef>
+              <a:buClr>
+                <a:srgbClr val="000000"/>
+              </a:buClr>
+              <a:buSzPct val="75000"/>
+              <a:buFont typeface="Symbol" charset="2"/>
+              <a:buChar char=""/>
+            </a:pPr>
+            <a:r>
+              <a:rPr b="0" lang="en-US" sz="1200" strike="noStrike" u="none">
+                <a:solidFill>
+                  <a:schemeClr val="dk1"/>
+                </a:solidFill>
+                <a:effectLst/>
+                <a:uFillTx/>
+                <a:latin typeface="Gill Sans MT"/>
+              </a:rPr>
+              <a:t>4.º nível de tópicos</a:t>
+            </a:r>
+            <a:endParaRPr b="0" lang="pt-BR" sz="1200" strike="noStrike" u="none">
+              <a:solidFill>
+                <a:srgbClr val="000000"/>
+              </a:solidFill>
+              <a:effectLst/>
+              <a:uFillTx/>
+              <a:latin typeface="Arial"/>
+            </a:endParaRPr>
+          </a:p>
+          <a:p>
+            <a:pPr lvl="4" marL="2160000" indent="-216000">
+              <a:lnSpc>
+                <a:spcPct val="120000"/>
+              </a:lnSpc>
+              <a:spcBef>
+                <a:spcPts val="283"/>
+              </a:spcBef>
+              <a:buClr>
+                <a:srgbClr val="000000"/>
+              </a:buClr>
+              <a:buSzPct val="45000"/>
+              <a:buFont typeface="Wingdings" charset="2"/>
+              <a:buChar char=""/>
+            </a:pPr>
+            <a:r>
+              <a:rPr b="0" lang="en-US" sz="2000" strike="noStrike" u="none">
+                <a:solidFill>
+                  <a:schemeClr val="dk1"/>
+                </a:solidFill>
+                <a:effectLst/>
+                <a:uFillTx/>
+                <a:latin typeface="Gill Sans MT"/>
+              </a:rPr>
+              <a:t>5.º nível de tópicos</a:t>
+            </a:r>
+            <a:endParaRPr b="0" lang="pt-BR" sz="2000" strike="noStrike" u="none">
+              <a:solidFill>
+                <a:srgbClr val="000000"/>
+              </a:solidFill>
+              <a:effectLst/>
+              <a:uFillTx/>
+              <a:latin typeface="Arial"/>
+            </a:endParaRPr>
+          </a:p>
+          <a:p>
+            <a:pPr lvl="5" marL="2592000" indent="-216000">
+              <a:lnSpc>
+                <a:spcPct val="120000"/>
+              </a:lnSpc>
+              <a:spcBef>
+                <a:spcPts val="283"/>
+              </a:spcBef>
+              <a:buClr>
+                <a:srgbClr val="000000"/>
+              </a:buClr>
+              <a:buSzPct val="45000"/>
+              <a:buFont typeface="Wingdings" charset="2"/>
+              <a:buChar char=""/>
+            </a:pPr>
+            <a:r>
+              <a:rPr b="0" lang="en-US" sz="2000" strike="noStrike" u="none">
+                <a:solidFill>
+                  <a:schemeClr val="dk1"/>
+                </a:solidFill>
+                <a:effectLst/>
+                <a:uFillTx/>
+                <a:latin typeface="Gill Sans MT"/>
+              </a:rPr>
+              <a:t>6.º nível de tópicos</a:t>
+            </a:r>
+            <a:endParaRPr b="0" lang="pt-BR" sz="2000" strike="noStrike" u="none">
+              <a:solidFill>
+                <a:srgbClr val="000000"/>
+              </a:solidFill>
+              <a:effectLst/>
+              <a:uFillTx/>
+              <a:latin typeface="Arial"/>
+            </a:endParaRPr>
+          </a:p>
+          <a:p>
+            <a:pPr lvl="6" marL="3024000" indent="-216000">
+              <a:lnSpc>
+                <a:spcPct val="120000"/>
+              </a:lnSpc>
+              <a:spcBef>
+                <a:spcPts val="283"/>
+              </a:spcBef>
+              <a:buClr>
+                <a:srgbClr val="000000"/>
+              </a:buClr>
+              <a:buSzPct val="45000"/>
+              <a:buFont typeface="Wingdings" charset="2"/>
+              <a:buChar char=""/>
+            </a:pPr>
+            <a:r>
+              <a:rPr b="0" lang="en-US" sz="2000" strike="noStrike" u="none">
+                <a:solidFill>
+                  <a:schemeClr val="dk1"/>
+                </a:solidFill>
+                <a:effectLst/>
+                <a:uFillTx/>
+                <a:latin typeface="Gill Sans MT"/>
+              </a:rPr>
+              <a:t>7.º nível de tópicos</a:t>
+            </a:r>
+            <a:endParaRPr b="0" lang="pt-BR" sz="2000" strike="noStrike" u="none">
+              <a:solidFill>
+                <a:srgbClr val="000000"/>
+              </a:solidFill>
+              <a:effectLst/>
+              <a:uFillTx/>
+              <a:latin typeface="Arial"/>
+            </a:endParaRPr>
+          </a:p>
+        </p:txBody>
+      </p:sp>
+    </p:spTree>
+  </p:cSld>
+</p:sldLayout>
+</file>
+
+<file path=ppt/slideLayouts/slideLayout5.xml><?xml version="1.0" encoding="utf-8"?>
 <p:sldLayout xmlns:a="http://schemas.openxmlformats.org/drawingml/2006/main" xmlns:p="http://schemas.openxmlformats.org/presentationml/2006/main" xmlns:r="http://schemas.openxmlformats.org/officeDocument/2006/relationships" xmlns:p14="http://schemas.microsoft.com/office/powerpoint/2010/main" xmlns:p15="http://schemas.microsoft.com/office/powerpoint/2012/main" xmlns:mc="http://schemas.openxmlformats.org/markup-compatibility/2006" type="vertTx" preserve="1">
   <p:cSld name="Título e Texto Vertical">
     <p:bg>
@@ -2165,14 +4708,14 @@
       </p:grpSpPr>
       <p:sp>
         <p:nvSpPr>
-          <p:cNvPr id="9" name="Rectangle 7"/>
+          <p:cNvPr id="40" name="Rectangle 7"/>
           <p:cNvSpPr/>
           <p:nvPr/>
         </p:nvSpPr>
         <p:spPr>
           <a:xfrm>
             <a:off x="0" y="2019600"/>
-            <a:ext cx="12191760" cy="4105440"/>
+            <a:ext cx="12191400" cy="4105080"/>
           </a:xfrm>
           <a:prstGeom prst="rect">
             <a:avLst/>
@@ -2213,6 +4756,11 @@
             <a:noAutofit/>
           </a:bodyPr>
           <a:p>
+            <a:pPr>
+              <a:lnSpc>
+                <a:spcPct val="100000"/>
+              </a:lnSpc>
+            </a:pPr>
             <a:endParaRPr b="0" lang="pt-BR" sz="1800" strike="noStrike" u="none">
               <a:solidFill>
                 <a:srgbClr val="000000"/>
@@ -2226,7 +4774,7 @@
       </p:sp>
       <p:pic>
         <p:nvPicPr>
-          <p:cNvPr id="10" name="Picture 6" descr=""/>
+          <p:cNvPr id="41" name="Picture 6" descr=""/>
           <p:cNvPicPr/>
           <p:nvPr/>
         </p:nvPicPr>
@@ -2238,7 +4786,7 @@
         <p:spPr>
           <a:xfrm>
             <a:off x="0" y="6126480"/>
-            <a:ext cx="12191760" cy="742680"/>
+            <a:ext cx="12191400" cy="742320"/>
           </a:xfrm>
           <a:prstGeom prst="rect">
             <a:avLst/>
@@ -2251,14 +4799,14 @@
       </p:pic>
       <p:cxnSp>
         <p:nvCxnSpPr>
-          <p:cNvPr id="11" name="Straight Connector 9"/>
+          <p:cNvPr id="42" name="Straight Connector 9"/>
           <p:cNvCxnSpPr/>
           <p:nvPr/>
         </p:nvCxnSpPr>
         <p:spPr>
           <a:xfrm>
             <a:off x="0" y="6128280"/>
-            <a:ext cx="12192120" cy="360"/>
+            <a:ext cx="12192480" cy="720"/>
           </a:xfrm>
           <a:prstGeom prst="straightConnector1">
             <a:avLst/>
@@ -2275,7 +4823,7 @@
       </p:cxnSp>
       <p:sp>
         <p:nvSpPr>
-          <p:cNvPr id="12" name="PlaceHolder 1"/>
+          <p:cNvPr id="43" name="PlaceHolder 1"/>
           <p:cNvSpPr>
             <a:spLocks noGrp="1"/>
           </p:cNvSpPr>
@@ -2286,7 +4834,7 @@
         <p:spPr>
           <a:xfrm>
             <a:off x="1451520" y="804600"/>
-            <a:ext cx="9603000" cy="1049040"/>
+            <a:ext cx="9602640" cy="1048680"/>
           </a:xfrm>
           <a:prstGeom prst="rect">
             <a:avLst/>
@@ -2306,6 +4854,9 @@
                 <a:spcPct val="90000"/>
               </a:lnSpc>
               <a:buNone/>
+              <a:tabLst>
+                <a:tab algn="l" pos="0"/>
+              </a:tabLst>
             </a:pPr>
             <a:r>
               <a:rPr b="0" lang="pt-BR" sz="3200" strike="noStrike" u="none" cap="all">
@@ -2318,20 +4869,20 @@
               </a:rPr>
               <a:t>Clique para editar o título Mestre</a:t>
             </a:r>
-            <a:endParaRPr b="0" lang="en-US" sz="3200" strike="noStrike" u="none">
-              <a:solidFill>
-                <a:schemeClr val="dk1"/>
-              </a:solidFill>
-              <a:effectLst/>
-              <a:uFillTx/>
-              <a:latin typeface="Gill Sans MT"/>
+            <a:endParaRPr b="0" lang="pt-BR" sz="3200" strike="noStrike" u="none">
+              <a:solidFill>
+                <a:srgbClr val="000000"/>
+              </a:solidFill>
+              <a:effectLst/>
+              <a:uFillTx/>
+              <a:latin typeface="Arial"/>
             </a:endParaRPr>
           </a:p>
         </p:txBody>
       </p:sp>
       <p:sp>
         <p:nvSpPr>
-          <p:cNvPr id="13" name="PlaceHolder 2"/>
+          <p:cNvPr id="44" name="PlaceHolder 2"/>
           <p:cNvSpPr>
             <a:spLocks noGrp="1"/>
           </p:cNvSpPr>
@@ -2342,7 +4893,7 @@
         <p:spPr>
           <a:xfrm>
             <a:off x="1451520" y="2015640"/>
-            <a:ext cx="9603000" cy="3450240"/>
+            <a:ext cx="9602640" cy="3449880"/>
           </a:xfrm>
           <a:prstGeom prst="rect">
             <a:avLst/>
@@ -2381,13 +4932,13 @@
               </a:rPr>
               <a:t>Clique para editar os estilos de texto Mestres</a:t>
             </a:r>
-            <a:endParaRPr b="0" lang="en-US" sz="2000" strike="noStrike" u="none">
-              <a:solidFill>
-                <a:schemeClr val="dk1"/>
-              </a:solidFill>
-              <a:effectLst/>
-              <a:uFillTx/>
-              <a:latin typeface="Gill Sans MT"/>
+            <a:endParaRPr b="0" lang="pt-BR" sz="2000" strike="noStrike" u="none">
+              <a:solidFill>
+                <a:srgbClr val="000000"/>
+              </a:solidFill>
+              <a:effectLst/>
+              <a:uFillTx/>
+              <a:latin typeface="Arial"/>
             </a:endParaRPr>
           </a:p>
           <a:p>
@@ -2415,13 +4966,13 @@
               </a:rPr>
               <a:t>Segundo nível</a:t>
             </a:r>
-            <a:endParaRPr b="0" lang="en-US" sz="1800" strike="noStrike" u="none">
-              <a:solidFill>
-                <a:schemeClr val="dk1"/>
-              </a:solidFill>
-              <a:effectLst/>
-              <a:uFillTx/>
-              <a:latin typeface="Gill Sans MT"/>
+            <a:endParaRPr b="0" lang="pt-BR" sz="1800" strike="noStrike" u="none">
+              <a:solidFill>
+                <a:srgbClr val="000000"/>
+              </a:solidFill>
+              <a:effectLst/>
+              <a:uFillTx/>
+              <a:latin typeface="Arial"/>
             </a:endParaRPr>
           </a:p>
           <a:p>
@@ -2449,13 +5000,13 @@
               </a:rPr>
               <a:t>Terceiro nível</a:t>
             </a:r>
-            <a:endParaRPr b="0" lang="en-US" sz="1600" strike="noStrike" u="none">
-              <a:solidFill>
-                <a:schemeClr val="dk1"/>
-              </a:solidFill>
-              <a:effectLst/>
-              <a:uFillTx/>
-              <a:latin typeface="Gill Sans MT"/>
+            <a:endParaRPr b="0" lang="pt-BR" sz="1600" strike="noStrike" u="none">
+              <a:solidFill>
+                <a:srgbClr val="000000"/>
+              </a:solidFill>
+              <a:effectLst/>
+              <a:uFillTx/>
+              <a:latin typeface="Arial"/>
             </a:endParaRPr>
           </a:p>
           <a:p>
@@ -2483,13 +5034,13 @@
               </a:rPr>
               <a:t>Quarto nível</a:t>
             </a:r>
-            <a:endParaRPr b="0" lang="en-US" sz="1400" strike="noStrike" u="none">
-              <a:solidFill>
-                <a:schemeClr val="dk1"/>
-              </a:solidFill>
-              <a:effectLst/>
-              <a:uFillTx/>
-              <a:latin typeface="Gill Sans MT"/>
+            <a:endParaRPr b="0" lang="pt-BR" sz="1400" strike="noStrike" u="none">
+              <a:solidFill>
+                <a:srgbClr val="000000"/>
+              </a:solidFill>
+              <a:effectLst/>
+              <a:uFillTx/>
+              <a:latin typeface="Arial"/>
             </a:endParaRPr>
           </a:p>
           <a:p>
@@ -2517,31 +5068,31 @@
               </a:rPr>
               <a:t>Quinto nível</a:t>
             </a:r>
-            <a:endParaRPr b="0" lang="en-US" sz="1200" strike="noStrike" u="none">
-              <a:solidFill>
-                <a:schemeClr val="dk1"/>
-              </a:solidFill>
-              <a:effectLst/>
-              <a:uFillTx/>
-              <a:latin typeface="Gill Sans MT"/>
+            <a:endParaRPr b="0" lang="pt-BR" sz="1200" strike="noStrike" u="none">
+              <a:solidFill>
+                <a:srgbClr val="000000"/>
+              </a:solidFill>
+              <a:effectLst/>
+              <a:uFillTx/>
+              <a:latin typeface="Arial"/>
             </a:endParaRPr>
           </a:p>
         </p:txBody>
       </p:sp>
       <p:sp>
         <p:nvSpPr>
-          <p:cNvPr id="14" name="PlaceHolder 3"/>
+          <p:cNvPr id="45" name="PlaceHolder 3"/>
           <p:cNvSpPr>
             <a:spLocks noGrp="1"/>
           </p:cNvSpPr>
           <p:nvPr>
-            <p:ph type="dt" idx="4"/>
+            <p:ph type="dt" idx="13"/>
           </p:nvPr>
         </p:nvSpPr>
         <p:spPr>
           <a:xfrm>
             <a:off x="7554240" y="330480"/>
-            <a:ext cx="3500280" cy="308880"/>
+            <a:ext cx="3499920" cy="308520"/>
           </a:xfrm>
           <a:prstGeom prst="rect">
             <a:avLst/>
@@ -2561,6 +5112,9 @@
                 <a:spcPct val="100000"/>
               </a:lnSpc>
               <a:buNone/>
+              <a:tabLst>
+                <a:tab algn="l" pos="0"/>
+              </a:tabLst>
               <a:defRPr b="0" lang="pt-BR" sz="1000" strike="noStrike" u="none">
                 <a:solidFill>
                   <a:schemeClr val="dk1">
@@ -2579,6 +5133,9 @@
                 <a:spcPct val="100000"/>
               </a:lnSpc>
               <a:buNone/>
+              <a:tabLst>
+                <a:tab algn="l" pos="0"/>
+              </a:tabLst>
             </a:pPr>
             <a:r>
               <a:rPr b="0" lang="pt-BR" sz="1000" strike="noStrike" u="none">
@@ -2606,18 +5163,18 @@
       </p:sp>
       <p:sp>
         <p:nvSpPr>
-          <p:cNvPr id="15" name="PlaceHolder 4"/>
+          <p:cNvPr id="46" name="PlaceHolder 4"/>
           <p:cNvSpPr>
             <a:spLocks noGrp="1"/>
           </p:cNvSpPr>
           <p:nvPr>
-            <p:ph type="ftr" idx="5"/>
+            <p:ph type="ftr" idx="14"/>
           </p:nvPr>
         </p:nvSpPr>
         <p:spPr>
           <a:xfrm>
             <a:off x="1451520" y="329400"/>
-            <a:ext cx="5938560" cy="308880"/>
+            <a:ext cx="5938200" cy="308520"/>
           </a:xfrm>
           <a:prstGeom prst="rect">
             <a:avLst/>
@@ -2633,7 +5190,13 @@
           </a:bodyPr>
           <a:lstStyle>
             <a:lvl1pPr indent="0" algn="ctr">
+              <a:lnSpc>
+                <a:spcPct val="100000"/>
+              </a:lnSpc>
               <a:buNone/>
+              <a:tabLst>
+                <a:tab algn="l" pos="0"/>
+              </a:tabLst>
               <a:defRPr b="0" lang="pt-BR" sz="1400" strike="noStrike" u="none">
                 <a:solidFill>
                   <a:srgbClr val="000000"/>
@@ -2646,7 +5209,13 @@
           </a:lstStyle>
           <a:p>
             <a:pPr indent="0" algn="ctr">
+              <a:lnSpc>
+                <a:spcPct val="100000"/>
+              </a:lnSpc>
               <a:buNone/>
+              <a:tabLst>
+                <a:tab algn="l" pos="0"/>
+              </a:tabLst>
             </a:pPr>
             <a:r>
               <a:rPr b="0" lang="pt-BR" sz="1400" strike="noStrike" u="none">
@@ -2672,18 +5241,18 @@
       </p:sp>
       <p:sp>
         <p:nvSpPr>
-          <p:cNvPr id="16" name="PlaceHolder 5"/>
+          <p:cNvPr id="47" name="PlaceHolder 5"/>
           <p:cNvSpPr>
             <a:spLocks noGrp="1"/>
           </p:cNvSpPr>
           <p:nvPr>
-            <p:ph type="sldNum" idx="6"/>
+            <p:ph type="sldNum" idx="15"/>
           </p:nvPr>
         </p:nvSpPr>
         <p:spPr>
           <a:xfrm>
             <a:off x="480240" y="798840"/>
-            <a:ext cx="810720" cy="503280"/>
+            <a:ext cx="810360" cy="502920"/>
           </a:xfrm>
           <a:prstGeom prst="rect">
             <a:avLst/>
@@ -2703,6 +5272,9 @@
                 <a:spcPct val="100000"/>
               </a:lnSpc>
               <a:buNone/>
+              <a:tabLst>
+                <a:tab algn="l" pos="0"/>
+              </a:tabLst>
               <a:defRPr b="0" lang="pt-BR" sz="2800" strike="noStrike" u="none">
                 <a:solidFill>
                   <a:schemeClr val="accent1"/>
@@ -2719,8 +5291,11 @@
                 <a:spcPct val="100000"/>
               </a:lnSpc>
               <a:buNone/>
-            </a:pPr>
-            <a:fld id="{6F5DA5EB-B2B2-409A-B711-C0FA0434ACBC}" type="slidenum">
+              <a:tabLst>
+                <a:tab algn="l" pos="0"/>
+              </a:tabLst>
+            </a:pPr>
+            <a:fld id="{C2AB3B38-691E-48EF-B01B-9F9861A5117E}" type="slidenum">
               <a:rPr b="0" lang="pt-BR" sz="2800" strike="noStrike" u="none">
                 <a:solidFill>
                   <a:schemeClr val="accent1"/>
@@ -2744,14 +5319,14 @@
       </p:sp>
       <p:cxnSp>
         <p:nvCxnSpPr>
-          <p:cNvPr id="17" name="Straight Connector 25"/>
+          <p:cNvPr id="48" name="Straight Connector 25"/>
           <p:cNvCxnSpPr/>
           <p:nvPr/>
         </p:nvCxnSpPr>
         <p:spPr>
           <a:xfrm>
             <a:off x="1453680" y="1846800"/>
-            <a:ext cx="9608040" cy="360"/>
+            <a:ext cx="9608400" cy="720"/>
           </a:xfrm>
           <a:prstGeom prst="straightConnector1">
             <a:avLst/>
@@ -2769,7 +5344,7 @@
 </p:sldLayout>
 </file>
 
-<file path=ppt/slideLayouts/slideLayout3.xml><?xml version="1.0" encoding="utf-8"?>
+<file path=ppt/slideLayouts/slideLayout6.xml><?xml version="1.0" encoding="utf-8"?>
 <p:sldLayout xmlns:a="http://schemas.openxmlformats.org/drawingml/2006/main" xmlns:p="http://schemas.openxmlformats.org/presentationml/2006/main" xmlns:r="http://schemas.openxmlformats.org/officeDocument/2006/relationships" xmlns:p14="http://schemas.microsoft.com/office/powerpoint/2010/main" xmlns:p15="http://schemas.microsoft.com/office/powerpoint/2012/main" xmlns:mc="http://schemas.openxmlformats.org/markup-compatibility/2006" type="vertTitleAndTx" preserve="1">
   <p:cSld name="Texto e Título Vertical">
     <p:bg>
@@ -2795,14 +5370,14 @@
       </p:grpSpPr>
       <p:sp>
         <p:nvSpPr>
-          <p:cNvPr id="18" name="Rectangle 7"/>
+          <p:cNvPr id="49" name="Rectangle 7"/>
           <p:cNvSpPr/>
           <p:nvPr/>
         </p:nvSpPr>
         <p:spPr>
           <a:xfrm>
             <a:off x="0" y="2019600"/>
-            <a:ext cx="12191760" cy="4105440"/>
+            <a:ext cx="12191400" cy="4105080"/>
           </a:xfrm>
           <a:prstGeom prst="rect">
             <a:avLst/>
@@ -2843,6 +5418,11 @@
             <a:noAutofit/>
           </a:bodyPr>
           <a:p>
+            <a:pPr>
+              <a:lnSpc>
+                <a:spcPct val="100000"/>
+              </a:lnSpc>
+            </a:pPr>
             <a:endParaRPr b="0" lang="pt-BR" sz="1800" strike="noStrike" u="none">
               <a:solidFill>
                 <a:srgbClr val="000000"/>
@@ -2856,7 +5436,7 @@
       </p:sp>
       <p:pic>
         <p:nvPicPr>
-          <p:cNvPr id="19" name="Picture 6" descr=""/>
+          <p:cNvPr id="50" name="Picture 6" descr=""/>
           <p:cNvPicPr/>
           <p:nvPr/>
         </p:nvPicPr>
@@ -2868,7 +5448,7 @@
         <p:spPr>
           <a:xfrm>
             <a:off x="0" y="6126480"/>
-            <a:ext cx="12191760" cy="742680"/>
+            <a:ext cx="12191400" cy="742320"/>
           </a:xfrm>
           <a:prstGeom prst="rect">
             <a:avLst/>
@@ -2881,14 +5461,14 @@
       </p:pic>
       <p:cxnSp>
         <p:nvCxnSpPr>
-          <p:cNvPr id="20" name="Straight Connector 9"/>
+          <p:cNvPr id="51" name="Straight Connector 9"/>
           <p:cNvCxnSpPr/>
           <p:nvPr/>
         </p:nvCxnSpPr>
         <p:spPr>
           <a:xfrm>
             <a:off x="0" y="6128280"/>
-            <a:ext cx="12192120" cy="360"/>
+            <a:ext cx="12192480" cy="720"/>
           </a:xfrm>
           <a:prstGeom prst="straightConnector1">
             <a:avLst/>
@@ -2905,7 +5485,7 @@
       </p:cxnSp>
       <p:sp>
         <p:nvSpPr>
-          <p:cNvPr id="21" name="PlaceHolder 1"/>
+          <p:cNvPr id="52" name="PlaceHolder 1"/>
           <p:cNvSpPr>
             <a:spLocks noGrp="1"/>
           </p:cNvSpPr>
@@ -2916,7 +5496,7 @@
         <p:spPr>
           <a:xfrm>
             <a:off x="9439200" y="798840"/>
-            <a:ext cx="1615320" cy="4659480"/>
+            <a:ext cx="1614960" cy="4659120"/>
           </a:xfrm>
           <a:prstGeom prst="rect">
             <a:avLst/>
@@ -2936,6 +5516,9 @@
                 <a:spcPct val="90000"/>
               </a:lnSpc>
               <a:buNone/>
+              <a:tabLst>
+                <a:tab algn="l" pos="0"/>
+              </a:tabLst>
             </a:pPr>
             <a:r>
               <a:rPr b="0" lang="pt-BR" sz="3200" strike="noStrike" u="none" cap="all">
@@ -2948,20 +5531,20 @@
               </a:rPr>
               <a:t>Clique para editar o título Mestre</a:t>
             </a:r>
-            <a:endParaRPr b="0" lang="en-US" sz="3200" strike="noStrike" u="none">
-              <a:solidFill>
-                <a:schemeClr val="dk1"/>
-              </a:solidFill>
-              <a:effectLst/>
-              <a:uFillTx/>
-              <a:latin typeface="Gill Sans MT"/>
+            <a:endParaRPr b="0" lang="pt-BR" sz="3200" strike="noStrike" u="none">
+              <a:solidFill>
+                <a:srgbClr val="000000"/>
+              </a:solidFill>
+              <a:effectLst/>
+              <a:uFillTx/>
+              <a:latin typeface="Arial"/>
             </a:endParaRPr>
           </a:p>
         </p:txBody>
       </p:sp>
       <p:sp>
         <p:nvSpPr>
-          <p:cNvPr id="22" name="PlaceHolder 2"/>
+          <p:cNvPr id="53" name="PlaceHolder 2"/>
           <p:cNvSpPr>
             <a:spLocks noGrp="1"/>
           </p:cNvSpPr>
@@ -2972,7 +5555,7 @@
         <p:spPr>
           <a:xfrm>
             <a:off x="1444680" y="798840"/>
-            <a:ext cx="7828560" cy="4659480"/>
+            <a:ext cx="7828200" cy="4659120"/>
           </a:xfrm>
           <a:prstGeom prst="rect">
             <a:avLst/>
@@ -3011,13 +5594,13 @@
               </a:rPr>
               <a:t>Clique para editar os estilos de texto Mestres</a:t>
             </a:r>
-            <a:endParaRPr b="0" lang="en-US" sz="2000" strike="noStrike" u="none">
-              <a:solidFill>
-                <a:schemeClr val="dk1"/>
-              </a:solidFill>
-              <a:effectLst/>
-              <a:uFillTx/>
-              <a:latin typeface="Gill Sans MT"/>
+            <a:endParaRPr b="0" lang="pt-BR" sz="2000" strike="noStrike" u="none">
+              <a:solidFill>
+                <a:srgbClr val="000000"/>
+              </a:solidFill>
+              <a:effectLst/>
+              <a:uFillTx/>
+              <a:latin typeface="Arial"/>
             </a:endParaRPr>
           </a:p>
           <a:p>
@@ -3045,13 +5628,13 @@
               </a:rPr>
               <a:t>Segundo nível</a:t>
             </a:r>
-            <a:endParaRPr b="0" lang="en-US" sz="1800" strike="noStrike" u="none">
-              <a:solidFill>
-                <a:schemeClr val="dk1"/>
-              </a:solidFill>
-              <a:effectLst/>
-              <a:uFillTx/>
-              <a:latin typeface="Gill Sans MT"/>
+            <a:endParaRPr b="0" lang="pt-BR" sz="1800" strike="noStrike" u="none">
+              <a:solidFill>
+                <a:srgbClr val="000000"/>
+              </a:solidFill>
+              <a:effectLst/>
+              <a:uFillTx/>
+              <a:latin typeface="Arial"/>
             </a:endParaRPr>
           </a:p>
           <a:p>
@@ -3079,13 +5662,13 @@
               </a:rPr>
               <a:t>Terceiro nível</a:t>
             </a:r>
-            <a:endParaRPr b="0" lang="en-US" sz="1600" strike="noStrike" u="none">
-              <a:solidFill>
-                <a:schemeClr val="dk1"/>
-              </a:solidFill>
-              <a:effectLst/>
-              <a:uFillTx/>
-              <a:latin typeface="Gill Sans MT"/>
+            <a:endParaRPr b="0" lang="pt-BR" sz="1600" strike="noStrike" u="none">
+              <a:solidFill>
+                <a:srgbClr val="000000"/>
+              </a:solidFill>
+              <a:effectLst/>
+              <a:uFillTx/>
+              <a:latin typeface="Arial"/>
             </a:endParaRPr>
           </a:p>
           <a:p>
@@ -3113,13 +5696,13 @@
               </a:rPr>
               <a:t>Quarto nível</a:t>
             </a:r>
-            <a:endParaRPr b="0" lang="en-US" sz="1400" strike="noStrike" u="none">
-              <a:solidFill>
-                <a:schemeClr val="dk1"/>
-              </a:solidFill>
-              <a:effectLst/>
-              <a:uFillTx/>
-              <a:latin typeface="Gill Sans MT"/>
+            <a:endParaRPr b="0" lang="pt-BR" sz="1400" strike="noStrike" u="none">
+              <a:solidFill>
+                <a:srgbClr val="000000"/>
+              </a:solidFill>
+              <a:effectLst/>
+              <a:uFillTx/>
+              <a:latin typeface="Arial"/>
             </a:endParaRPr>
           </a:p>
           <a:p>
@@ -3147,31 +5730,31 @@
               </a:rPr>
               <a:t>Quinto nível</a:t>
             </a:r>
-            <a:endParaRPr b="0" lang="en-US" sz="1200" strike="noStrike" u="none">
-              <a:solidFill>
-                <a:schemeClr val="dk1"/>
-              </a:solidFill>
-              <a:effectLst/>
-              <a:uFillTx/>
-              <a:latin typeface="Gill Sans MT"/>
+            <a:endParaRPr b="0" lang="pt-BR" sz="1200" strike="noStrike" u="none">
+              <a:solidFill>
+                <a:srgbClr val="000000"/>
+              </a:solidFill>
+              <a:effectLst/>
+              <a:uFillTx/>
+              <a:latin typeface="Arial"/>
             </a:endParaRPr>
           </a:p>
         </p:txBody>
       </p:sp>
       <p:sp>
         <p:nvSpPr>
-          <p:cNvPr id="23" name="PlaceHolder 3"/>
+          <p:cNvPr id="54" name="PlaceHolder 3"/>
           <p:cNvSpPr>
             <a:spLocks noGrp="1"/>
           </p:cNvSpPr>
           <p:nvPr>
-            <p:ph type="dt" idx="7"/>
+            <p:ph type="dt" idx="16"/>
           </p:nvPr>
         </p:nvSpPr>
         <p:spPr>
           <a:xfrm>
             <a:off x="7554240" y="330480"/>
-            <a:ext cx="3500280" cy="308880"/>
+            <a:ext cx="3499920" cy="308520"/>
           </a:xfrm>
           <a:prstGeom prst="rect">
             <a:avLst/>
@@ -3191,6 +5774,9 @@
                 <a:spcPct val="100000"/>
               </a:lnSpc>
               <a:buNone/>
+              <a:tabLst>
+                <a:tab algn="l" pos="0"/>
+              </a:tabLst>
               <a:defRPr b="0" lang="pt-BR" sz="1000" strike="noStrike" u="none">
                 <a:solidFill>
                   <a:schemeClr val="dk1">
@@ -3209,6 +5795,9 @@
                 <a:spcPct val="100000"/>
               </a:lnSpc>
               <a:buNone/>
+              <a:tabLst>
+                <a:tab algn="l" pos="0"/>
+              </a:tabLst>
             </a:pPr>
             <a:r>
               <a:rPr b="0" lang="pt-BR" sz="1000" strike="noStrike" u="none">
@@ -3236,18 +5825,18 @@
       </p:sp>
       <p:sp>
         <p:nvSpPr>
-          <p:cNvPr id="24" name="PlaceHolder 4"/>
+          <p:cNvPr id="55" name="PlaceHolder 4"/>
           <p:cNvSpPr>
             <a:spLocks noGrp="1"/>
           </p:cNvSpPr>
           <p:nvPr>
-            <p:ph type="ftr" idx="8"/>
+            <p:ph type="ftr" idx="17"/>
           </p:nvPr>
         </p:nvSpPr>
         <p:spPr>
           <a:xfrm>
             <a:off x="1451520" y="329400"/>
-            <a:ext cx="5938560" cy="308880"/>
+            <a:ext cx="5938200" cy="308520"/>
           </a:xfrm>
           <a:prstGeom prst="rect">
             <a:avLst/>
@@ -3263,7 +5852,13 @@
           </a:bodyPr>
           <a:lstStyle>
             <a:lvl1pPr indent="0" algn="ctr">
+              <a:lnSpc>
+                <a:spcPct val="100000"/>
+              </a:lnSpc>
               <a:buNone/>
+              <a:tabLst>
+                <a:tab algn="l" pos="0"/>
+              </a:tabLst>
               <a:defRPr b="0" lang="pt-BR" sz="1400" strike="noStrike" u="none">
                 <a:solidFill>
                   <a:srgbClr val="000000"/>
@@ -3276,7 +5871,13 @@
           </a:lstStyle>
           <a:p>
             <a:pPr indent="0" algn="ctr">
+              <a:lnSpc>
+                <a:spcPct val="100000"/>
+              </a:lnSpc>
               <a:buNone/>
+              <a:tabLst>
+                <a:tab algn="l" pos="0"/>
+              </a:tabLst>
             </a:pPr>
             <a:r>
               <a:rPr b="0" lang="pt-BR" sz="1400" strike="noStrike" u="none">
@@ -3302,18 +5903,18 @@
       </p:sp>
       <p:sp>
         <p:nvSpPr>
-          <p:cNvPr id="25" name="PlaceHolder 5"/>
+          <p:cNvPr id="56" name="PlaceHolder 5"/>
           <p:cNvSpPr>
             <a:spLocks noGrp="1"/>
           </p:cNvSpPr>
           <p:nvPr>
-            <p:ph type="sldNum" idx="9"/>
+            <p:ph type="sldNum" idx="18"/>
           </p:nvPr>
         </p:nvSpPr>
         <p:spPr>
           <a:xfrm>
             <a:off x="480240" y="798840"/>
-            <a:ext cx="810720" cy="503280"/>
+            <a:ext cx="810360" cy="502920"/>
           </a:xfrm>
           <a:prstGeom prst="rect">
             <a:avLst/>
@@ -3333,6 +5934,9 @@
                 <a:spcPct val="100000"/>
               </a:lnSpc>
               <a:buNone/>
+              <a:tabLst>
+                <a:tab algn="l" pos="0"/>
+              </a:tabLst>
               <a:defRPr b="0" lang="pt-BR" sz="2800" strike="noStrike" u="none">
                 <a:solidFill>
                   <a:schemeClr val="accent1"/>
@@ -3349,8 +5953,11 @@
                 <a:spcPct val="100000"/>
               </a:lnSpc>
               <a:buNone/>
-            </a:pPr>
-            <a:fld id="{38AF5060-9E2C-494A-9A4A-2F8E2245E155}" type="slidenum">
+              <a:tabLst>
+                <a:tab algn="l" pos="0"/>
+              </a:tabLst>
+            </a:pPr>
+            <a:fld id="{B4CD7037-27EC-49C3-AC0A-2529AA08F241}" type="slidenum">
               <a:rPr b="0" lang="pt-BR" sz="2800" strike="noStrike" u="none">
                 <a:solidFill>
                   <a:schemeClr val="accent1"/>
@@ -3374,14 +5981,14 @@
       </p:sp>
       <p:cxnSp>
         <p:nvCxnSpPr>
-          <p:cNvPr id="26" name="Straight Connector 14"/>
+          <p:cNvPr id="57" name="Straight Connector 14"/>
           <p:cNvCxnSpPr/>
           <p:nvPr/>
         </p:nvCxnSpPr>
         <p:spPr>
           <a:xfrm>
             <a:off x="9438840" y="798840"/>
-            <a:ext cx="360" cy="4660200"/>
+            <a:ext cx="720" cy="4660560"/>
           </a:xfrm>
           <a:prstGeom prst="straightConnector1">
             <a:avLst/>
@@ -3399,7 +6006,7 @@
 </p:sldLayout>
 </file>
 
-<file path=ppt/slideLayouts/slideLayout4.xml><?xml version="1.0" encoding="utf-8"?>
+<file path=ppt/slideLayouts/slideLayout7.xml><?xml version="1.0" encoding="utf-8"?>
 <p:sldLayout xmlns:a="http://schemas.openxmlformats.org/drawingml/2006/main" xmlns:p="http://schemas.openxmlformats.org/presentationml/2006/main" xmlns:r="http://schemas.openxmlformats.org/officeDocument/2006/relationships" xmlns:p14="http://schemas.microsoft.com/office/powerpoint/2010/main" xmlns:p15="http://schemas.microsoft.com/office/powerpoint/2012/main" xmlns:mc="http://schemas.openxmlformats.org/markup-compatibility/2006" type="obj" preserve="1">
   <p:cSld name="Título e Conteúdo">
     <p:bg>
@@ -3425,14 +6032,14 @@
       </p:grpSpPr>
       <p:sp>
         <p:nvSpPr>
-          <p:cNvPr id="27" name="Rectangle 7"/>
+          <p:cNvPr id="58" name="Rectangle 7"/>
           <p:cNvSpPr/>
           <p:nvPr/>
         </p:nvSpPr>
         <p:spPr>
           <a:xfrm>
             <a:off x="0" y="2019600"/>
-            <a:ext cx="12191760" cy="4105440"/>
+            <a:ext cx="12191400" cy="4105080"/>
           </a:xfrm>
           <a:prstGeom prst="rect">
             <a:avLst/>
@@ -3473,6 +6080,11 @@
             <a:noAutofit/>
           </a:bodyPr>
           <a:p>
+            <a:pPr>
+              <a:lnSpc>
+                <a:spcPct val="100000"/>
+              </a:lnSpc>
+            </a:pPr>
             <a:endParaRPr b="0" lang="pt-BR" sz="1800" strike="noStrike" u="none">
               <a:solidFill>
                 <a:srgbClr val="000000"/>
@@ -3486,7 +6098,7 @@
       </p:sp>
       <p:pic>
         <p:nvPicPr>
-          <p:cNvPr id="28" name="Picture 6" descr=""/>
+          <p:cNvPr id="59" name="Picture 6" descr=""/>
           <p:cNvPicPr/>
           <p:nvPr/>
         </p:nvPicPr>
@@ -3498,7 +6110,7 @@
         <p:spPr>
           <a:xfrm>
             <a:off x="0" y="6126480"/>
-            <a:ext cx="12191760" cy="742680"/>
+            <a:ext cx="12191400" cy="742320"/>
           </a:xfrm>
           <a:prstGeom prst="rect">
             <a:avLst/>
@@ -3511,14 +6123,14 @@
       </p:pic>
       <p:cxnSp>
         <p:nvCxnSpPr>
-          <p:cNvPr id="29" name="Straight Connector 9"/>
+          <p:cNvPr id="60" name="Straight Connector 9"/>
           <p:cNvCxnSpPr/>
           <p:nvPr/>
         </p:nvCxnSpPr>
         <p:spPr>
           <a:xfrm>
             <a:off x="0" y="6128280"/>
-            <a:ext cx="12192120" cy="360"/>
+            <a:ext cx="12192480" cy="720"/>
           </a:xfrm>
           <a:prstGeom prst="straightConnector1">
             <a:avLst/>
@@ -3535,7 +6147,7 @@
       </p:cxnSp>
       <p:sp>
         <p:nvSpPr>
-          <p:cNvPr id="30" name="PlaceHolder 1"/>
+          <p:cNvPr id="61" name="PlaceHolder 1"/>
           <p:cNvSpPr>
             <a:spLocks noGrp="1"/>
           </p:cNvSpPr>
@@ -3546,7 +6158,7 @@
         <p:spPr>
           <a:xfrm>
             <a:off x="1451520" y="804600"/>
-            <a:ext cx="9603000" cy="1049040"/>
+            <a:ext cx="9602640" cy="1048680"/>
           </a:xfrm>
           <a:prstGeom prst="rect">
             <a:avLst/>
@@ -3566,6 +6178,9 @@
                 <a:spcPct val="90000"/>
               </a:lnSpc>
               <a:buNone/>
+              <a:tabLst>
+                <a:tab algn="l" pos="0"/>
+              </a:tabLst>
             </a:pPr>
             <a:r>
               <a:rPr b="0" lang="pt-BR" sz="3200" strike="noStrike" u="none" cap="all">
@@ -3578,20 +6193,20 @@
               </a:rPr>
               <a:t>Clique para editar o título Mestre</a:t>
             </a:r>
-            <a:endParaRPr b="0" lang="en-US" sz="3200" strike="noStrike" u="none">
-              <a:solidFill>
-                <a:schemeClr val="dk1"/>
-              </a:solidFill>
-              <a:effectLst/>
-              <a:uFillTx/>
-              <a:latin typeface="Gill Sans MT"/>
+            <a:endParaRPr b="0" lang="pt-BR" sz="3200" strike="noStrike" u="none">
+              <a:solidFill>
+                <a:srgbClr val="000000"/>
+              </a:solidFill>
+              <a:effectLst/>
+              <a:uFillTx/>
+              <a:latin typeface="Arial"/>
             </a:endParaRPr>
           </a:p>
         </p:txBody>
       </p:sp>
       <p:sp>
         <p:nvSpPr>
-          <p:cNvPr id="31" name="PlaceHolder 2"/>
+          <p:cNvPr id="62" name="PlaceHolder 2"/>
           <p:cNvSpPr>
             <a:spLocks noGrp="1"/>
           </p:cNvSpPr>
@@ -3602,7 +6217,7 @@
         <p:spPr>
           <a:xfrm>
             <a:off x="1451520" y="2015640"/>
-            <a:ext cx="9603000" cy="3450240"/>
+            <a:ext cx="9602640" cy="3449880"/>
           </a:xfrm>
           <a:prstGeom prst="rect">
             <a:avLst/>
@@ -3641,13 +6256,13 @@
               </a:rPr>
               <a:t>Clique para editar os estilos de texto Mestres</a:t>
             </a:r>
-            <a:endParaRPr b="0" lang="en-US" sz="2000" strike="noStrike" u="none">
-              <a:solidFill>
-                <a:schemeClr val="dk1"/>
-              </a:solidFill>
-              <a:effectLst/>
-              <a:uFillTx/>
-              <a:latin typeface="Gill Sans MT"/>
+            <a:endParaRPr b="0" lang="pt-BR" sz="2000" strike="noStrike" u="none">
+              <a:solidFill>
+                <a:srgbClr val="000000"/>
+              </a:solidFill>
+              <a:effectLst/>
+              <a:uFillTx/>
+              <a:latin typeface="Arial"/>
             </a:endParaRPr>
           </a:p>
           <a:p>
@@ -3675,13 +6290,13 @@
               </a:rPr>
               <a:t>Segundo nível</a:t>
             </a:r>
-            <a:endParaRPr b="0" lang="en-US" sz="1800" strike="noStrike" u="none">
-              <a:solidFill>
-                <a:schemeClr val="dk1"/>
-              </a:solidFill>
-              <a:effectLst/>
-              <a:uFillTx/>
-              <a:latin typeface="Gill Sans MT"/>
+            <a:endParaRPr b="0" lang="pt-BR" sz="1800" strike="noStrike" u="none">
+              <a:solidFill>
+                <a:srgbClr val="000000"/>
+              </a:solidFill>
+              <a:effectLst/>
+              <a:uFillTx/>
+              <a:latin typeface="Arial"/>
             </a:endParaRPr>
           </a:p>
           <a:p>
@@ -3709,13 +6324,13 @@
               </a:rPr>
               <a:t>Terceiro nível</a:t>
             </a:r>
-            <a:endParaRPr b="0" lang="en-US" sz="1600" strike="noStrike" u="none">
-              <a:solidFill>
-                <a:schemeClr val="dk1"/>
-              </a:solidFill>
-              <a:effectLst/>
-              <a:uFillTx/>
-              <a:latin typeface="Gill Sans MT"/>
+            <a:endParaRPr b="0" lang="pt-BR" sz="1600" strike="noStrike" u="none">
+              <a:solidFill>
+                <a:srgbClr val="000000"/>
+              </a:solidFill>
+              <a:effectLst/>
+              <a:uFillTx/>
+              <a:latin typeface="Arial"/>
             </a:endParaRPr>
           </a:p>
           <a:p>
@@ -3743,13 +6358,13 @@
               </a:rPr>
               <a:t>Quarto nível</a:t>
             </a:r>
-            <a:endParaRPr b="0" lang="en-US" sz="1400" strike="noStrike" u="none">
-              <a:solidFill>
-                <a:schemeClr val="dk1"/>
-              </a:solidFill>
-              <a:effectLst/>
-              <a:uFillTx/>
-              <a:latin typeface="Gill Sans MT"/>
+            <a:endParaRPr b="0" lang="pt-BR" sz="1400" strike="noStrike" u="none">
+              <a:solidFill>
+                <a:srgbClr val="000000"/>
+              </a:solidFill>
+              <a:effectLst/>
+              <a:uFillTx/>
+              <a:latin typeface="Arial"/>
             </a:endParaRPr>
           </a:p>
           <a:p>
@@ -3777,2295 +6392,20 @@
               </a:rPr>
               <a:t>Quinto nível</a:t>
             </a:r>
-            <a:endParaRPr b="0" lang="en-US" sz="1200" strike="noStrike" u="none">
-              <a:solidFill>
-                <a:schemeClr val="dk1"/>
-              </a:solidFill>
-              <a:effectLst/>
-              <a:uFillTx/>
-              <a:latin typeface="Gill Sans MT"/>
+            <a:endParaRPr b="0" lang="pt-BR" sz="1200" strike="noStrike" u="none">
+              <a:solidFill>
+                <a:srgbClr val="000000"/>
+              </a:solidFill>
+              <a:effectLst/>
+              <a:uFillTx/>
+              <a:latin typeface="Arial"/>
             </a:endParaRPr>
           </a:p>
         </p:txBody>
       </p:sp>
       <p:sp>
         <p:nvSpPr>
-          <p:cNvPr id="32" name="PlaceHolder 3"/>
-          <p:cNvSpPr>
-            <a:spLocks noGrp="1"/>
-          </p:cNvSpPr>
-          <p:nvPr>
-            <p:ph type="dt" idx="10"/>
-          </p:nvPr>
-        </p:nvSpPr>
-        <p:spPr>
-          <a:xfrm>
-            <a:off x="7554240" y="330480"/>
-            <a:ext cx="3500280" cy="308880"/>
-          </a:xfrm>
-          <a:prstGeom prst="rect">
-            <a:avLst/>
-          </a:prstGeom>
-          <a:noFill/>
-          <a:ln w="0">
-            <a:noFill/>
-          </a:ln>
-        </p:spPr>
-        <p:txBody>
-          <a:bodyPr lIns="91440" rIns="91440" tIns="45720" bIns="45720" anchor="ctr">
-            <a:noAutofit/>
-          </a:bodyPr>
-          <a:lstStyle>
-            <a:lvl1pPr indent="0" algn="r" defTabSz="457200">
-              <a:lnSpc>
-                <a:spcPct val="100000"/>
-              </a:lnSpc>
-              <a:buNone/>
-              <a:defRPr b="0" lang="pt-BR" sz="1000" strike="noStrike" u="none">
-                <a:solidFill>
-                  <a:schemeClr val="dk1">
-                    <a:tint val="75000"/>
-                  </a:schemeClr>
-                </a:solidFill>
-                <a:effectLst/>
-                <a:uFillTx/>
-                <a:latin typeface="Gill Sans MT"/>
-              </a:defRPr>
-            </a:lvl1pPr>
-          </a:lstStyle>
-          <a:p>
-            <a:pPr indent="0" algn="r" defTabSz="457200">
-              <a:lnSpc>
-                <a:spcPct val="100000"/>
-              </a:lnSpc>
-              <a:buNone/>
-            </a:pPr>
-            <a:r>
-              <a:rPr b="0" lang="pt-BR" sz="1000" strike="noStrike" u="none">
-                <a:solidFill>
-                  <a:schemeClr val="dk1">
-                    <a:tint val="75000"/>
-                  </a:schemeClr>
-                </a:solidFill>
-                <a:effectLst/>
-                <a:uFillTx/>
-                <a:latin typeface="Gill Sans MT"/>
-              </a:rPr>
-              <a:t>&lt;data/hora&gt;</a:t>
-            </a:r>
-            <a:endParaRPr b="0" lang="pt-BR" sz="1000" strike="noStrike" u="none">
-              <a:solidFill>
-                <a:srgbClr val="000000"/>
-              </a:solidFill>
-              <a:effectLst/>
-              <a:uFillTx/>
-              <a:latin typeface="Times New Roman"/>
-            </a:endParaRPr>
-          </a:p>
-        </p:txBody>
-      </p:sp>
-      <p:sp>
-        <p:nvSpPr>
-          <p:cNvPr id="33" name="PlaceHolder 4"/>
-          <p:cNvSpPr>
-            <a:spLocks noGrp="1"/>
-          </p:cNvSpPr>
-          <p:nvPr>
-            <p:ph type="ftr" idx="11"/>
-          </p:nvPr>
-        </p:nvSpPr>
-        <p:spPr>
-          <a:xfrm>
-            <a:off x="1451520" y="329400"/>
-            <a:ext cx="5938560" cy="308880"/>
-          </a:xfrm>
-          <a:prstGeom prst="rect">
-            <a:avLst/>
-          </a:prstGeom>
-          <a:noFill/>
-          <a:ln w="0">
-            <a:noFill/>
-          </a:ln>
-        </p:spPr>
-        <p:txBody>
-          <a:bodyPr lIns="91440" rIns="91440" tIns="45720" bIns="45720" anchor="ctr">
-            <a:noAutofit/>
-          </a:bodyPr>
-          <a:lstStyle>
-            <a:lvl1pPr indent="0" algn="ctr">
-              <a:buNone/>
-              <a:defRPr b="0" lang="pt-BR" sz="1400" strike="noStrike" u="none">
-                <a:solidFill>
-                  <a:srgbClr val="000000"/>
-                </a:solidFill>
-                <a:effectLst/>
-                <a:uFillTx/>
-                <a:latin typeface="Times New Roman"/>
-              </a:defRPr>
-            </a:lvl1pPr>
-          </a:lstStyle>
-          <a:p>
-            <a:pPr indent="0" algn="ctr">
-              <a:buNone/>
-            </a:pPr>
-            <a:r>
-              <a:rPr b="0" lang="pt-BR" sz="1400" strike="noStrike" u="none">
-                <a:solidFill>
-                  <a:srgbClr val="000000"/>
-                </a:solidFill>
-                <a:effectLst/>
-                <a:uFillTx/>
-                <a:latin typeface="Times New Roman"/>
-              </a:rPr>
-              <a:t>&lt;rodapé&gt;</a:t>
-            </a:r>
-            <a:endParaRPr b="0" lang="pt-BR" sz="1400" strike="noStrike" u="none">
-              <a:solidFill>
-                <a:srgbClr val="000000"/>
-              </a:solidFill>
-              <a:effectLst/>
-              <a:uFillTx/>
-              <a:latin typeface="Times New Roman"/>
-            </a:endParaRPr>
-          </a:p>
-        </p:txBody>
-      </p:sp>
-      <p:sp>
-        <p:nvSpPr>
-          <p:cNvPr id="34" name="PlaceHolder 5"/>
-          <p:cNvSpPr>
-            <a:spLocks noGrp="1"/>
-          </p:cNvSpPr>
-          <p:nvPr>
-            <p:ph type="sldNum" idx="12"/>
-          </p:nvPr>
-        </p:nvSpPr>
-        <p:spPr>
-          <a:xfrm>
-            <a:off x="480240" y="798840"/>
-            <a:ext cx="810720" cy="503280"/>
-          </a:xfrm>
-          <a:prstGeom prst="rect">
-            <a:avLst/>
-          </a:prstGeom>
-          <a:noFill/>
-          <a:ln w="0">
-            <a:noFill/>
-          </a:ln>
-        </p:spPr>
-        <p:txBody>
-          <a:bodyPr lIns="91440" rIns="91440" tIns="45720" bIns="45720" anchor="t">
-            <a:noAutofit/>
-          </a:bodyPr>
-          <a:lstStyle>
-            <a:lvl1pPr indent="0" algn="r" defTabSz="457200">
-              <a:lnSpc>
-                <a:spcPct val="100000"/>
-              </a:lnSpc>
-              <a:buNone/>
-              <a:defRPr b="0" lang="pt-BR" sz="2800" strike="noStrike" u="none">
-                <a:solidFill>
-                  <a:schemeClr val="accent1"/>
-                </a:solidFill>
-                <a:effectLst/>
-                <a:uFillTx/>
-                <a:latin typeface="Gill Sans MT"/>
-              </a:defRPr>
-            </a:lvl1pPr>
-          </a:lstStyle>
-          <a:p>
-            <a:pPr indent="0" algn="r" defTabSz="457200">
-              <a:lnSpc>
-                <a:spcPct val="100000"/>
-              </a:lnSpc>
-              <a:buNone/>
-            </a:pPr>
-            <a:fld id="{A7693114-CFA2-45E7-BA71-D6211D288B68}" type="slidenum">
-              <a:rPr b="0" lang="pt-BR" sz="2800" strike="noStrike" u="none">
-                <a:solidFill>
-                  <a:schemeClr val="accent1"/>
-                </a:solidFill>
-                <a:effectLst/>
-                <a:uFillTx/>
-                <a:latin typeface="Gill Sans MT"/>
-              </a:rPr>
-              <a:t>&lt;número&gt;</a:t>
-            </a:fld>
-            <a:endParaRPr b="0" lang="pt-BR" sz="2800" strike="noStrike" u="none">
-              <a:solidFill>
-                <a:srgbClr val="000000"/>
-              </a:solidFill>
-              <a:effectLst/>
-              <a:uFillTx/>
-              <a:latin typeface="Times New Roman"/>
-            </a:endParaRPr>
-          </a:p>
-        </p:txBody>
-      </p:sp>
-      <p:cxnSp>
-        <p:nvCxnSpPr>
-          <p:cNvPr id="35" name="Straight Connector 32"/>
-          <p:cNvCxnSpPr/>
-          <p:nvPr/>
-        </p:nvCxnSpPr>
-        <p:spPr>
-          <a:xfrm>
-            <a:off x="1453680" y="1846800"/>
-            <a:ext cx="9608040" cy="360"/>
-          </a:xfrm>
-          <a:prstGeom prst="straightConnector1">
-            <a:avLst/>
-          </a:prstGeom>
-          <a:ln w="31750">
-            <a:solidFill>
-              <a:srgbClr val="4472c4"/>
-            </a:solidFill>
-            <a:round/>
-          </a:ln>
-        </p:spPr>
-      </p:cxnSp>
-    </p:spTree>
-  </p:cSld>
-</p:sldLayout>
-</file>
-
-<file path=ppt/slideLayouts/slideLayout5.xml><?xml version="1.0" encoding="utf-8"?>
-<p:sldLayout xmlns:a="http://schemas.openxmlformats.org/drawingml/2006/main" xmlns:p="http://schemas.openxmlformats.org/presentationml/2006/main" xmlns:r="http://schemas.openxmlformats.org/officeDocument/2006/relationships" xmlns:p14="http://schemas.microsoft.com/office/powerpoint/2010/main" xmlns:p15="http://schemas.microsoft.com/office/powerpoint/2012/main" xmlns:mc="http://schemas.openxmlformats.org/markup-compatibility/2006" type="blank" preserve="1">
-  <p:cSld name="Cabeçalho da Seção">
-    <p:bg>
-      <p:bgPr>
-        <a:solidFill>
-          <a:srgbClr val="ffffff"/>
-        </a:solidFill>
-      </p:bgPr>
-    </p:bg>
-    <p:spTree>
-      <p:nvGrpSpPr>
-        <p:cNvPr id="1" name=""/>
-        <p:cNvGrpSpPr/>
-        <p:nvPr/>
-      </p:nvGrpSpPr>
-      <p:grpSpPr>
-        <a:xfrm>
-          <a:off x="0" y="0"/>
-          <a:ext cx="0" cy="0"/>
-          <a:chOff x="0" y="0"/>
-          <a:chExt cx="0" cy="0"/>
-        </a:xfrm>
-      </p:grpSpPr>
-      <p:sp>
-        <p:nvSpPr>
-          <p:cNvPr id="36" name="Rectangle 7"/>
-          <p:cNvSpPr/>
-          <p:nvPr/>
-        </p:nvSpPr>
-        <p:spPr>
-          <a:xfrm>
-            <a:off x="0" y="2019600"/>
-            <a:ext cx="12191760" cy="4105440"/>
-          </a:xfrm>
-          <a:prstGeom prst="rect">
-            <a:avLst/>
-          </a:prstGeom>
-          <a:gradFill rotWithShape="0">
-            <a:gsLst>
-              <a:gs pos="0">
-                <a:srgbClr val="e7e6e6">
-                  <a:alpha val="0"/>
-                </a:srgbClr>
-              </a:gs>
-              <a:gs pos="100000">
-                <a:srgbClr val="e7e6e6"/>
-              </a:gs>
-            </a:gsLst>
-            <a:lin ang="5400000"/>
-          </a:gradFill>
-          <a:ln>
-            <a:noFill/>
-          </a:ln>
-        </p:spPr>
-        <p:style>
-          <a:lnRef idx="2">
-            <a:schemeClr val="accent1">
-              <a:shade val="50000"/>
-            </a:schemeClr>
-          </a:lnRef>
-          <a:fillRef idx="1">
-            <a:schemeClr val="accent1"/>
-          </a:fillRef>
-          <a:effectRef idx="0">
-            <a:schemeClr val="accent1"/>
-          </a:effectRef>
-          <a:fontRef idx="minor"/>
-        </p:style>
-        <p:txBody>
-          <a:bodyPr lIns="90000" rIns="90000" tIns="45000" bIns="45000" anchor="t">
-            <a:noAutofit/>
-          </a:bodyPr>
-          <a:p>
-            <a:endParaRPr b="0" lang="pt-BR" sz="1800" strike="noStrike" u="none">
-              <a:solidFill>
-                <a:srgbClr val="000000"/>
-              </a:solidFill>
-              <a:effectLst/>
-              <a:uFillTx/>
-              <a:latin typeface="Arial"/>
-            </a:endParaRPr>
-          </a:p>
-        </p:txBody>
-      </p:sp>
-      <p:pic>
-        <p:nvPicPr>
-          <p:cNvPr id="37" name="Picture 6" descr=""/>
-          <p:cNvPicPr/>
-          <p:nvPr/>
-        </p:nvPicPr>
-        <p:blipFill>
-          <a:blip r:embed="rId2"/>
-          <a:srcRect l="0" t="1526" r="0" b="-1526"/>
-          <a:stretch/>
-        </p:blipFill>
-        <p:spPr>
-          <a:xfrm>
-            <a:off x="0" y="6126480"/>
-            <a:ext cx="12191760" cy="742680"/>
-          </a:xfrm>
-          <a:prstGeom prst="rect">
-            <a:avLst/>
-          </a:prstGeom>
-          <a:noFill/>
-          <a:ln w="0">
-            <a:noFill/>
-          </a:ln>
-        </p:spPr>
-      </p:pic>
-      <p:cxnSp>
-        <p:nvCxnSpPr>
-          <p:cNvPr id="38" name="Straight Connector 9"/>
-          <p:cNvCxnSpPr/>
-          <p:nvPr/>
-        </p:nvCxnSpPr>
-        <p:spPr>
-          <a:xfrm>
-            <a:off x="0" y="6128280"/>
-            <a:ext cx="12192120" cy="360"/>
-          </a:xfrm>
-          <a:prstGeom prst="straightConnector1">
-            <a:avLst/>
-          </a:prstGeom>
-          <a:ln w="12700">
-            <a:solidFill>
-              <a:srgbClr val="000001">
-                <a:alpha val="20000"/>
-              </a:srgbClr>
-            </a:solidFill>
-            <a:round/>
-          </a:ln>
-        </p:spPr>
-      </p:cxnSp>
-      <p:sp>
-        <p:nvSpPr>
-          <p:cNvPr id="39" name="PlaceHolder 1"/>
-          <p:cNvSpPr>
-            <a:spLocks noGrp="1"/>
-          </p:cNvSpPr>
-          <p:nvPr>
-            <p:ph type="title"/>
-          </p:nvPr>
-        </p:nvSpPr>
-        <p:spPr>
-          <a:xfrm>
-            <a:off x="1454400" y="1756080"/>
-            <a:ext cx="8642880" cy="1887480"/>
-          </a:xfrm>
-          <a:prstGeom prst="rect">
-            <a:avLst/>
-          </a:prstGeom>
-          <a:noFill/>
-          <a:ln w="0">
-            <a:noFill/>
-          </a:ln>
-        </p:spPr>
-        <p:txBody>
-          <a:bodyPr lIns="91440" rIns="91440" tIns="45720" bIns="45720" anchor="b">
-            <a:normAutofit/>
-          </a:bodyPr>
-          <a:p>
-            <a:pPr indent="0" defTabSz="914400">
-              <a:lnSpc>
-                <a:spcPct val="90000"/>
-              </a:lnSpc>
-              <a:buNone/>
-            </a:pPr>
-            <a:r>
-              <a:rPr b="0" lang="pt-BR" sz="3600" strike="noStrike" u="none" cap="all">
-                <a:solidFill>
-                  <a:schemeClr val="dk1"/>
-                </a:solidFill>
-                <a:effectLst/>
-                <a:uFillTx/>
-                <a:latin typeface="Gill Sans MT"/>
-              </a:rPr>
-              <a:t>Clique para editar o título Mestre</a:t>
-            </a:r>
-            <a:endParaRPr b="0" lang="en-US" sz="3600" strike="noStrike" u="none">
-              <a:solidFill>
-                <a:schemeClr val="dk1"/>
-              </a:solidFill>
-              <a:effectLst/>
-              <a:uFillTx/>
-              <a:latin typeface="Gill Sans MT"/>
-            </a:endParaRPr>
-          </a:p>
-        </p:txBody>
-      </p:sp>
-      <p:sp>
-        <p:nvSpPr>
-          <p:cNvPr id="40" name="PlaceHolder 2"/>
-          <p:cNvSpPr>
-            <a:spLocks noGrp="1"/>
-          </p:cNvSpPr>
-          <p:nvPr>
-            <p:ph type="body"/>
-          </p:nvPr>
-        </p:nvSpPr>
-        <p:spPr>
-          <a:xfrm>
-            <a:off x="1454400" y="3806280"/>
-            <a:ext cx="8629920" cy="1012680"/>
-          </a:xfrm>
-          <a:prstGeom prst="rect">
-            <a:avLst/>
-          </a:prstGeom>
-          <a:noFill/>
-          <a:ln w="0">
-            <a:noFill/>
-          </a:ln>
-        </p:spPr>
-        <p:txBody>
-          <a:bodyPr lIns="91440" rIns="91440" tIns="91440" bIns="45720" anchor="t">
-            <a:normAutofit/>
-          </a:bodyPr>
-          <a:p>
-            <a:pPr indent="0" defTabSz="914400">
-              <a:lnSpc>
-                <a:spcPct val="120000"/>
-              </a:lnSpc>
-              <a:spcBef>
-                <a:spcPts val="1001"/>
-              </a:spcBef>
-              <a:buNone/>
-              <a:tabLst>
-                <a:tab algn="l" pos="0"/>
-              </a:tabLst>
-            </a:pPr>
-            <a:r>
-              <a:rPr b="0" lang="pt-BR" sz="1800" strike="noStrike" u="none">
-                <a:solidFill>
-                  <a:schemeClr val="dk1"/>
-                </a:solidFill>
-                <a:effectLst/>
-                <a:uFillTx/>
-                <a:latin typeface="Gill Sans MT"/>
-              </a:rPr>
-              <a:t>Clique para editar os estilos de texto Mestres</a:t>
-            </a:r>
-            <a:endParaRPr b="0" lang="en-US" sz="1800" strike="noStrike" u="none">
-              <a:solidFill>
-                <a:schemeClr val="dk1"/>
-              </a:solidFill>
-              <a:effectLst/>
-              <a:uFillTx/>
-              <a:latin typeface="Gill Sans MT"/>
-            </a:endParaRPr>
-          </a:p>
-        </p:txBody>
-      </p:sp>
-      <p:sp>
-        <p:nvSpPr>
-          <p:cNvPr id="41" name="PlaceHolder 3"/>
-          <p:cNvSpPr>
-            <a:spLocks noGrp="1"/>
-          </p:cNvSpPr>
-          <p:nvPr>
-            <p:ph type="dt" idx="13"/>
-          </p:nvPr>
-        </p:nvSpPr>
-        <p:spPr>
-          <a:xfrm>
-            <a:off x="7554240" y="330480"/>
-            <a:ext cx="3500280" cy="308880"/>
-          </a:xfrm>
-          <a:prstGeom prst="rect">
-            <a:avLst/>
-          </a:prstGeom>
-          <a:noFill/>
-          <a:ln w="0">
-            <a:noFill/>
-          </a:ln>
-        </p:spPr>
-        <p:txBody>
-          <a:bodyPr lIns="91440" rIns="91440" tIns="45720" bIns="45720" anchor="ctr">
-            <a:noAutofit/>
-          </a:bodyPr>
-          <a:lstStyle>
-            <a:lvl1pPr indent="0" algn="r" defTabSz="457200">
-              <a:lnSpc>
-                <a:spcPct val="100000"/>
-              </a:lnSpc>
-              <a:buNone/>
-              <a:defRPr b="0" lang="pt-BR" sz="1000" strike="noStrike" u="none">
-                <a:solidFill>
-                  <a:schemeClr val="dk1">
-                    <a:tint val="75000"/>
-                  </a:schemeClr>
-                </a:solidFill>
-                <a:effectLst/>
-                <a:uFillTx/>
-                <a:latin typeface="Gill Sans MT"/>
-              </a:defRPr>
-            </a:lvl1pPr>
-          </a:lstStyle>
-          <a:p>
-            <a:pPr indent="0" algn="r" defTabSz="457200">
-              <a:lnSpc>
-                <a:spcPct val="100000"/>
-              </a:lnSpc>
-              <a:buNone/>
-            </a:pPr>
-            <a:r>
-              <a:rPr b="0" lang="pt-BR" sz="1000" strike="noStrike" u="none">
-                <a:solidFill>
-                  <a:schemeClr val="dk1">
-                    <a:tint val="75000"/>
-                  </a:schemeClr>
-                </a:solidFill>
-                <a:effectLst/>
-                <a:uFillTx/>
-                <a:latin typeface="Gill Sans MT"/>
-              </a:rPr>
-              <a:t>&lt;data/hora&gt;</a:t>
-            </a:r>
-            <a:endParaRPr b="0" lang="pt-BR" sz="1000" strike="noStrike" u="none">
-              <a:solidFill>
-                <a:srgbClr val="000000"/>
-              </a:solidFill>
-              <a:effectLst/>
-              <a:uFillTx/>
-              <a:latin typeface="Times New Roman"/>
-            </a:endParaRPr>
-          </a:p>
-        </p:txBody>
-      </p:sp>
-      <p:sp>
-        <p:nvSpPr>
-          <p:cNvPr id="42" name="PlaceHolder 4"/>
-          <p:cNvSpPr>
-            <a:spLocks noGrp="1"/>
-          </p:cNvSpPr>
-          <p:nvPr>
-            <p:ph type="ftr" idx="14"/>
-          </p:nvPr>
-        </p:nvSpPr>
-        <p:spPr>
-          <a:xfrm>
-            <a:off x="1451520" y="329400"/>
-            <a:ext cx="5938560" cy="308880"/>
-          </a:xfrm>
-          <a:prstGeom prst="rect">
-            <a:avLst/>
-          </a:prstGeom>
-          <a:noFill/>
-          <a:ln w="0">
-            <a:noFill/>
-          </a:ln>
-        </p:spPr>
-        <p:txBody>
-          <a:bodyPr lIns="91440" rIns="91440" tIns="45720" bIns="45720" anchor="ctr">
-            <a:noAutofit/>
-          </a:bodyPr>
-          <a:lstStyle>
-            <a:lvl1pPr indent="0" algn="ctr">
-              <a:buNone/>
-              <a:defRPr b="0" lang="pt-BR" sz="1400" strike="noStrike" u="none">
-                <a:solidFill>
-                  <a:srgbClr val="000000"/>
-                </a:solidFill>
-                <a:effectLst/>
-                <a:uFillTx/>
-                <a:latin typeface="Times New Roman"/>
-              </a:defRPr>
-            </a:lvl1pPr>
-          </a:lstStyle>
-          <a:p>
-            <a:pPr indent="0" algn="ctr">
-              <a:buNone/>
-            </a:pPr>
-            <a:r>
-              <a:rPr b="0" lang="pt-BR" sz="1400" strike="noStrike" u="none">
-                <a:solidFill>
-                  <a:srgbClr val="000000"/>
-                </a:solidFill>
-                <a:effectLst/>
-                <a:uFillTx/>
-                <a:latin typeface="Times New Roman"/>
-              </a:rPr>
-              <a:t>&lt;rodapé&gt;</a:t>
-            </a:r>
-            <a:endParaRPr b="0" lang="pt-BR" sz="1400" strike="noStrike" u="none">
-              <a:solidFill>
-                <a:srgbClr val="000000"/>
-              </a:solidFill>
-              <a:effectLst/>
-              <a:uFillTx/>
-              <a:latin typeface="Times New Roman"/>
-            </a:endParaRPr>
-          </a:p>
-        </p:txBody>
-      </p:sp>
-      <p:sp>
-        <p:nvSpPr>
-          <p:cNvPr id="43" name="PlaceHolder 5"/>
-          <p:cNvSpPr>
-            <a:spLocks noGrp="1"/>
-          </p:cNvSpPr>
-          <p:nvPr>
-            <p:ph type="sldNum" idx="15"/>
-          </p:nvPr>
-        </p:nvSpPr>
-        <p:spPr>
-          <a:xfrm>
-            <a:off x="480240" y="798840"/>
-            <a:ext cx="810720" cy="503280"/>
-          </a:xfrm>
-          <a:prstGeom prst="rect">
-            <a:avLst/>
-          </a:prstGeom>
-          <a:noFill/>
-          <a:ln w="0">
-            <a:noFill/>
-          </a:ln>
-        </p:spPr>
-        <p:txBody>
-          <a:bodyPr lIns="91440" rIns="91440" tIns="45720" bIns="45720" anchor="t">
-            <a:noAutofit/>
-          </a:bodyPr>
-          <a:lstStyle>
-            <a:lvl1pPr indent="0" algn="r" defTabSz="457200">
-              <a:lnSpc>
-                <a:spcPct val="100000"/>
-              </a:lnSpc>
-              <a:buNone/>
-              <a:defRPr b="0" lang="pt-BR" sz="2800" strike="noStrike" u="none">
-                <a:solidFill>
-                  <a:schemeClr val="accent1"/>
-                </a:solidFill>
-                <a:effectLst/>
-                <a:uFillTx/>
-                <a:latin typeface="Gill Sans MT"/>
-              </a:defRPr>
-            </a:lvl1pPr>
-          </a:lstStyle>
-          <a:p>
-            <a:pPr indent="0" algn="r" defTabSz="457200">
-              <a:lnSpc>
-                <a:spcPct val="100000"/>
-              </a:lnSpc>
-              <a:buNone/>
-            </a:pPr>
-            <a:fld id="{1B5FCCE3-93BA-49C5-A18B-524EF0DB5493}" type="slidenum">
-              <a:rPr b="0" lang="pt-BR" sz="2800" strike="noStrike" u="none">
-                <a:solidFill>
-                  <a:schemeClr val="accent1"/>
-                </a:solidFill>
-                <a:effectLst/>
-                <a:uFillTx/>
-                <a:latin typeface="Gill Sans MT"/>
-              </a:rPr>
-              <a:t>&lt;número&gt;</a:t>
-            </a:fld>
-            <a:endParaRPr b="0" lang="pt-BR" sz="2800" strike="noStrike" u="none">
-              <a:solidFill>
-                <a:srgbClr val="000000"/>
-              </a:solidFill>
-              <a:effectLst/>
-              <a:uFillTx/>
-              <a:latin typeface="Times New Roman"/>
-            </a:endParaRPr>
-          </a:p>
-        </p:txBody>
-      </p:sp>
-      <p:cxnSp>
-        <p:nvCxnSpPr>
-          <p:cNvPr id="44" name="Straight Connector 14"/>
-          <p:cNvCxnSpPr/>
-          <p:nvPr/>
-        </p:nvCxnSpPr>
-        <p:spPr>
-          <a:xfrm>
-            <a:off x="1454040" y="3804840"/>
-            <a:ext cx="8631000" cy="360"/>
-          </a:xfrm>
-          <a:prstGeom prst="straightConnector1">
-            <a:avLst/>
-          </a:prstGeom>
-          <a:ln w="31750">
-            <a:solidFill>
-              <a:srgbClr val="4472c4"/>
-            </a:solidFill>
-            <a:round/>
-          </a:ln>
-        </p:spPr>
-      </p:cxnSp>
-    </p:spTree>
-  </p:cSld>
-</p:sldLayout>
-</file>
-
-<file path=ppt/slideLayouts/slideLayout6.xml><?xml version="1.0" encoding="utf-8"?>
-<p:sldLayout xmlns:a="http://schemas.openxmlformats.org/drawingml/2006/main" xmlns:p="http://schemas.openxmlformats.org/presentationml/2006/main" xmlns:r="http://schemas.openxmlformats.org/officeDocument/2006/relationships" xmlns:p14="http://schemas.microsoft.com/office/powerpoint/2010/main" xmlns:p15="http://schemas.microsoft.com/office/powerpoint/2012/main" xmlns:mc="http://schemas.openxmlformats.org/markup-compatibility/2006" type="twoObj" preserve="1">
-  <p:cSld name="Duas Partes de Conteúdo">
-    <p:bg>
-      <p:bgPr>
-        <a:solidFill>
-          <a:srgbClr val="ffffff"/>
-        </a:solidFill>
-      </p:bgPr>
-    </p:bg>
-    <p:spTree>
-      <p:nvGrpSpPr>
-        <p:cNvPr id="1" name=""/>
-        <p:cNvGrpSpPr/>
-        <p:nvPr/>
-      </p:nvGrpSpPr>
-      <p:grpSpPr>
-        <a:xfrm>
-          <a:off x="0" y="0"/>
-          <a:ext cx="0" cy="0"/>
-          <a:chOff x="0" y="0"/>
-          <a:chExt cx="0" cy="0"/>
-        </a:xfrm>
-      </p:grpSpPr>
-      <p:sp>
-        <p:nvSpPr>
-          <p:cNvPr id="45" name="Rectangle 7"/>
-          <p:cNvSpPr/>
-          <p:nvPr/>
-        </p:nvSpPr>
-        <p:spPr>
-          <a:xfrm>
-            <a:off x="0" y="2019600"/>
-            <a:ext cx="12191760" cy="4105440"/>
-          </a:xfrm>
-          <a:prstGeom prst="rect">
-            <a:avLst/>
-          </a:prstGeom>
-          <a:gradFill rotWithShape="0">
-            <a:gsLst>
-              <a:gs pos="0">
-                <a:srgbClr val="e7e6e6">
-                  <a:alpha val="0"/>
-                </a:srgbClr>
-              </a:gs>
-              <a:gs pos="100000">
-                <a:srgbClr val="e7e6e6"/>
-              </a:gs>
-            </a:gsLst>
-            <a:lin ang="5400000"/>
-          </a:gradFill>
-          <a:ln>
-            <a:noFill/>
-          </a:ln>
-        </p:spPr>
-        <p:style>
-          <a:lnRef idx="2">
-            <a:schemeClr val="accent1">
-              <a:shade val="50000"/>
-            </a:schemeClr>
-          </a:lnRef>
-          <a:fillRef idx="1">
-            <a:schemeClr val="accent1"/>
-          </a:fillRef>
-          <a:effectRef idx="0">
-            <a:schemeClr val="accent1"/>
-          </a:effectRef>
-          <a:fontRef idx="minor"/>
-        </p:style>
-        <p:txBody>
-          <a:bodyPr lIns="90000" rIns="90000" tIns="45000" bIns="45000" anchor="t">
-            <a:noAutofit/>
-          </a:bodyPr>
-          <a:p>
-            <a:endParaRPr b="0" lang="pt-BR" sz="1800" strike="noStrike" u="none">
-              <a:solidFill>
-                <a:srgbClr val="000000"/>
-              </a:solidFill>
-              <a:effectLst/>
-              <a:uFillTx/>
-              <a:latin typeface="Arial"/>
-            </a:endParaRPr>
-          </a:p>
-        </p:txBody>
-      </p:sp>
-      <p:pic>
-        <p:nvPicPr>
-          <p:cNvPr id="46" name="Picture 6" descr=""/>
-          <p:cNvPicPr/>
-          <p:nvPr/>
-        </p:nvPicPr>
-        <p:blipFill>
-          <a:blip r:embed="rId2"/>
-          <a:srcRect l="0" t="1526" r="0" b="-1526"/>
-          <a:stretch/>
-        </p:blipFill>
-        <p:spPr>
-          <a:xfrm>
-            <a:off x="0" y="6126480"/>
-            <a:ext cx="12191760" cy="742680"/>
-          </a:xfrm>
-          <a:prstGeom prst="rect">
-            <a:avLst/>
-          </a:prstGeom>
-          <a:noFill/>
-          <a:ln w="0">
-            <a:noFill/>
-          </a:ln>
-        </p:spPr>
-      </p:pic>
-      <p:cxnSp>
-        <p:nvCxnSpPr>
-          <p:cNvPr id="47" name="Straight Connector 9"/>
-          <p:cNvCxnSpPr/>
-          <p:nvPr/>
-        </p:nvCxnSpPr>
-        <p:spPr>
-          <a:xfrm>
-            <a:off x="0" y="6128280"/>
-            <a:ext cx="12192120" cy="360"/>
-          </a:xfrm>
-          <a:prstGeom prst="straightConnector1">
-            <a:avLst/>
-          </a:prstGeom>
-          <a:ln w="12700">
-            <a:solidFill>
-              <a:srgbClr val="000001">
-                <a:alpha val="20000"/>
-              </a:srgbClr>
-            </a:solidFill>
-            <a:round/>
-          </a:ln>
-        </p:spPr>
-      </p:cxnSp>
-      <p:sp>
-        <p:nvSpPr>
-          <p:cNvPr id="48" name="PlaceHolder 1"/>
-          <p:cNvSpPr>
-            <a:spLocks noGrp="1"/>
-          </p:cNvSpPr>
-          <p:nvPr>
-            <p:ph type="title"/>
-          </p:nvPr>
-        </p:nvSpPr>
-        <p:spPr>
-          <a:xfrm>
-            <a:off x="1449360" y="804960"/>
-            <a:ext cx="9605160" cy="1059120"/>
-          </a:xfrm>
-          <a:prstGeom prst="rect">
-            <a:avLst/>
-          </a:prstGeom>
-          <a:noFill/>
-          <a:ln w="0">
-            <a:noFill/>
-          </a:ln>
-        </p:spPr>
-        <p:txBody>
-          <a:bodyPr lIns="91440" rIns="91440" tIns="45720" bIns="45720" anchor="t">
-            <a:noAutofit/>
-          </a:bodyPr>
-          <a:p>
-            <a:pPr indent="0" defTabSz="914400">
-              <a:lnSpc>
-                <a:spcPct val="90000"/>
-              </a:lnSpc>
-              <a:buNone/>
-            </a:pPr>
-            <a:r>
-              <a:rPr b="0" lang="pt-BR" sz="3200" strike="noStrike" u="none" cap="all">
-                <a:solidFill>
-                  <a:schemeClr val="dk1"/>
-                </a:solidFill>
-                <a:effectLst/>
-                <a:uFillTx/>
-                <a:latin typeface="Gill Sans MT"/>
-              </a:rPr>
-              <a:t>Clique para editar o título Mestre</a:t>
-            </a:r>
-            <a:endParaRPr b="0" lang="en-US" sz="3200" strike="noStrike" u="none">
-              <a:solidFill>
-                <a:schemeClr val="dk1"/>
-              </a:solidFill>
-              <a:effectLst/>
-              <a:uFillTx/>
-              <a:latin typeface="Gill Sans MT"/>
-            </a:endParaRPr>
-          </a:p>
-        </p:txBody>
-      </p:sp>
-      <p:sp>
-        <p:nvSpPr>
-          <p:cNvPr id="49" name="PlaceHolder 2"/>
-          <p:cNvSpPr>
-            <a:spLocks noGrp="1"/>
-          </p:cNvSpPr>
-          <p:nvPr>
-            <p:ph type="body"/>
-          </p:nvPr>
-        </p:nvSpPr>
-        <p:spPr>
-          <a:xfrm>
-            <a:off x="1447200" y="2010960"/>
-            <a:ext cx="4644720" cy="3448080"/>
-          </a:xfrm>
-          <a:prstGeom prst="rect">
-            <a:avLst/>
-          </a:prstGeom>
-          <a:noFill/>
-          <a:ln w="0">
-            <a:noFill/>
-          </a:ln>
-        </p:spPr>
-        <p:txBody>
-          <a:bodyPr lIns="91440" rIns="91440" tIns="45720" bIns="45720" anchor="t">
-            <a:noAutofit/>
-          </a:bodyPr>
-          <a:p>
-            <a:pPr marL="228600" indent="-228600" defTabSz="914400">
-              <a:lnSpc>
-                <a:spcPct val="120000"/>
-              </a:lnSpc>
-              <a:spcBef>
-                <a:spcPts val="1001"/>
-              </a:spcBef>
-              <a:buClr>
-                <a:srgbClr val="4472c4"/>
-              </a:buClr>
-              <a:buFont typeface="Arial"/>
-              <a:buChar char="•"/>
-            </a:pPr>
-            <a:r>
-              <a:rPr b="0" lang="pt-BR" sz="2000" strike="noStrike" u="none">
-                <a:solidFill>
-                  <a:schemeClr val="dk1"/>
-                </a:solidFill>
-                <a:effectLst/>
-                <a:uFillTx/>
-                <a:latin typeface="Gill Sans MT"/>
-              </a:rPr>
-              <a:t>Clique para editar os estilos de texto Mestres</a:t>
-            </a:r>
-            <a:endParaRPr b="0" lang="en-US" sz="2000" strike="noStrike" u="none">
-              <a:solidFill>
-                <a:schemeClr val="dk1"/>
-              </a:solidFill>
-              <a:effectLst/>
-              <a:uFillTx/>
-              <a:latin typeface="Gill Sans MT"/>
-            </a:endParaRPr>
-          </a:p>
-          <a:p>
-            <a:pPr lvl="1" marL="685800" indent="-228600" defTabSz="914400">
-              <a:lnSpc>
-                <a:spcPct val="120000"/>
-              </a:lnSpc>
-              <a:spcBef>
-                <a:spcPts val="499"/>
-              </a:spcBef>
-              <a:buClr>
-                <a:srgbClr val="4472c4"/>
-              </a:buClr>
-              <a:buFont typeface="Arial"/>
-              <a:buChar char="•"/>
-            </a:pPr>
-            <a:r>
-              <a:rPr b="0" lang="pt-BR" sz="1800" strike="noStrike" u="none">
-                <a:solidFill>
-                  <a:schemeClr val="dk1"/>
-                </a:solidFill>
-                <a:effectLst/>
-                <a:uFillTx/>
-                <a:latin typeface="Gill Sans MT"/>
-              </a:rPr>
-              <a:t>Segundo nível</a:t>
-            </a:r>
-            <a:endParaRPr b="0" lang="en-US" sz="1800" strike="noStrike" u="none">
-              <a:solidFill>
-                <a:schemeClr val="dk1"/>
-              </a:solidFill>
-              <a:effectLst/>
-              <a:uFillTx/>
-              <a:latin typeface="Gill Sans MT"/>
-            </a:endParaRPr>
-          </a:p>
-          <a:p>
-            <a:pPr lvl="2" marL="1143000" indent="-228600" defTabSz="914400">
-              <a:lnSpc>
-                <a:spcPct val="120000"/>
-              </a:lnSpc>
-              <a:spcBef>
-                <a:spcPts val="499"/>
-              </a:spcBef>
-              <a:buClr>
-                <a:srgbClr val="4472c4"/>
-              </a:buClr>
-              <a:buFont typeface="Arial"/>
-              <a:buChar char="•"/>
-            </a:pPr>
-            <a:r>
-              <a:rPr b="0" lang="pt-BR" sz="1600" strike="noStrike" u="none">
-                <a:solidFill>
-                  <a:schemeClr val="dk1"/>
-                </a:solidFill>
-                <a:effectLst/>
-                <a:uFillTx/>
-                <a:latin typeface="Gill Sans MT"/>
-              </a:rPr>
-              <a:t>Terceiro nível</a:t>
-            </a:r>
-            <a:endParaRPr b="0" lang="en-US" sz="1600" strike="noStrike" u="none">
-              <a:solidFill>
-                <a:schemeClr val="dk1"/>
-              </a:solidFill>
-              <a:effectLst/>
-              <a:uFillTx/>
-              <a:latin typeface="Gill Sans MT"/>
-            </a:endParaRPr>
-          </a:p>
-          <a:p>
-            <a:pPr lvl="3" marL="1600200" indent="-228600" defTabSz="914400">
-              <a:lnSpc>
-                <a:spcPct val="120000"/>
-              </a:lnSpc>
-              <a:spcBef>
-                <a:spcPts val="499"/>
-              </a:spcBef>
-              <a:buClr>
-                <a:srgbClr val="4472c4"/>
-              </a:buClr>
-              <a:buFont typeface="Arial"/>
-              <a:buChar char="•"/>
-            </a:pPr>
-            <a:r>
-              <a:rPr b="0" lang="pt-BR" sz="1400" strike="noStrike" u="none">
-                <a:solidFill>
-                  <a:schemeClr val="dk1"/>
-                </a:solidFill>
-                <a:effectLst/>
-                <a:uFillTx/>
-                <a:latin typeface="Gill Sans MT"/>
-              </a:rPr>
-              <a:t>Quarto nível</a:t>
-            </a:r>
-            <a:endParaRPr b="0" lang="en-US" sz="1400" strike="noStrike" u="none">
-              <a:solidFill>
-                <a:schemeClr val="dk1"/>
-              </a:solidFill>
-              <a:effectLst/>
-              <a:uFillTx/>
-              <a:latin typeface="Gill Sans MT"/>
-            </a:endParaRPr>
-          </a:p>
-          <a:p>
-            <a:pPr lvl="4" marL="2057400" indent="-228600" defTabSz="914400">
-              <a:lnSpc>
-                <a:spcPct val="120000"/>
-              </a:lnSpc>
-              <a:spcBef>
-                <a:spcPts val="499"/>
-              </a:spcBef>
-              <a:buClr>
-                <a:srgbClr val="4472c4"/>
-              </a:buClr>
-              <a:buFont typeface="Arial"/>
-              <a:buChar char="•"/>
-            </a:pPr>
-            <a:r>
-              <a:rPr b="0" lang="pt-BR" sz="1200" strike="noStrike" u="none">
-                <a:solidFill>
-                  <a:schemeClr val="dk1"/>
-                </a:solidFill>
-                <a:effectLst/>
-                <a:uFillTx/>
-                <a:latin typeface="Gill Sans MT"/>
-              </a:rPr>
-              <a:t>Quinto nível</a:t>
-            </a:r>
-            <a:endParaRPr b="0" lang="en-US" sz="1200" strike="noStrike" u="none">
-              <a:solidFill>
-                <a:schemeClr val="dk1"/>
-              </a:solidFill>
-              <a:effectLst/>
-              <a:uFillTx/>
-              <a:latin typeface="Gill Sans MT"/>
-            </a:endParaRPr>
-          </a:p>
-        </p:txBody>
-      </p:sp>
-      <p:sp>
-        <p:nvSpPr>
-          <p:cNvPr id="50" name="PlaceHolder 3"/>
-          <p:cNvSpPr>
-            <a:spLocks noGrp="1"/>
-          </p:cNvSpPr>
-          <p:nvPr>
-            <p:ph type="body"/>
-          </p:nvPr>
-        </p:nvSpPr>
-        <p:spPr>
-          <a:xfrm>
-            <a:off x="6413760" y="2017440"/>
-            <a:ext cx="4644720" cy="3441240"/>
-          </a:xfrm>
-          <a:prstGeom prst="rect">
-            <a:avLst/>
-          </a:prstGeom>
-          <a:noFill/>
-          <a:ln w="0">
-            <a:noFill/>
-          </a:ln>
-        </p:spPr>
-        <p:txBody>
-          <a:bodyPr lIns="91440" rIns="91440" tIns="45720" bIns="45720" anchor="t">
-            <a:noAutofit/>
-          </a:bodyPr>
-          <a:p>
-            <a:pPr marL="228600" indent="-228600" defTabSz="914400">
-              <a:lnSpc>
-                <a:spcPct val="120000"/>
-              </a:lnSpc>
-              <a:spcBef>
-                <a:spcPts val="1001"/>
-              </a:spcBef>
-              <a:buClr>
-                <a:srgbClr val="4472c4"/>
-              </a:buClr>
-              <a:buFont typeface="Arial"/>
-              <a:buChar char="•"/>
-            </a:pPr>
-            <a:r>
-              <a:rPr b="0" lang="pt-BR" sz="2000" strike="noStrike" u="none">
-                <a:solidFill>
-                  <a:schemeClr val="dk1"/>
-                </a:solidFill>
-                <a:effectLst/>
-                <a:uFillTx/>
-                <a:latin typeface="Gill Sans MT"/>
-              </a:rPr>
-              <a:t>Clique para editar os estilos de texto Mestres</a:t>
-            </a:r>
-            <a:endParaRPr b="0" lang="en-US" sz="2000" strike="noStrike" u="none">
-              <a:solidFill>
-                <a:schemeClr val="dk1"/>
-              </a:solidFill>
-              <a:effectLst/>
-              <a:uFillTx/>
-              <a:latin typeface="Gill Sans MT"/>
-            </a:endParaRPr>
-          </a:p>
-          <a:p>
-            <a:pPr lvl="1" marL="685800" indent="-228600" defTabSz="914400">
-              <a:lnSpc>
-                <a:spcPct val="120000"/>
-              </a:lnSpc>
-              <a:spcBef>
-                <a:spcPts val="499"/>
-              </a:spcBef>
-              <a:buClr>
-                <a:srgbClr val="4472c4"/>
-              </a:buClr>
-              <a:buFont typeface="Arial"/>
-              <a:buChar char="•"/>
-            </a:pPr>
-            <a:r>
-              <a:rPr b="0" lang="pt-BR" sz="1800" strike="noStrike" u="none">
-                <a:solidFill>
-                  <a:schemeClr val="dk1"/>
-                </a:solidFill>
-                <a:effectLst/>
-                <a:uFillTx/>
-                <a:latin typeface="Gill Sans MT"/>
-              </a:rPr>
-              <a:t>Segundo nível</a:t>
-            </a:r>
-            <a:endParaRPr b="0" lang="en-US" sz="1800" strike="noStrike" u="none">
-              <a:solidFill>
-                <a:schemeClr val="dk1"/>
-              </a:solidFill>
-              <a:effectLst/>
-              <a:uFillTx/>
-              <a:latin typeface="Gill Sans MT"/>
-            </a:endParaRPr>
-          </a:p>
-          <a:p>
-            <a:pPr lvl="2" marL="1143000" indent="-228600" defTabSz="914400">
-              <a:lnSpc>
-                <a:spcPct val="120000"/>
-              </a:lnSpc>
-              <a:spcBef>
-                <a:spcPts val="499"/>
-              </a:spcBef>
-              <a:buClr>
-                <a:srgbClr val="4472c4"/>
-              </a:buClr>
-              <a:buFont typeface="Arial"/>
-              <a:buChar char="•"/>
-            </a:pPr>
-            <a:r>
-              <a:rPr b="0" lang="pt-BR" sz="1600" strike="noStrike" u="none">
-                <a:solidFill>
-                  <a:schemeClr val="dk1"/>
-                </a:solidFill>
-                <a:effectLst/>
-                <a:uFillTx/>
-                <a:latin typeface="Gill Sans MT"/>
-              </a:rPr>
-              <a:t>Terceiro nível</a:t>
-            </a:r>
-            <a:endParaRPr b="0" lang="en-US" sz="1600" strike="noStrike" u="none">
-              <a:solidFill>
-                <a:schemeClr val="dk1"/>
-              </a:solidFill>
-              <a:effectLst/>
-              <a:uFillTx/>
-              <a:latin typeface="Gill Sans MT"/>
-            </a:endParaRPr>
-          </a:p>
-          <a:p>
-            <a:pPr lvl="3" marL="1600200" indent="-228600" defTabSz="914400">
-              <a:lnSpc>
-                <a:spcPct val="120000"/>
-              </a:lnSpc>
-              <a:spcBef>
-                <a:spcPts val="499"/>
-              </a:spcBef>
-              <a:buClr>
-                <a:srgbClr val="4472c4"/>
-              </a:buClr>
-              <a:buFont typeface="Arial"/>
-              <a:buChar char="•"/>
-            </a:pPr>
-            <a:r>
-              <a:rPr b="0" lang="pt-BR" sz="1400" strike="noStrike" u="none">
-                <a:solidFill>
-                  <a:schemeClr val="dk1"/>
-                </a:solidFill>
-                <a:effectLst/>
-                <a:uFillTx/>
-                <a:latin typeface="Gill Sans MT"/>
-              </a:rPr>
-              <a:t>Quarto nível</a:t>
-            </a:r>
-            <a:endParaRPr b="0" lang="en-US" sz="1400" strike="noStrike" u="none">
-              <a:solidFill>
-                <a:schemeClr val="dk1"/>
-              </a:solidFill>
-              <a:effectLst/>
-              <a:uFillTx/>
-              <a:latin typeface="Gill Sans MT"/>
-            </a:endParaRPr>
-          </a:p>
-          <a:p>
-            <a:pPr lvl="4" marL="2057400" indent="-228600" defTabSz="914400">
-              <a:lnSpc>
-                <a:spcPct val="120000"/>
-              </a:lnSpc>
-              <a:spcBef>
-                <a:spcPts val="499"/>
-              </a:spcBef>
-              <a:buClr>
-                <a:srgbClr val="4472c4"/>
-              </a:buClr>
-              <a:buFont typeface="Arial"/>
-              <a:buChar char="•"/>
-            </a:pPr>
-            <a:r>
-              <a:rPr b="0" lang="pt-BR" sz="1200" strike="noStrike" u="none">
-                <a:solidFill>
-                  <a:schemeClr val="dk1"/>
-                </a:solidFill>
-                <a:effectLst/>
-                <a:uFillTx/>
-                <a:latin typeface="Gill Sans MT"/>
-              </a:rPr>
-              <a:t>Quinto nível</a:t>
-            </a:r>
-            <a:endParaRPr b="0" lang="en-US" sz="1200" strike="noStrike" u="none">
-              <a:solidFill>
-                <a:schemeClr val="dk1"/>
-              </a:solidFill>
-              <a:effectLst/>
-              <a:uFillTx/>
-              <a:latin typeface="Gill Sans MT"/>
-            </a:endParaRPr>
-          </a:p>
-        </p:txBody>
-      </p:sp>
-      <p:sp>
-        <p:nvSpPr>
-          <p:cNvPr id="51" name="PlaceHolder 4"/>
-          <p:cNvSpPr>
-            <a:spLocks noGrp="1"/>
-          </p:cNvSpPr>
-          <p:nvPr>
-            <p:ph type="dt" idx="16"/>
-          </p:nvPr>
-        </p:nvSpPr>
-        <p:spPr>
-          <a:xfrm>
-            <a:off x="7554240" y="330480"/>
-            <a:ext cx="3500280" cy="308880"/>
-          </a:xfrm>
-          <a:prstGeom prst="rect">
-            <a:avLst/>
-          </a:prstGeom>
-          <a:noFill/>
-          <a:ln w="0">
-            <a:noFill/>
-          </a:ln>
-        </p:spPr>
-        <p:txBody>
-          <a:bodyPr lIns="91440" rIns="91440" tIns="45720" bIns="45720" anchor="ctr">
-            <a:noAutofit/>
-          </a:bodyPr>
-          <a:lstStyle>
-            <a:lvl1pPr indent="0" algn="r" defTabSz="457200">
-              <a:lnSpc>
-                <a:spcPct val="100000"/>
-              </a:lnSpc>
-              <a:buNone/>
-              <a:defRPr b="0" lang="pt-BR" sz="1000" strike="noStrike" u="none">
-                <a:solidFill>
-                  <a:schemeClr val="dk1">
-                    <a:tint val="75000"/>
-                  </a:schemeClr>
-                </a:solidFill>
-                <a:effectLst/>
-                <a:uFillTx/>
-                <a:latin typeface="Gill Sans MT"/>
-              </a:defRPr>
-            </a:lvl1pPr>
-          </a:lstStyle>
-          <a:p>
-            <a:pPr indent="0" algn="r" defTabSz="457200">
-              <a:lnSpc>
-                <a:spcPct val="100000"/>
-              </a:lnSpc>
-              <a:buNone/>
-            </a:pPr>
-            <a:r>
-              <a:rPr b="0" lang="pt-BR" sz="1000" strike="noStrike" u="none">
-                <a:solidFill>
-                  <a:schemeClr val="dk1">
-                    <a:tint val="75000"/>
-                  </a:schemeClr>
-                </a:solidFill>
-                <a:effectLst/>
-                <a:uFillTx/>
-                <a:latin typeface="Gill Sans MT"/>
-              </a:rPr>
-              <a:t>&lt;data/hora&gt;</a:t>
-            </a:r>
-            <a:endParaRPr b="0" lang="pt-BR" sz="1000" strike="noStrike" u="none">
-              <a:solidFill>
-                <a:srgbClr val="000000"/>
-              </a:solidFill>
-              <a:effectLst/>
-              <a:uFillTx/>
-              <a:latin typeface="Times New Roman"/>
-            </a:endParaRPr>
-          </a:p>
-        </p:txBody>
-      </p:sp>
-      <p:sp>
-        <p:nvSpPr>
-          <p:cNvPr id="52" name="PlaceHolder 5"/>
-          <p:cNvSpPr>
-            <a:spLocks noGrp="1"/>
-          </p:cNvSpPr>
-          <p:nvPr>
-            <p:ph type="ftr" idx="17"/>
-          </p:nvPr>
-        </p:nvSpPr>
-        <p:spPr>
-          <a:xfrm>
-            <a:off x="1451520" y="329400"/>
-            <a:ext cx="5938560" cy="308880"/>
-          </a:xfrm>
-          <a:prstGeom prst="rect">
-            <a:avLst/>
-          </a:prstGeom>
-          <a:noFill/>
-          <a:ln w="0">
-            <a:noFill/>
-          </a:ln>
-        </p:spPr>
-        <p:txBody>
-          <a:bodyPr lIns="91440" rIns="91440" tIns="45720" bIns="45720" anchor="ctr">
-            <a:noAutofit/>
-          </a:bodyPr>
-          <a:lstStyle>
-            <a:lvl1pPr indent="0" algn="ctr">
-              <a:buNone/>
-              <a:defRPr b="0" lang="pt-BR" sz="1400" strike="noStrike" u="none">
-                <a:solidFill>
-                  <a:srgbClr val="000000"/>
-                </a:solidFill>
-                <a:effectLst/>
-                <a:uFillTx/>
-                <a:latin typeface="Times New Roman"/>
-              </a:defRPr>
-            </a:lvl1pPr>
-          </a:lstStyle>
-          <a:p>
-            <a:pPr indent="0" algn="ctr">
-              <a:buNone/>
-            </a:pPr>
-            <a:r>
-              <a:rPr b="0" lang="pt-BR" sz="1400" strike="noStrike" u="none">
-                <a:solidFill>
-                  <a:srgbClr val="000000"/>
-                </a:solidFill>
-                <a:effectLst/>
-                <a:uFillTx/>
-                <a:latin typeface="Times New Roman"/>
-              </a:rPr>
-              <a:t>&lt;rodapé&gt;</a:t>
-            </a:r>
-            <a:endParaRPr b="0" lang="pt-BR" sz="1400" strike="noStrike" u="none">
-              <a:solidFill>
-                <a:srgbClr val="000000"/>
-              </a:solidFill>
-              <a:effectLst/>
-              <a:uFillTx/>
-              <a:latin typeface="Times New Roman"/>
-            </a:endParaRPr>
-          </a:p>
-        </p:txBody>
-      </p:sp>
-      <p:sp>
-        <p:nvSpPr>
-          <p:cNvPr id="53" name="PlaceHolder 6"/>
-          <p:cNvSpPr>
-            <a:spLocks noGrp="1"/>
-          </p:cNvSpPr>
-          <p:nvPr>
-            <p:ph type="sldNum" idx="18"/>
-          </p:nvPr>
-        </p:nvSpPr>
-        <p:spPr>
-          <a:xfrm>
-            <a:off x="480240" y="798840"/>
-            <a:ext cx="810720" cy="503280"/>
-          </a:xfrm>
-          <a:prstGeom prst="rect">
-            <a:avLst/>
-          </a:prstGeom>
-          <a:noFill/>
-          <a:ln w="0">
-            <a:noFill/>
-          </a:ln>
-        </p:spPr>
-        <p:txBody>
-          <a:bodyPr lIns="91440" rIns="91440" tIns="45720" bIns="45720" anchor="t">
-            <a:noAutofit/>
-          </a:bodyPr>
-          <a:lstStyle>
-            <a:lvl1pPr indent="0" algn="r" defTabSz="457200">
-              <a:lnSpc>
-                <a:spcPct val="100000"/>
-              </a:lnSpc>
-              <a:buNone/>
-              <a:defRPr b="0" lang="pt-BR" sz="2800" strike="noStrike" u="none">
-                <a:solidFill>
-                  <a:schemeClr val="accent1"/>
-                </a:solidFill>
-                <a:effectLst/>
-                <a:uFillTx/>
-                <a:latin typeface="Gill Sans MT"/>
-              </a:defRPr>
-            </a:lvl1pPr>
-          </a:lstStyle>
-          <a:p>
-            <a:pPr indent="0" algn="r" defTabSz="457200">
-              <a:lnSpc>
-                <a:spcPct val="100000"/>
-              </a:lnSpc>
-              <a:buNone/>
-            </a:pPr>
-            <a:fld id="{56803AC2-97E1-43B2-B8CA-6EE16E9046FF}" type="slidenum">
-              <a:rPr b="0" lang="pt-BR" sz="2800" strike="noStrike" u="none">
-                <a:solidFill>
-                  <a:schemeClr val="accent1"/>
-                </a:solidFill>
-                <a:effectLst/>
-                <a:uFillTx/>
-                <a:latin typeface="Gill Sans MT"/>
-              </a:rPr>
-              <a:t>&lt;número&gt;</a:t>
-            </a:fld>
-            <a:endParaRPr b="0" lang="pt-BR" sz="2800" strike="noStrike" u="none">
-              <a:solidFill>
-                <a:srgbClr val="000000"/>
-              </a:solidFill>
-              <a:effectLst/>
-              <a:uFillTx/>
-              <a:latin typeface="Times New Roman"/>
-            </a:endParaRPr>
-          </a:p>
-        </p:txBody>
-      </p:sp>
-      <p:cxnSp>
-        <p:nvCxnSpPr>
-          <p:cNvPr id="54" name="Straight Connector 34"/>
-          <p:cNvCxnSpPr/>
-          <p:nvPr/>
-        </p:nvCxnSpPr>
-        <p:spPr>
-          <a:xfrm>
-            <a:off x="1453680" y="1846800"/>
-            <a:ext cx="9608040" cy="360"/>
-          </a:xfrm>
-          <a:prstGeom prst="straightConnector1">
-            <a:avLst/>
-          </a:prstGeom>
-          <a:ln w="31750">
-            <a:solidFill>
-              <a:srgbClr val="4472c4"/>
-            </a:solidFill>
-            <a:round/>
-          </a:ln>
-        </p:spPr>
-      </p:cxnSp>
-    </p:spTree>
-  </p:cSld>
-</p:sldLayout>
-</file>
-
-<file path=ppt/slideLayouts/slideLayout7.xml><?xml version="1.0" encoding="utf-8"?>
-<p:sldLayout xmlns:a="http://schemas.openxmlformats.org/drawingml/2006/main" xmlns:p="http://schemas.openxmlformats.org/presentationml/2006/main" xmlns:r="http://schemas.openxmlformats.org/officeDocument/2006/relationships" xmlns:p14="http://schemas.microsoft.com/office/powerpoint/2010/main" xmlns:p15="http://schemas.microsoft.com/office/powerpoint/2012/main" xmlns:mc="http://schemas.openxmlformats.org/markup-compatibility/2006" type="blank" preserve="1">
-  <p:cSld name="Comparação">
-    <p:bg>
-      <p:bgPr>
-        <a:solidFill>
-          <a:srgbClr val="ffffff"/>
-        </a:solidFill>
-      </p:bgPr>
-    </p:bg>
-    <p:spTree>
-      <p:nvGrpSpPr>
-        <p:cNvPr id="1" name=""/>
-        <p:cNvGrpSpPr/>
-        <p:nvPr/>
-      </p:nvGrpSpPr>
-      <p:grpSpPr>
-        <a:xfrm>
-          <a:off x="0" y="0"/>
-          <a:ext cx="0" cy="0"/>
-          <a:chOff x="0" y="0"/>
-          <a:chExt cx="0" cy="0"/>
-        </a:xfrm>
-      </p:grpSpPr>
-      <p:sp>
-        <p:nvSpPr>
-          <p:cNvPr id="55" name="Rectangle 7"/>
-          <p:cNvSpPr/>
-          <p:nvPr/>
-        </p:nvSpPr>
-        <p:spPr>
-          <a:xfrm>
-            <a:off x="0" y="2019600"/>
-            <a:ext cx="12191760" cy="4105440"/>
-          </a:xfrm>
-          <a:prstGeom prst="rect">
-            <a:avLst/>
-          </a:prstGeom>
-          <a:gradFill rotWithShape="0">
-            <a:gsLst>
-              <a:gs pos="0">
-                <a:srgbClr val="e7e6e6">
-                  <a:alpha val="0"/>
-                </a:srgbClr>
-              </a:gs>
-              <a:gs pos="100000">
-                <a:srgbClr val="e7e6e6"/>
-              </a:gs>
-            </a:gsLst>
-            <a:lin ang="5400000"/>
-          </a:gradFill>
-          <a:ln>
-            <a:noFill/>
-          </a:ln>
-        </p:spPr>
-        <p:style>
-          <a:lnRef idx="2">
-            <a:schemeClr val="accent1">
-              <a:shade val="50000"/>
-            </a:schemeClr>
-          </a:lnRef>
-          <a:fillRef idx="1">
-            <a:schemeClr val="accent1"/>
-          </a:fillRef>
-          <a:effectRef idx="0">
-            <a:schemeClr val="accent1"/>
-          </a:effectRef>
-          <a:fontRef idx="minor"/>
-        </p:style>
-        <p:txBody>
-          <a:bodyPr lIns="90000" rIns="90000" tIns="45000" bIns="45000" anchor="t">
-            <a:noAutofit/>
-          </a:bodyPr>
-          <a:p>
-            <a:endParaRPr b="0" lang="pt-BR" sz="1800" strike="noStrike" u="none">
-              <a:solidFill>
-                <a:srgbClr val="000000"/>
-              </a:solidFill>
-              <a:effectLst/>
-              <a:uFillTx/>
-              <a:latin typeface="Arial"/>
-            </a:endParaRPr>
-          </a:p>
-        </p:txBody>
-      </p:sp>
-      <p:pic>
-        <p:nvPicPr>
-          <p:cNvPr id="56" name="Picture 6" descr=""/>
-          <p:cNvPicPr/>
-          <p:nvPr/>
-        </p:nvPicPr>
-        <p:blipFill>
-          <a:blip r:embed="rId2"/>
-          <a:srcRect l="0" t="1526" r="0" b="-1526"/>
-          <a:stretch/>
-        </p:blipFill>
-        <p:spPr>
-          <a:xfrm>
-            <a:off x="0" y="6126480"/>
-            <a:ext cx="12191760" cy="742680"/>
-          </a:xfrm>
-          <a:prstGeom prst="rect">
-            <a:avLst/>
-          </a:prstGeom>
-          <a:noFill/>
-          <a:ln w="0">
-            <a:noFill/>
-          </a:ln>
-        </p:spPr>
-      </p:pic>
-      <p:cxnSp>
-        <p:nvCxnSpPr>
-          <p:cNvPr id="57" name="Straight Connector 9"/>
-          <p:cNvCxnSpPr/>
-          <p:nvPr/>
-        </p:nvCxnSpPr>
-        <p:spPr>
-          <a:xfrm>
-            <a:off x="0" y="6128280"/>
-            <a:ext cx="12192120" cy="360"/>
-          </a:xfrm>
-          <a:prstGeom prst="straightConnector1">
-            <a:avLst/>
-          </a:prstGeom>
-          <a:ln w="12700">
-            <a:solidFill>
-              <a:srgbClr val="000001">
-                <a:alpha val="20000"/>
-              </a:srgbClr>
-            </a:solidFill>
-            <a:round/>
-          </a:ln>
-        </p:spPr>
-      </p:cxnSp>
-      <p:sp>
-        <p:nvSpPr>
-          <p:cNvPr id="58" name="PlaceHolder 1"/>
-          <p:cNvSpPr>
-            <a:spLocks noGrp="1"/>
-          </p:cNvSpPr>
-          <p:nvPr>
-            <p:ph type="title"/>
-          </p:nvPr>
-        </p:nvSpPr>
-        <p:spPr>
-          <a:xfrm>
-            <a:off x="1447200" y="804240"/>
-            <a:ext cx="9607320" cy="1055880"/>
-          </a:xfrm>
-          <a:prstGeom prst="rect">
-            <a:avLst/>
-          </a:prstGeom>
-          <a:noFill/>
-          <a:ln w="0">
-            <a:noFill/>
-          </a:ln>
-        </p:spPr>
-        <p:txBody>
-          <a:bodyPr lIns="91440" rIns="91440" tIns="45720" bIns="45720" anchor="t">
-            <a:noAutofit/>
-          </a:bodyPr>
-          <a:p>
-            <a:pPr indent="0" defTabSz="914400">
-              <a:lnSpc>
-                <a:spcPct val="90000"/>
-              </a:lnSpc>
-              <a:buNone/>
-            </a:pPr>
-            <a:r>
-              <a:rPr b="0" lang="pt-BR" sz="3200" strike="noStrike" u="none" cap="all">
-                <a:solidFill>
-                  <a:schemeClr val="dk1"/>
-                </a:solidFill>
-                <a:effectLst/>
-                <a:uFillTx/>
-                <a:latin typeface="Gill Sans MT"/>
-              </a:rPr>
-              <a:t>Clique para editar o título Mestre</a:t>
-            </a:r>
-            <a:endParaRPr b="0" lang="en-US" sz="3200" strike="noStrike" u="none">
-              <a:solidFill>
-                <a:schemeClr val="dk1"/>
-              </a:solidFill>
-              <a:effectLst/>
-              <a:uFillTx/>
-              <a:latin typeface="Gill Sans MT"/>
-            </a:endParaRPr>
-          </a:p>
-        </p:txBody>
-      </p:sp>
-      <p:sp>
-        <p:nvSpPr>
-          <p:cNvPr id="59" name="PlaceHolder 2"/>
-          <p:cNvSpPr>
-            <a:spLocks noGrp="1"/>
-          </p:cNvSpPr>
-          <p:nvPr>
-            <p:ph type="body"/>
-          </p:nvPr>
-        </p:nvSpPr>
-        <p:spPr>
-          <a:xfrm>
-            <a:off x="1447200" y="2019600"/>
-            <a:ext cx="4644720" cy="801720"/>
-          </a:xfrm>
-          <a:prstGeom prst="rect">
-            <a:avLst/>
-          </a:prstGeom>
-          <a:noFill/>
-          <a:ln w="0">
-            <a:noFill/>
-          </a:ln>
-        </p:spPr>
-        <p:txBody>
-          <a:bodyPr lIns="91440" rIns="91440" tIns="45720" bIns="45720" anchor="b">
-            <a:normAutofit/>
-          </a:bodyPr>
-          <a:p>
-            <a:pPr indent="0" defTabSz="914400">
-              <a:lnSpc>
-                <a:spcPct val="100000"/>
-              </a:lnSpc>
-              <a:spcBef>
-                <a:spcPts val="1001"/>
-              </a:spcBef>
-              <a:buNone/>
-              <a:tabLst>
-                <a:tab algn="l" pos="0"/>
-              </a:tabLst>
-            </a:pPr>
-            <a:r>
-              <a:rPr b="0" lang="pt-BR" sz="2200" strike="noStrike" u="none" cap="all">
-                <a:solidFill>
-                  <a:schemeClr val="accent1"/>
-                </a:solidFill>
-                <a:effectLst/>
-                <a:uFillTx/>
-                <a:latin typeface="Gill Sans MT"/>
-              </a:rPr>
-              <a:t>Clique para editar os estilos de texto Mestres</a:t>
-            </a:r>
-            <a:endParaRPr b="0" lang="en-US" sz="2200" strike="noStrike" u="none">
-              <a:solidFill>
-                <a:schemeClr val="dk1"/>
-              </a:solidFill>
-              <a:effectLst/>
-              <a:uFillTx/>
-              <a:latin typeface="Gill Sans MT"/>
-            </a:endParaRPr>
-          </a:p>
-        </p:txBody>
-      </p:sp>
-      <p:sp>
-        <p:nvSpPr>
-          <p:cNvPr id="60" name="PlaceHolder 3"/>
-          <p:cNvSpPr>
-            <a:spLocks noGrp="1"/>
-          </p:cNvSpPr>
-          <p:nvPr>
-            <p:ph type="body"/>
-          </p:nvPr>
-        </p:nvSpPr>
-        <p:spPr>
-          <a:xfrm>
-            <a:off x="1447200" y="2824200"/>
-            <a:ext cx="4644720" cy="2644200"/>
-          </a:xfrm>
-          <a:prstGeom prst="rect">
-            <a:avLst/>
-          </a:prstGeom>
-          <a:noFill/>
-          <a:ln w="0">
-            <a:noFill/>
-          </a:ln>
-        </p:spPr>
-        <p:txBody>
-          <a:bodyPr lIns="91440" rIns="91440" tIns="45720" bIns="45720" anchor="t">
-            <a:noAutofit/>
-          </a:bodyPr>
-          <a:p>
-            <a:pPr marL="228600" indent="-228600" defTabSz="914400">
-              <a:lnSpc>
-                <a:spcPct val="120000"/>
-              </a:lnSpc>
-              <a:spcBef>
-                <a:spcPts val="1001"/>
-              </a:spcBef>
-              <a:buClr>
-                <a:srgbClr val="4472c4"/>
-              </a:buClr>
-              <a:buFont typeface="Arial"/>
-              <a:buChar char="•"/>
-            </a:pPr>
-            <a:r>
-              <a:rPr b="0" lang="pt-BR" sz="2000" strike="noStrike" u="none">
-                <a:solidFill>
-                  <a:schemeClr val="dk1"/>
-                </a:solidFill>
-                <a:effectLst/>
-                <a:uFillTx/>
-                <a:latin typeface="Gill Sans MT"/>
-              </a:rPr>
-              <a:t>Clique para editar os estilos de texto Mestres</a:t>
-            </a:r>
-            <a:endParaRPr b="0" lang="en-US" sz="2000" strike="noStrike" u="none">
-              <a:solidFill>
-                <a:schemeClr val="dk1"/>
-              </a:solidFill>
-              <a:effectLst/>
-              <a:uFillTx/>
-              <a:latin typeface="Gill Sans MT"/>
-            </a:endParaRPr>
-          </a:p>
-          <a:p>
-            <a:pPr lvl="1" marL="685800" indent="-228600" defTabSz="914400">
-              <a:lnSpc>
-                <a:spcPct val="120000"/>
-              </a:lnSpc>
-              <a:spcBef>
-                <a:spcPts val="499"/>
-              </a:spcBef>
-              <a:buClr>
-                <a:srgbClr val="4472c4"/>
-              </a:buClr>
-              <a:buFont typeface="Arial"/>
-              <a:buChar char="•"/>
-            </a:pPr>
-            <a:r>
-              <a:rPr b="0" lang="pt-BR" sz="1800" strike="noStrike" u="none">
-                <a:solidFill>
-                  <a:schemeClr val="dk1"/>
-                </a:solidFill>
-                <a:effectLst/>
-                <a:uFillTx/>
-                <a:latin typeface="Gill Sans MT"/>
-              </a:rPr>
-              <a:t>Segundo nível</a:t>
-            </a:r>
-            <a:endParaRPr b="0" lang="en-US" sz="1800" strike="noStrike" u="none">
-              <a:solidFill>
-                <a:schemeClr val="dk1"/>
-              </a:solidFill>
-              <a:effectLst/>
-              <a:uFillTx/>
-              <a:latin typeface="Gill Sans MT"/>
-            </a:endParaRPr>
-          </a:p>
-          <a:p>
-            <a:pPr lvl="2" marL="1143000" indent="-228600" defTabSz="914400">
-              <a:lnSpc>
-                <a:spcPct val="120000"/>
-              </a:lnSpc>
-              <a:spcBef>
-                <a:spcPts val="499"/>
-              </a:spcBef>
-              <a:buClr>
-                <a:srgbClr val="4472c4"/>
-              </a:buClr>
-              <a:buFont typeface="Arial"/>
-              <a:buChar char="•"/>
-            </a:pPr>
-            <a:r>
-              <a:rPr b="0" lang="pt-BR" sz="1600" strike="noStrike" u="none">
-                <a:solidFill>
-                  <a:schemeClr val="dk1"/>
-                </a:solidFill>
-                <a:effectLst/>
-                <a:uFillTx/>
-                <a:latin typeface="Gill Sans MT"/>
-              </a:rPr>
-              <a:t>Terceiro nível</a:t>
-            </a:r>
-            <a:endParaRPr b="0" lang="en-US" sz="1600" strike="noStrike" u="none">
-              <a:solidFill>
-                <a:schemeClr val="dk1"/>
-              </a:solidFill>
-              <a:effectLst/>
-              <a:uFillTx/>
-              <a:latin typeface="Gill Sans MT"/>
-            </a:endParaRPr>
-          </a:p>
-          <a:p>
-            <a:pPr lvl="3" marL="1600200" indent="-228600" defTabSz="914400">
-              <a:lnSpc>
-                <a:spcPct val="120000"/>
-              </a:lnSpc>
-              <a:spcBef>
-                <a:spcPts val="499"/>
-              </a:spcBef>
-              <a:buClr>
-                <a:srgbClr val="4472c4"/>
-              </a:buClr>
-              <a:buFont typeface="Arial"/>
-              <a:buChar char="•"/>
-            </a:pPr>
-            <a:r>
-              <a:rPr b="0" lang="pt-BR" sz="1400" strike="noStrike" u="none">
-                <a:solidFill>
-                  <a:schemeClr val="dk1"/>
-                </a:solidFill>
-                <a:effectLst/>
-                <a:uFillTx/>
-                <a:latin typeface="Gill Sans MT"/>
-              </a:rPr>
-              <a:t>Quarto nível</a:t>
-            </a:r>
-            <a:endParaRPr b="0" lang="en-US" sz="1400" strike="noStrike" u="none">
-              <a:solidFill>
-                <a:schemeClr val="dk1"/>
-              </a:solidFill>
-              <a:effectLst/>
-              <a:uFillTx/>
-              <a:latin typeface="Gill Sans MT"/>
-            </a:endParaRPr>
-          </a:p>
-          <a:p>
-            <a:pPr lvl="4" marL="2057400" indent="-228600" defTabSz="914400">
-              <a:lnSpc>
-                <a:spcPct val="120000"/>
-              </a:lnSpc>
-              <a:spcBef>
-                <a:spcPts val="499"/>
-              </a:spcBef>
-              <a:buClr>
-                <a:srgbClr val="4472c4"/>
-              </a:buClr>
-              <a:buFont typeface="Arial"/>
-              <a:buChar char="•"/>
-            </a:pPr>
-            <a:r>
-              <a:rPr b="0" lang="pt-BR" sz="1200" strike="noStrike" u="none">
-                <a:solidFill>
-                  <a:schemeClr val="dk1"/>
-                </a:solidFill>
-                <a:effectLst/>
-                <a:uFillTx/>
-                <a:latin typeface="Gill Sans MT"/>
-              </a:rPr>
-              <a:t>Quinto nível</a:t>
-            </a:r>
-            <a:endParaRPr b="0" lang="en-US" sz="1200" strike="noStrike" u="none">
-              <a:solidFill>
-                <a:schemeClr val="dk1"/>
-              </a:solidFill>
-              <a:effectLst/>
-              <a:uFillTx/>
-              <a:latin typeface="Gill Sans MT"/>
-            </a:endParaRPr>
-          </a:p>
-        </p:txBody>
-      </p:sp>
-      <p:sp>
-        <p:nvSpPr>
-          <p:cNvPr id="61" name="PlaceHolder 4"/>
-          <p:cNvSpPr>
-            <a:spLocks noGrp="1"/>
-          </p:cNvSpPr>
-          <p:nvPr>
-            <p:ph type="body"/>
-          </p:nvPr>
-        </p:nvSpPr>
-        <p:spPr>
-          <a:xfrm>
-            <a:off x="6412320" y="2022840"/>
-            <a:ext cx="4644720" cy="801720"/>
-          </a:xfrm>
-          <a:prstGeom prst="rect">
-            <a:avLst/>
-          </a:prstGeom>
-          <a:noFill/>
-          <a:ln w="0">
-            <a:noFill/>
-          </a:ln>
-        </p:spPr>
-        <p:txBody>
-          <a:bodyPr lIns="91440" rIns="91440" tIns="45720" bIns="45720" anchor="b">
-            <a:normAutofit/>
-          </a:bodyPr>
-          <a:p>
-            <a:pPr indent="0" defTabSz="914400">
-              <a:lnSpc>
-                <a:spcPct val="100000"/>
-              </a:lnSpc>
-              <a:spcBef>
-                <a:spcPts val="1001"/>
-              </a:spcBef>
-              <a:buNone/>
-              <a:tabLst>
-                <a:tab algn="l" pos="0"/>
-              </a:tabLst>
-            </a:pPr>
-            <a:r>
-              <a:rPr b="0" lang="pt-BR" sz="2200" strike="noStrike" u="none" cap="all">
-                <a:solidFill>
-                  <a:schemeClr val="accent1"/>
-                </a:solidFill>
-                <a:effectLst/>
-                <a:uFillTx/>
-                <a:latin typeface="Gill Sans MT"/>
-              </a:rPr>
-              <a:t>Clique para editar os estilos de texto Mestres</a:t>
-            </a:r>
-            <a:endParaRPr b="0" lang="en-US" sz="2200" strike="noStrike" u="none">
-              <a:solidFill>
-                <a:schemeClr val="dk1"/>
-              </a:solidFill>
-              <a:effectLst/>
-              <a:uFillTx/>
-              <a:latin typeface="Gill Sans MT"/>
-            </a:endParaRPr>
-          </a:p>
-        </p:txBody>
-      </p:sp>
-      <p:sp>
-        <p:nvSpPr>
-          <p:cNvPr id="62" name="PlaceHolder 5"/>
-          <p:cNvSpPr>
-            <a:spLocks noGrp="1"/>
-          </p:cNvSpPr>
-          <p:nvPr>
-            <p:ph type="body"/>
-          </p:nvPr>
-        </p:nvSpPr>
-        <p:spPr>
-          <a:xfrm>
-            <a:off x="6412320" y="2821320"/>
-            <a:ext cx="4644720" cy="2637000"/>
-          </a:xfrm>
-          <a:prstGeom prst="rect">
-            <a:avLst/>
-          </a:prstGeom>
-          <a:noFill/>
-          <a:ln w="0">
-            <a:noFill/>
-          </a:ln>
-        </p:spPr>
-        <p:txBody>
-          <a:bodyPr lIns="91440" rIns="91440" tIns="45720" bIns="45720" anchor="t">
-            <a:noAutofit/>
-          </a:bodyPr>
-          <a:p>
-            <a:pPr marL="228600" indent="-228600" defTabSz="914400">
-              <a:lnSpc>
-                <a:spcPct val="120000"/>
-              </a:lnSpc>
-              <a:spcBef>
-                <a:spcPts val="1001"/>
-              </a:spcBef>
-              <a:buClr>
-                <a:srgbClr val="4472c4"/>
-              </a:buClr>
-              <a:buFont typeface="Arial"/>
-              <a:buChar char="•"/>
-            </a:pPr>
-            <a:r>
-              <a:rPr b="0" lang="pt-BR" sz="2000" strike="noStrike" u="none">
-                <a:solidFill>
-                  <a:schemeClr val="dk1"/>
-                </a:solidFill>
-                <a:effectLst/>
-                <a:uFillTx/>
-                <a:latin typeface="Gill Sans MT"/>
-              </a:rPr>
-              <a:t>Clique para editar os estilos de texto Mestres</a:t>
-            </a:r>
-            <a:endParaRPr b="0" lang="en-US" sz="2000" strike="noStrike" u="none">
-              <a:solidFill>
-                <a:schemeClr val="dk1"/>
-              </a:solidFill>
-              <a:effectLst/>
-              <a:uFillTx/>
-              <a:latin typeface="Gill Sans MT"/>
-            </a:endParaRPr>
-          </a:p>
-          <a:p>
-            <a:pPr lvl="1" marL="685800" indent="-228600" defTabSz="914400">
-              <a:lnSpc>
-                <a:spcPct val="120000"/>
-              </a:lnSpc>
-              <a:spcBef>
-                <a:spcPts val="499"/>
-              </a:spcBef>
-              <a:buClr>
-                <a:srgbClr val="4472c4"/>
-              </a:buClr>
-              <a:buFont typeface="Arial"/>
-              <a:buChar char="•"/>
-            </a:pPr>
-            <a:r>
-              <a:rPr b="0" lang="pt-BR" sz="1800" strike="noStrike" u="none">
-                <a:solidFill>
-                  <a:schemeClr val="dk1"/>
-                </a:solidFill>
-                <a:effectLst/>
-                <a:uFillTx/>
-                <a:latin typeface="Gill Sans MT"/>
-              </a:rPr>
-              <a:t>Segundo nível</a:t>
-            </a:r>
-            <a:endParaRPr b="0" lang="en-US" sz="1800" strike="noStrike" u="none">
-              <a:solidFill>
-                <a:schemeClr val="dk1"/>
-              </a:solidFill>
-              <a:effectLst/>
-              <a:uFillTx/>
-              <a:latin typeface="Gill Sans MT"/>
-            </a:endParaRPr>
-          </a:p>
-          <a:p>
-            <a:pPr lvl="2" marL="1143000" indent="-228600" defTabSz="914400">
-              <a:lnSpc>
-                <a:spcPct val="120000"/>
-              </a:lnSpc>
-              <a:spcBef>
-                <a:spcPts val="499"/>
-              </a:spcBef>
-              <a:buClr>
-                <a:srgbClr val="4472c4"/>
-              </a:buClr>
-              <a:buFont typeface="Arial"/>
-              <a:buChar char="•"/>
-            </a:pPr>
-            <a:r>
-              <a:rPr b="0" lang="pt-BR" sz="1600" strike="noStrike" u="none">
-                <a:solidFill>
-                  <a:schemeClr val="dk1"/>
-                </a:solidFill>
-                <a:effectLst/>
-                <a:uFillTx/>
-                <a:latin typeface="Gill Sans MT"/>
-              </a:rPr>
-              <a:t>Terceiro nível</a:t>
-            </a:r>
-            <a:endParaRPr b="0" lang="en-US" sz="1600" strike="noStrike" u="none">
-              <a:solidFill>
-                <a:schemeClr val="dk1"/>
-              </a:solidFill>
-              <a:effectLst/>
-              <a:uFillTx/>
-              <a:latin typeface="Gill Sans MT"/>
-            </a:endParaRPr>
-          </a:p>
-          <a:p>
-            <a:pPr lvl="3" marL="1600200" indent="-228600" defTabSz="914400">
-              <a:lnSpc>
-                <a:spcPct val="120000"/>
-              </a:lnSpc>
-              <a:spcBef>
-                <a:spcPts val="499"/>
-              </a:spcBef>
-              <a:buClr>
-                <a:srgbClr val="4472c4"/>
-              </a:buClr>
-              <a:buFont typeface="Arial"/>
-              <a:buChar char="•"/>
-            </a:pPr>
-            <a:r>
-              <a:rPr b="0" lang="pt-BR" sz="1400" strike="noStrike" u="none">
-                <a:solidFill>
-                  <a:schemeClr val="dk1"/>
-                </a:solidFill>
-                <a:effectLst/>
-                <a:uFillTx/>
-                <a:latin typeface="Gill Sans MT"/>
-              </a:rPr>
-              <a:t>Quarto nível</a:t>
-            </a:r>
-            <a:endParaRPr b="0" lang="en-US" sz="1400" strike="noStrike" u="none">
-              <a:solidFill>
-                <a:schemeClr val="dk1"/>
-              </a:solidFill>
-              <a:effectLst/>
-              <a:uFillTx/>
-              <a:latin typeface="Gill Sans MT"/>
-            </a:endParaRPr>
-          </a:p>
-          <a:p>
-            <a:pPr lvl="4" marL="2057400" indent="-228600" defTabSz="914400">
-              <a:lnSpc>
-                <a:spcPct val="120000"/>
-              </a:lnSpc>
-              <a:spcBef>
-                <a:spcPts val="499"/>
-              </a:spcBef>
-              <a:buClr>
-                <a:srgbClr val="4472c4"/>
-              </a:buClr>
-              <a:buFont typeface="Arial"/>
-              <a:buChar char="•"/>
-            </a:pPr>
-            <a:r>
-              <a:rPr b="0" lang="pt-BR" sz="1200" strike="noStrike" u="none">
-                <a:solidFill>
-                  <a:schemeClr val="dk1"/>
-                </a:solidFill>
-                <a:effectLst/>
-                <a:uFillTx/>
-                <a:latin typeface="Gill Sans MT"/>
-              </a:rPr>
-              <a:t>Quinto nível</a:t>
-            </a:r>
-            <a:endParaRPr b="0" lang="en-US" sz="1200" strike="noStrike" u="none">
-              <a:solidFill>
-                <a:schemeClr val="dk1"/>
-              </a:solidFill>
-              <a:effectLst/>
-              <a:uFillTx/>
-              <a:latin typeface="Gill Sans MT"/>
-            </a:endParaRPr>
-          </a:p>
-        </p:txBody>
-      </p:sp>
-      <p:sp>
-        <p:nvSpPr>
-          <p:cNvPr id="63" name="PlaceHolder 6"/>
+          <p:cNvPr id="63" name="PlaceHolder 3"/>
           <p:cNvSpPr>
             <a:spLocks noGrp="1"/>
           </p:cNvSpPr>
@@ -6076,7 +6416,7 @@
         <p:spPr>
           <a:xfrm>
             <a:off x="7554240" y="330480"/>
-            <a:ext cx="3500280" cy="308880"/>
+            <a:ext cx="3499920" cy="308520"/>
           </a:xfrm>
           <a:prstGeom prst="rect">
             <a:avLst/>
@@ -6096,6 +6436,9 @@
                 <a:spcPct val="100000"/>
               </a:lnSpc>
               <a:buNone/>
+              <a:tabLst>
+                <a:tab algn="l" pos="0"/>
+              </a:tabLst>
               <a:defRPr b="0" lang="pt-BR" sz="1000" strike="noStrike" u="none">
                 <a:solidFill>
                   <a:schemeClr val="dk1">
@@ -6114,6 +6457,9 @@
                 <a:spcPct val="100000"/>
               </a:lnSpc>
               <a:buNone/>
+              <a:tabLst>
+                <a:tab algn="l" pos="0"/>
+              </a:tabLst>
             </a:pPr>
             <a:r>
               <a:rPr b="0" lang="pt-BR" sz="1000" strike="noStrike" u="none">
@@ -6141,7 +6487,7 @@
       </p:sp>
       <p:sp>
         <p:nvSpPr>
-          <p:cNvPr id="64" name="PlaceHolder 7"/>
+          <p:cNvPr id="64" name="PlaceHolder 4"/>
           <p:cNvSpPr>
             <a:spLocks noGrp="1"/>
           </p:cNvSpPr>
@@ -6152,7 +6498,7 @@
         <p:spPr>
           <a:xfrm>
             <a:off x="1451520" y="329400"/>
-            <a:ext cx="5938560" cy="308880"/>
+            <a:ext cx="5938200" cy="308520"/>
           </a:xfrm>
           <a:prstGeom prst="rect">
             <a:avLst/>
@@ -6168,7 +6514,13 @@
           </a:bodyPr>
           <a:lstStyle>
             <a:lvl1pPr indent="0" algn="ctr">
+              <a:lnSpc>
+                <a:spcPct val="100000"/>
+              </a:lnSpc>
               <a:buNone/>
+              <a:tabLst>
+                <a:tab algn="l" pos="0"/>
+              </a:tabLst>
               <a:defRPr b="0" lang="pt-BR" sz="1400" strike="noStrike" u="none">
                 <a:solidFill>
                   <a:srgbClr val="000000"/>
@@ -6181,7 +6533,13 @@
           </a:lstStyle>
           <a:p>
             <a:pPr indent="0" algn="ctr">
+              <a:lnSpc>
+                <a:spcPct val="100000"/>
+              </a:lnSpc>
               <a:buNone/>
+              <a:tabLst>
+                <a:tab algn="l" pos="0"/>
+              </a:tabLst>
             </a:pPr>
             <a:r>
               <a:rPr b="0" lang="pt-BR" sz="1400" strike="noStrike" u="none">
@@ -6207,7 +6565,7 @@
       </p:sp>
       <p:sp>
         <p:nvSpPr>
-          <p:cNvPr id="65" name="PlaceHolder 8"/>
+          <p:cNvPr id="65" name="PlaceHolder 5"/>
           <p:cNvSpPr>
             <a:spLocks noGrp="1"/>
           </p:cNvSpPr>
@@ -6218,7 +6576,7 @@
         <p:spPr>
           <a:xfrm>
             <a:off x="480240" y="798840"/>
-            <a:ext cx="810720" cy="503280"/>
+            <a:ext cx="810360" cy="502920"/>
           </a:xfrm>
           <a:prstGeom prst="rect">
             <a:avLst/>
@@ -6238,6 +6596,9 @@
                 <a:spcPct val="100000"/>
               </a:lnSpc>
               <a:buNone/>
+              <a:tabLst>
+                <a:tab algn="l" pos="0"/>
+              </a:tabLst>
               <a:defRPr b="0" lang="pt-BR" sz="2800" strike="noStrike" u="none">
                 <a:solidFill>
                   <a:schemeClr val="accent1"/>
@@ -6254,8 +6615,11 @@
                 <a:spcPct val="100000"/>
               </a:lnSpc>
               <a:buNone/>
-            </a:pPr>
-            <a:fld id="{15B40025-F010-4D43-94E7-6158502B49A7}" type="slidenum">
+              <a:tabLst>
+                <a:tab algn="l" pos="0"/>
+              </a:tabLst>
+            </a:pPr>
+            <a:fld id="{0B8C00E8-8714-44B3-8EC9-D56B411EB570}" type="slidenum">
               <a:rPr b="0" lang="pt-BR" sz="2800" strike="noStrike" u="none">
                 <a:solidFill>
                   <a:schemeClr val="accent1"/>
@@ -6279,14 +6643,14 @@
       </p:sp>
       <p:cxnSp>
         <p:nvCxnSpPr>
-          <p:cNvPr id="66" name="Straight Connector 28"/>
+          <p:cNvPr id="66" name="Straight Connector 32"/>
           <p:cNvCxnSpPr/>
           <p:nvPr/>
         </p:nvCxnSpPr>
         <p:spPr>
           <a:xfrm>
             <a:off x="1453680" y="1846800"/>
-            <a:ext cx="9608040" cy="360"/>
+            <a:ext cx="9608400" cy="720"/>
           </a:xfrm>
           <a:prstGeom prst="straightConnector1">
             <a:avLst/>
@@ -6305,8 +6669,8 @@
 </file>
 
 <file path=ppt/slideLayouts/slideLayout8.xml><?xml version="1.0" encoding="utf-8"?>
-<p:sldLayout xmlns:a="http://schemas.openxmlformats.org/drawingml/2006/main" xmlns:p="http://schemas.openxmlformats.org/presentationml/2006/main" xmlns:r="http://schemas.openxmlformats.org/officeDocument/2006/relationships" xmlns:p14="http://schemas.microsoft.com/office/powerpoint/2010/main" xmlns:p15="http://schemas.microsoft.com/office/powerpoint/2012/main" xmlns:mc="http://schemas.openxmlformats.org/markup-compatibility/2006" type="titleOnly" preserve="1">
-  <p:cSld name="Somente Título">
+<p:sldLayout xmlns:a="http://schemas.openxmlformats.org/drawingml/2006/main" xmlns:p="http://schemas.openxmlformats.org/presentationml/2006/main" xmlns:r="http://schemas.openxmlformats.org/officeDocument/2006/relationships" xmlns:p14="http://schemas.microsoft.com/office/powerpoint/2010/main" xmlns:p15="http://schemas.microsoft.com/office/powerpoint/2012/main" xmlns:mc="http://schemas.openxmlformats.org/markup-compatibility/2006" type="blank" preserve="1">
+  <p:cSld name="Cabeçalho da Seção">
     <p:bg>
       <p:bgPr>
         <a:solidFill>
@@ -6337,7 +6701,7 @@
         <p:spPr>
           <a:xfrm>
             <a:off x="0" y="2019600"/>
-            <a:ext cx="12191760" cy="4105440"/>
+            <a:ext cx="12191400" cy="4105080"/>
           </a:xfrm>
           <a:prstGeom prst="rect">
             <a:avLst/>
@@ -6378,6 +6742,11 @@
             <a:noAutofit/>
           </a:bodyPr>
           <a:p>
+            <a:pPr>
+              <a:lnSpc>
+                <a:spcPct val="100000"/>
+              </a:lnSpc>
+            </a:pPr>
             <a:endParaRPr b="0" lang="pt-BR" sz="1800" strike="noStrike" u="none">
               <a:solidFill>
                 <a:srgbClr val="000000"/>
@@ -6403,7 +6772,7 @@
         <p:spPr>
           <a:xfrm>
             <a:off x="0" y="6126480"/>
-            <a:ext cx="12191760" cy="742680"/>
+            <a:ext cx="12191400" cy="742320"/>
           </a:xfrm>
           <a:prstGeom prst="rect">
             <a:avLst/>
@@ -6423,7 +6792,7 @@
         <p:spPr>
           <a:xfrm>
             <a:off x="0" y="6128280"/>
-            <a:ext cx="12192120" cy="360"/>
+            <a:ext cx="12192480" cy="720"/>
           </a:xfrm>
           <a:prstGeom prst="straightConnector1">
             <a:avLst/>
@@ -6450,8 +6819,8 @@
         </p:nvSpPr>
         <p:spPr>
           <a:xfrm>
-            <a:off x="1451520" y="804600"/>
-            <a:ext cx="9603000" cy="1049040"/>
+            <a:off x="1454400" y="1756080"/>
+            <a:ext cx="8642520" cy="1887120"/>
           </a:xfrm>
           <a:prstGeom prst="rect">
             <a:avLst/>
@@ -6462,8 +6831,8 @@
           </a:ln>
         </p:spPr>
         <p:txBody>
-          <a:bodyPr lIns="91440" rIns="91440" tIns="45720" bIns="45720" anchor="t">
-            <a:noAutofit/>
+          <a:bodyPr lIns="91440" rIns="91440" tIns="45720" bIns="45720" anchor="b">
+            <a:normAutofit/>
           </a:bodyPr>
           <a:p>
             <a:pPr indent="0" defTabSz="914400">
@@ -6471,9 +6840,12 @@
                 <a:spcPct val="90000"/>
               </a:lnSpc>
               <a:buNone/>
-            </a:pPr>
-            <a:r>
-              <a:rPr b="0" lang="pt-BR" sz="3200" strike="noStrike" u="none" cap="all">
+              <a:tabLst>
+                <a:tab algn="l" pos="0"/>
+              </a:tabLst>
+            </a:pPr>
+            <a:r>
+              <a:rPr b="0" lang="pt-BR" sz="3600" strike="noStrike" u="none" cap="all">
                 <a:solidFill>
                   <a:schemeClr val="dk1"/>
                 </a:solidFill>
@@ -6483,13 +6855,13 @@
               </a:rPr>
               <a:t>Clique para editar o título Mestre</a:t>
             </a:r>
-            <a:endParaRPr b="0" lang="en-US" sz="3200" strike="noStrike" u="none">
-              <a:solidFill>
-                <a:schemeClr val="dk1"/>
-              </a:solidFill>
-              <a:effectLst/>
-              <a:uFillTx/>
-              <a:latin typeface="Gill Sans MT"/>
+            <a:endParaRPr b="0" lang="pt-BR" sz="3600" strike="noStrike" u="none">
+              <a:solidFill>
+                <a:srgbClr val="000000"/>
+              </a:solidFill>
+              <a:effectLst/>
+              <a:uFillTx/>
+              <a:latin typeface="Arial"/>
             </a:endParaRPr>
           </a:p>
         </p:txBody>
@@ -6501,13 +6873,13 @@
             <a:spLocks noGrp="1"/>
           </p:cNvSpPr>
           <p:nvPr>
-            <p:ph type="dt" idx="22"/>
+            <p:ph type="body"/>
           </p:nvPr>
         </p:nvSpPr>
         <p:spPr>
           <a:xfrm>
-            <a:off x="7554240" y="330480"/>
-            <a:ext cx="3500280" cy="308880"/>
+            <a:off x="1454400" y="3806280"/>
+            <a:ext cx="8629560" cy="1012320"/>
           </a:xfrm>
           <a:prstGeom prst="rect">
             <a:avLst/>
@@ -6518,54 +6890,40 @@
           </a:ln>
         </p:spPr>
         <p:txBody>
-          <a:bodyPr lIns="91440" rIns="91440" tIns="45720" bIns="45720" anchor="ctr">
-            <a:noAutofit/>
+          <a:bodyPr lIns="91440" rIns="91440" tIns="91440" bIns="45720" anchor="t">
+            <a:normAutofit/>
           </a:bodyPr>
-          <a:lstStyle>
-            <a:lvl1pPr indent="0" algn="r" defTabSz="457200">
-              <a:lnSpc>
-                <a:spcPct val="100000"/>
-              </a:lnSpc>
+          <a:p>
+            <a:pPr indent="0" defTabSz="914400">
+              <a:lnSpc>
+                <a:spcPct val="120000"/>
+              </a:lnSpc>
+              <a:spcBef>
+                <a:spcPts val="1001"/>
+              </a:spcBef>
               <a:buNone/>
-              <a:defRPr b="0" lang="pt-BR" sz="1000" strike="noStrike" u="none">
-                <a:solidFill>
-                  <a:schemeClr val="dk1">
-                    <a:tint val="75000"/>
-                  </a:schemeClr>
-                </a:solidFill>
-                <a:effectLst/>
-                <a:uFillTx/>
-                <a:latin typeface="Gill Sans MT"/>
-              </a:defRPr>
-            </a:lvl1pPr>
-          </a:lstStyle>
-          <a:p>
-            <a:pPr indent="0" algn="r" defTabSz="457200">
-              <a:lnSpc>
-                <a:spcPct val="100000"/>
-              </a:lnSpc>
-              <a:buNone/>
-            </a:pPr>
-            <a:r>
-              <a:rPr b="0" lang="pt-BR" sz="1000" strike="noStrike" u="none">
-                <a:solidFill>
-                  <a:schemeClr val="dk1">
-                    <a:tint val="75000"/>
-                  </a:schemeClr>
-                </a:solidFill>
-                <a:effectLst/>
-                <a:uFillTx/>
-                <a:latin typeface="Gill Sans MT"/>
-              </a:rPr>
-              <a:t>&lt;data/hora&gt;</a:t>
-            </a:r>
-            <a:endParaRPr b="0" lang="pt-BR" sz="1000" strike="noStrike" u="none">
-              <a:solidFill>
-                <a:srgbClr val="000000"/>
-              </a:solidFill>
-              <a:effectLst/>
-              <a:uFillTx/>
-              <a:latin typeface="Times New Roman"/>
+              <a:tabLst>
+                <a:tab algn="l" pos="0"/>
+              </a:tabLst>
+            </a:pPr>
+            <a:r>
+              <a:rPr b="0" lang="pt-BR" sz="1800" strike="noStrike" u="none">
+                <a:solidFill>
+                  <a:schemeClr val="dk1"/>
+                </a:solidFill>
+                <a:effectLst/>
+                <a:uFillTx/>
+                <a:latin typeface="Gill Sans MT"/>
+              </a:rPr>
+              <a:t>Clique para editar os estilos de texto Mestres</a:t>
+            </a:r>
+            <a:endParaRPr b="0" lang="pt-BR" sz="1800" strike="noStrike" u="none">
+              <a:solidFill>
+                <a:srgbClr val="000000"/>
+              </a:solidFill>
+              <a:effectLst/>
+              <a:uFillTx/>
+              <a:latin typeface="Arial"/>
             </a:endParaRPr>
           </a:p>
         </p:txBody>
@@ -6577,13 +6935,13 @@
             <a:spLocks noGrp="1"/>
           </p:cNvSpPr>
           <p:nvPr>
-            <p:ph type="ftr" idx="23"/>
+            <p:ph type="dt" idx="22"/>
           </p:nvPr>
         </p:nvSpPr>
         <p:spPr>
           <a:xfrm>
-            <a:off x="1451520" y="329400"/>
-            <a:ext cx="5938560" cy="308880"/>
+            <a:off x="7554240" y="330480"/>
+            <a:ext cx="3499920" cy="308520"/>
           </a:xfrm>
           <a:prstGeom prst="rect">
             <a:avLst/>
@@ -6598,34 +6956,50 @@
             <a:noAutofit/>
           </a:bodyPr>
           <a:lstStyle>
-            <a:lvl1pPr indent="0" algn="ctr">
+            <a:lvl1pPr indent="0" algn="r" defTabSz="457200">
+              <a:lnSpc>
+                <a:spcPct val="100000"/>
+              </a:lnSpc>
               <a:buNone/>
-              <a:defRPr b="0" lang="pt-BR" sz="1400" strike="noStrike" u="none">
-                <a:solidFill>
-                  <a:srgbClr val="000000"/>
-                </a:solidFill>
-                <a:effectLst/>
-                <a:uFillTx/>
-                <a:latin typeface="Times New Roman"/>
+              <a:tabLst>
+                <a:tab algn="l" pos="0"/>
+              </a:tabLst>
+              <a:defRPr b="0" lang="pt-BR" sz="1000" strike="noStrike" u="none">
+                <a:solidFill>
+                  <a:schemeClr val="dk1">
+                    <a:tint val="75000"/>
+                  </a:schemeClr>
+                </a:solidFill>
+                <a:effectLst/>
+                <a:uFillTx/>
+                <a:latin typeface="Gill Sans MT"/>
               </a:defRPr>
             </a:lvl1pPr>
           </a:lstStyle>
           <a:p>
-            <a:pPr indent="0" algn="ctr">
+            <a:pPr indent="0" algn="r" defTabSz="457200">
+              <a:lnSpc>
+                <a:spcPct val="100000"/>
+              </a:lnSpc>
               <a:buNone/>
-            </a:pPr>
-            <a:r>
-              <a:rPr b="0" lang="pt-BR" sz="1400" strike="noStrike" u="none">
-                <a:solidFill>
-                  <a:srgbClr val="000000"/>
-                </a:solidFill>
-                <a:effectLst/>
-                <a:uFillTx/>
-                <a:latin typeface="Times New Roman"/>
-              </a:rPr>
-              <a:t>&lt;rodapé&gt;</a:t>
-            </a:r>
-            <a:endParaRPr b="0" lang="pt-BR" sz="1400" strike="noStrike" u="none">
+              <a:tabLst>
+                <a:tab algn="l" pos="0"/>
+              </a:tabLst>
+            </a:pPr>
+            <a:r>
+              <a:rPr b="0" lang="pt-BR" sz="1000" strike="noStrike" u="none">
+                <a:solidFill>
+                  <a:schemeClr val="dk1">
+                    <a:tint val="75000"/>
+                  </a:schemeClr>
+                </a:solidFill>
+                <a:effectLst/>
+                <a:uFillTx/>
+                <a:latin typeface="Gill Sans MT"/>
+              </a:rPr>
+              <a:t>&lt;data/hora&gt;</a:t>
+            </a:r>
+            <a:endParaRPr b="0" lang="pt-BR" sz="1000" strike="noStrike" u="none">
               <a:solidFill>
                 <a:srgbClr val="000000"/>
               </a:solidFill>
@@ -6643,13 +7017,91 @@
             <a:spLocks noGrp="1"/>
           </p:cNvSpPr>
           <p:nvPr>
+            <p:ph type="ftr" idx="23"/>
+          </p:nvPr>
+        </p:nvSpPr>
+        <p:spPr>
+          <a:xfrm>
+            <a:off x="1451520" y="329400"/>
+            <a:ext cx="5938200" cy="308520"/>
+          </a:xfrm>
+          <a:prstGeom prst="rect">
+            <a:avLst/>
+          </a:prstGeom>
+          <a:noFill/>
+          <a:ln w="0">
+            <a:noFill/>
+          </a:ln>
+        </p:spPr>
+        <p:txBody>
+          <a:bodyPr lIns="91440" rIns="91440" tIns="45720" bIns="45720" anchor="ctr">
+            <a:noAutofit/>
+          </a:bodyPr>
+          <a:lstStyle>
+            <a:lvl1pPr indent="0" algn="ctr">
+              <a:lnSpc>
+                <a:spcPct val="100000"/>
+              </a:lnSpc>
+              <a:buNone/>
+              <a:tabLst>
+                <a:tab algn="l" pos="0"/>
+              </a:tabLst>
+              <a:defRPr b="0" lang="pt-BR" sz="1400" strike="noStrike" u="none">
+                <a:solidFill>
+                  <a:srgbClr val="000000"/>
+                </a:solidFill>
+                <a:effectLst/>
+                <a:uFillTx/>
+                <a:latin typeface="Times New Roman"/>
+              </a:defRPr>
+            </a:lvl1pPr>
+          </a:lstStyle>
+          <a:p>
+            <a:pPr indent="0" algn="ctr">
+              <a:lnSpc>
+                <a:spcPct val="100000"/>
+              </a:lnSpc>
+              <a:buNone/>
+              <a:tabLst>
+                <a:tab algn="l" pos="0"/>
+              </a:tabLst>
+            </a:pPr>
+            <a:r>
+              <a:rPr b="0" lang="pt-BR" sz="1400" strike="noStrike" u="none">
+                <a:solidFill>
+                  <a:srgbClr val="000000"/>
+                </a:solidFill>
+                <a:effectLst/>
+                <a:uFillTx/>
+                <a:latin typeface="Times New Roman"/>
+              </a:rPr>
+              <a:t>&lt;rodapé&gt;</a:t>
+            </a:r>
+            <a:endParaRPr b="0" lang="pt-BR" sz="1400" strike="noStrike" u="none">
+              <a:solidFill>
+                <a:srgbClr val="000000"/>
+              </a:solidFill>
+              <a:effectLst/>
+              <a:uFillTx/>
+              <a:latin typeface="Times New Roman"/>
+            </a:endParaRPr>
+          </a:p>
+        </p:txBody>
+      </p:sp>
+      <p:sp>
+        <p:nvSpPr>
+          <p:cNvPr id="74" name="PlaceHolder 5"/>
+          <p:cNvSpPr>
+            <a:spLocks noGrp="1"/>
+          </p:cNvSpPr>
+          <p:nvPr>
             <p:ph type="sldNum" idx="24"/>
           </p:nvPr>
         </p:nvSpPr>
         <p:spPr>
           <a:xfrm>
             <a:off x="480240" y="798840"/>
-            <a:ext cx="810720" cy="503280"/>
+            <a:ext cx="810360" cy="502920"/>
           </a:xfrm>
           <a:prstGeom prst="rect">
             <a:avLst/>
@@ -6669,6 +7121,9 @@
                 <a:spcPct val="100000"/>
               </a:lnSpc>
               <a:buNone/>
+              <a:tabLst>
+                <a:tab algn="l" pos="0"/>
+              </a:tabLst>
               <a:defRPr b="0" lang="pt-BR" sz="2800" strike="noStrike" u="none">
                 <a:solidFill>
                   <a:schemeClr val="accent1"/>
@@ -6685,8 +7140,11 @@
                 <a:spcPct val="100000"/>
               </a:lnSpc>
               <a:buNone/>
-            </a:pPr>
-            <a:fld id="{C08A8834-1FBA-42A5-B270-ECBF4DF0E287}" type="slidenum">
+              <a:tabLst>
+                <a:tab algn="l" pos="0"/>
+              </a:tabLst>
+            </a:pPr>
+            <a:fld id="{121783A1-FED6-4C80-84D3-005B5D1BFECE}" type="slidenum">
               <a:rPr b="0" lang="pt-BR" sz="2800" strike="noStrike" u="none">
                 <a:solidFill>
                   <a:schemeClr val="accent1"/>
@@ -6710,14 +7168,14 @@
       </p:sp>
       <p:cxnSp>
         <p:nvCxnSpPr>
-          <p:cNvPr id="74" name="Straight Connector 24"/>
+          <p:cNvPr id="75" name="Straight Connector 14"/>
           <p:cNvCxnSpPr/>
           <p:nvPr/>
         </p:nvCxnSpPr>
         <p:spPr>
           <a:xfrm>
-            <a:off x="1453680" y="1846800"/>
-            <a:ext cx="9608040" cy="360"/>
+            <a:off x="1454040" y="3804840"/>
+            <a:ext cx="8631360" cy="720"/>
           </a:xfrm>
           <a:prstGeom prst="straightConnector1">
             <a:avLst/>
@@ -6730,288 +7188,14 @@
           </a:ln>
         </p:spPr>
       </p:cxnSp>
-      <p:sp>
-        <p:nvSpPr>
-          <p:cNvPr id="75" name="PlaceHolder 5"/>
-          <p:cNvSpPr>
-            <a:spLocks noGrp="1"/>
-          </p:cNvSpPr>
-          <p:nvPr>
-            <p:ph type="body"/>
-          </p:nvPr>
-        </p:nvSpPr>
-        <p:spPr>
-          <a:xfrm>
-            <a:off x="609480" y="1604520"/>
-            <a:ext cx="10972440" cy="3977280"/>
-          </a:xfrm>
-          <a:prstGeom prst="rect">
-            <a:avLst/>
-          </a:prstGeom>
-          <a:noFill/>
-          <a:ln w="0">
-            <a:noFill/>
-          </a:ln>
-        </p:spPr>
-        <p:txBody>
-          <a:bodyPr lIns="0" rIns="0" tIns="0" bIns="0" anchor="t">
-            <a:normAutofit/>
-          </a:bodyPr>
-          <a:p>
-            <a:pPr marL="432000" indent="-324000">
-              <a:lnSpc>
-                <a:spcPct val="120000"/>
-              </a:lnSpc>
-              <a:spcBef>
-                <a:spcPts val="1417"/>
-              </a:spcBef>
-              <a:buClr>
-                <a:srgbClr val="000000"/>
-              </a:buClr>
-              <a:buSzPct val="45000"/>
-              <a:buFont typeface="Wingdings" charset="2"/>
-              <a:buChar char=""/>
-            </a:pPr>
-            <a:r>
-              <a:rPr b="0" lang="en-US" sz="2000" strike="noStrike" u="none">
-                <a:solidFill>
-                  <a:schemeClr val="dk1"/>
-                </a:solidFill>
-                <a:effectLst/>
-                <a:uFillTx/>
-                <a:latin typeface="Gill Sans MT"/>
-              </a:rPr>
-              <a:t>Clique para editar o formato de texto dos tópicos</a:t>
-            </a:r>
-            <a:endParaRPr b="0" lang="en-US" sz="2000" strike="noStrike" u="none">
-              <a:solidFill>
-                <a:schemeClr val="dk1"/>
-              </a:solidFill>
-              <a:effectLst/>
-              <a:uFillTx/>
-              <a:latin typeface="Gill Sans MT"/>
-            </a:endParaRPr>
-          </a:p>
-          <a:p>
-            <a:pPr lvl="1" marL="864000" indent="-324000">
-              <a:lnSpc>
-                <a:spcPct val="120000"/>
-              </a:lnSpc>
-              <a:spcBef>
-                <a:spcPts val="1134"/>
-              </a:spcBef>
-              <a:buClr>
-                <a:srgbClr val="000000"/>
-              </a:buClr>
-              <a:buSzPct val="75000"/>
-              <a:buFont typeface="Symbol" charset="2"/>
-              <a:buChar char=""/>
-            </a:pPr>
-            <a:r>
-              <a:rPr b="0" lang="en-US" sz="1600" strike="noStrike" u="none">
-                <a:solidFill>
-                  <a:schemeClr val="dk1"/>
-                </a:solidFill>
-                <a:effectLst/>
-                <a:uFillTx/>
-                <a:latin typeface="Gill Sans MT"/>
-              </a:rPr>
-              <a:t>2.º nível de tópicos</a:t>
-            </a:r>
-            <a:endParaRPr b="0" lang="en-US" sz="1600" strike="noStrike" u="none">
-              <a:solidFill>
-                <a:schemeClr val="dk1"/>
-              </a:solidFill>
-              <a:effectLst/>
-              <a:uFillTx/>
-              <a:latin typeface="Gill Sans MT"/>
-            </a:endParaRPr>
-          </a:p>
-          <a:p>
-            <a:pPr lvl="2" marL="1296000" indent="-288000">
-              <a:lnSpc>
-                <a:spcPct val="120000"/>
-              </a:lnSpc>
-              <a:spcBef>
-                <a:spcPts val="850"/>
-              </a:spcBef>
-              <a:buClr>
-                <a:srgbClr val="000000"/>
-              </a:buClr>
-              <a:buSzPct val="45000"/>
-              <a:buFont typeface="Wingdings" charset="2"/>
-              <a:buChar char=""/>
-            </a:pPr>
-            <a:r>
-              <a:rPr b="0" lang="en-US" sz="1400" strike="noStrike" u="none">
-                <a:solidFill>
-                  <a:schemeClr val="dk1"/>
-                </a:solidFill>
-                <a:effectLst/>
-                <a:uFillTx/>
-                <a:latin typeface="Gill Sans MT"/>
-              </a:rPr>
-              <a:t>3.º nível de tópicos</a:t>
-            </a:r>
-            <a:endParaRPr b="0" lang="en-US" sz="1400" strike="noStrike" u="none">
-              <a:solidFill>
-                <a:schemeClr val="dk1"/>
-              </a:solidFill>
-              <a:effectLst/>
-              <a:uFillTx/>
-              <a:latin typeface="Gill Sans MT"/>
-            </a:endParaRPr>
-          </a:p>
-          <a:p>
-            <a:pPr lvl="3" marL="1728000" indent="-216000">
-              <a:lnSpc>
-                <a:spcPct val="120000"/>
-              </a:lnSpc>
-              <a:spcBef>
-                <a:spcPts val="567"/>
-              </a:spcBef>
-              <a:buClr>
-                <a:srgbClr val="000000"/>
-              </a:buClr>
-              <a:buSzPct val="75000"/>
-              <a:buFont typeface="Symbol" charset="2"/>
-              <a:buChar char=""/>
-            </a:pPr>
-            <a:r>
-              <a:rPr b="0" lang="en-US" sz="1200" strike="noStrike" u="none">
-                <a:solidFill>
-                  <a:schemeClr val="dk1"/>
-                </a:solidFill>
-                <a:effectLst/>
-                <a:uFillTx/>
-                <a:latin typeface="Gill Sans MT"/>
-              </a:rPr>
-              <a:t>4.º nível de tópicos</a:t>
-            </a:r>
-            <a:endParaRPr b="0" lang="en-US" sz="1200" strike="noStrike" u="none">
-              <a:solidFill>
-                <a:schemeClr val="dk1"/>
-              </a:solidFill>
-              <a:effectLst/>
-              <a:uFillTx/>
-              <a:latin typeface="Gill Sans MT"/>
-            </a:endParaRPr>
-          </a:p>
-          <a:p>
-            <a:pPr lvl="4" marL="2160000" indent="-216000">
-              <a:lnSpc>
-                <a:spcPct val="120000"/>
-              </a:lnSpc>
-              <a:spcBef>
-                <a:spcPts val="283"/>
-              </a:spcBef>
-              <a:buClr>
-                <a:srgbClr val="000000"/>
-              </a:buClr>
-              <a:buSzPct val="45000"/>
-              <a:buFont typeface="Wingdings" charset="2"/>
-              <a:buChar char=""/>
-            </a:pPr>
-            <a:r>
-              <a:rPr b="0" lang="en-US" sz="2000" strike="noStrike" u="none">
-                <a:solidFill>
-                  <a:schemeClr val="dk1"/>
-                </a:solidFill>
-                <a:effectLst/>
-                <a:uFillTx/>
-                <a:latin typeface="Gill Sans MT"/>
-              </a:rPr>
-              <a:t>5.º nível de tópicos</a:t>
-            </a:r>
-            <a:endParaRPr b="0" lang="en-US" sz="2000" strike="noStrike" u="none">
-              <a:solidFill>
-                <a:schemeClr val="dk1"/>
-              </a:solidFill>
-              <a:effectLst/>
-              <a:uFillTx/>
-              <a:latin typeface="Gill Sans MT"/>
-            </a:endParaRPr>
-          </a:p>
-          <a:p>
-            <a:pPr lvl="5" marL="2592000" indent="-216000">
-              <a:lnSpc>
-                <a:spcPct val="120000"/>
-              </a:lnSpc>
-              <a:spcBef>
-                <a:spcPts val="283"/>
-              </a:spcBef>
-              <a:buClr>
-                <a:srgbClr val="000000"/>
-              </a:buClr>
-              <a:buSzPct val="45000"/>
-              <a:buFont typeface="Wingdings" charset="2"/>
-              <a:buChar char=""/>
-            </a:pPr>
-            <a:r>
-              <a:rPr b="0" lang="en-US" sz="2000" strike="noStrike" u="none">
-                <a:solidFill>
-                  <a:schemeClr val="dk1"/>
-                </a:solidFill>
-                <a:effectLst/>
-                <a:uFillTx/>
-                <a:latin typeface="Gill Sans MT"/>
-              </a:rPr>
-              <a:t>6.º nível de tópicos</a:t>
-            </a:r>
-            <a:endParaRPr b="0" lang="en-US" sz="2000" strike="noStrike" u="none">
-              <a:solidFill>
-                <a:schemeClr val="dk1"/>
-              </a:solidFill>
-              <a:effectLst/>
-              <a:uFillTx/>
-              <a:latin typeface="Gill Sans MT"/>
-            </a:endParaRPr>
-          </a:p>
-          <a:p>
-            <a:pPr lvl="6" marL="3024000" indent="-216000">
-              <a:lnSpc>
-                <a:spcPct val="120000"/>
-              </a:lnSpc>
-              <a:spcBef>
-                <a:spcPts val="283"/>
-              </a:spcBef>
-              <a:buClr>
-                <a:srgbClr val="000000"/>
-              </a:buClr>
-              <a:buSzPct val="45000"/>
-              <a:buFont typeface="Wingdings" charset="2"/>
-              <a:buChar char=""/>
-            </a:pPr>
-            <a:r>
-              <a:rPr b="0" lang="en-US" sz="2000" strike="noStrike" u="none">
-                <a:solidFill>
-                  <a:schemeClr val="dk1"/>
-                </a:solidFill>
-                <a:effectLst/>
-                <a:uFillTx/>
-                <a:latin typeface="Gill Sans MT"/>
-              </a:rPr>
-              <a:t>7.º nível de tópicos</a:t>
-            </a:r>
-            <a:endParaRPr b="0" lang="en-US" sz="2000" strike="noStrike" u="none">
-              <a:solidFill>
-                <a:schemeClr val="dk1"/>
-              </a:solidFill>
-              <a:effectLst/>
-              <a:uFillTx/>
-              <a:latin typeface="Gill Sans MT"/>
-            </a:endParaRPr>
-          </a:p>
-        </p:txBody>
-      </p:sp>
     </p:spTree>
   </p:cSld>
 </p:sldLayout>
 </file>
 
 <file path=ppt/slideLayouts/slideLayout9.xml><?xml version="1.0" encoding="utf-8"?>
-<p:sldLayout xmlns:a="http://schemas.openxmlformats.org/drawingml/2006/main" xmlns:p="http://schemas.openxmlformats.org/presentationml/2006/main" xmlns:r="http://schemas.openxmlformats.org/officeDocument/2006/relationships" xmlns:p14="http://schemas.microsoft.com/office/powerpoint/2010/main" xmlns:p15="http://schemas.microsoft.com/office/powerpoint/2012/main" xmlns:mc="http://schemas.openxmlformats.org/markup-compatibility/2006" type="blank" preserve="1">
-  <p:cSld name="Em Branco">
+<p:sldLayout xmlns:a="http://schemas.openxmlformats.org/drawingml/2006/main" xmlns:p="http://schemas.openxmlformats.org/presentationml/2006/main" xmlns:r="http://schemas.openxmlformats.org/officeDocument/2006/relationships" xmlns:p14="http://schemas.microsoft.com/office/powerpoint/2010/main" xmlns:p15="http://schemas.microsoft.com/office/powerpoint/2012/main" xmlns:mc="http://schemas.openxmlformats.org/markup-compatibility/2006" type="twoObj" preserve="1">
+  <p:cSld name="Duas Partes de Conteúdo">
     <p:bg>
       <p:bgPr>
         <a:solidFill>
@@ -7042,7 +7226,7 @@
         <p:spPr>
           <a:xfrm>
             <a:off x="0" y="2019600"/>
-            <a:ext cx="12191760" cy="4105440"/>
+            <a:ext cx="12191400" cy="4105080"/>
           </a:xfrm>
           <a:prstGeom prst="rect">
             <a:avLst/>
@@ -7083,6 +7267,11 @@
             <a:noAutofit/>
           </a:bodyPr>
           <a:p>
+            <a:pPr>
+              <a:lnSpc>
+                <a:spcPct val="100000"/>
+              </a:lnSpc>
+            </a:pPr>
             <a:endParaRPr b="0" lang="pt-BR" sz="1800" strike="noStrike" u="none">
               <a:solidFill>
                 <a:srgbClr val="000000"/>
@@ -7108,7 +7297,7 @@
         <p:spPr>
           <a:xfrm>
             <a:off x="0" y="6126480"/>
-            <a:ext cx="12191760" cy="742680"/>
+            <a:ext cx="12191400" cy="742320"/>
           </a:xfrm>
           <a:prstGeom prst="rect">
             <a:avLst/>
@@ -7128,7 +7317,7 @@
         <p:spPr>
           <a:xfrm>
             <a:off x="0" y="6128280"/>
-            <a:ext cx="12192120" cy="360"/>
+            <a:ext cx="12192480" cy="720"/>
           </a:xfrm>
           <a:prstGeom prst="straightConnector1">
             <a:avLst/>
@@ -7150,13 +7339,13 @@
             <a:spLocks noGrp="1"/>
           </p:cNvSpPr>
           <p:nvPr>
-            <p:ph type="dt" idx="25"/>
+            <p:ph type="title"/>
           </p:nvPr>
         </p:nvSpPr>
         <p:spPr>
           <a:xfrm>
-            <a:off x="7554240" y="330480"/>
-            <a:ext cx="3500280" cy="308880"/>
+            <a:off x="1449360" y="804960"/>
+            <a:ext cx="9604800" cy="1058760"/>
           </a:xfrm>
           <a:prstGeom prst="rect">
             <a:avLst/>
@@ -7167,54 +7356,37 @@
           </a:ln>
         </p:spPr>
         <p:txBody>
-          <a:bodyPr lIns="91440" rIns="91440" tIns="45720" bIns="45720" anchor="ctr">
+          <a:bodyPr lIns="91440" rIns="91440" tIns="45720" bIns="45720" anchor="t">
             <a:noAutofit/>
           </a:bodyPr>
-          <a:lstStyle>
-            <a:lvl1pPr indent="0" algn="r" defTabSz="457200">
-              <a:lnSpc>
-                <a:spcPct val="100000"/>
+          <a:p>
+            <a:pPr indent="0" defTabSz="914400">
+              <a:lnSpc>
+                <a:spcPct val="90000"/>
               </a:lnSpc>
               <a:buNone/>
-              <a:defRPr b="0" lang="pt-BR" sz="1000" strike="noStrike" u="none">
-                <a:solidFill>
-                  <a:schemeClr val="dk1">
-                    <a:tint val="75000"/>
-                  </a:schemeClr>
-                </a:solidFill>
-                <a:effectLst/>
-                <a:uFillTx/>
-                <a:latin typeface="Gill Sans MT"/>
-              </a:defRPr>
-            </a:lvl1pPr>
-          </a:lstStyle>
-          <a:p>
-            <a:pPr indent="0" algn="r" defTabSz="457200">
-              <a:lnSpc>
-                <a:spcPct val="100000"/>
-              </a:lnSpc>
-              <a:buNone/>
-            </a:pPr>
-            <a:r>
-              <a:rPr b="0" lang="pt-BR" sz="1000" strike="noStrike" u="none">
-                <a:solidFill>
-                  <a:schemeClr val="dk1">
-                    <a:tint val="75000"/>
-                  </a:schemeClr>
-                </a:solidFill>
-                <a:effectLst/>
-                <a:uFillTx/>
-                <a:latin typeface="Gill Sans MT"/>
-              </a:rPr>
-              <a:t>&lt;data/hora&gt;</a:t>
-            </a:r>
-            <a:endParaRPr b="0" lang="pt-BR" sz="1000" strike="noStrike" u="none">
-              <a:solidFill>
-                <a:srgbClr val="000000"/>
-              </a:solidFill>
-              <a:effectLst/>
-              <a:uFillTx/>
-              <a:latin typeface="Times New Roman"/>
+              <a:tabLst>
+                <a:tab algn="l" pos="0"/>
+              </a:tabLst>
+            </a:pPr>
+            <a:r>
+              <a:rPr b="0" lang="pt-BR" sz="3200" strike="noStrike" u="none" cap="all">
+                <a:solidFill>
+                  <a:schemeClr val="dk1"/>
+                </a:solidFill>
+                <a:effectLst/>
+                <a:uFillTx/>
+                <a:latin typeface="Gill Sans MT"/>
+              </a:rPr>
+              <a:t>Clique para editar o título Mestre</a:t>
+            </a:r>
+            <a:endParaRPr b="0" lang="pt-BR" sz="3200" strike="noStrike" u="none">
+              <a:solidFill>
+                <a:srgbClr val="000000"/>
+              </a:solidFill>
+              <a:effectLst/>
+              <a:uFillTx/>
+              <a:latin typeface="Arial"/>
             </a:endParaRPr>
           </a:p>
         </p:txBody>
@@ -7226,13 +7398,13 @@
             <a:spLocks noGrp="1"/>
           </p:cNvSpPr>
           <p:nvPr>
-            <p:ph type="ftr" idx="26"/>
+            <p:ph type="body"/>
           </p:nvPr>
         </p:nvSpPr>
         <p:spPr>
           <a:xfrm>
-            <a:off x="1451520" y="329400"/>
-            <a:ext cx="5938560" cy="308880"/>
+            <a:off x="1447200" y="2010960"/>
+            <a:ext cx="4644360" cy="3447720"/>
           </a:xfrm>
           <a:prstGeom prst="rect">
             <a:avLst/>
@@ -7243,36 +7415,135 @@
           </a:ln>
         </p:spPr>
         <p:txBody>
-          <a:bodyPr lIns="91440" rIns="91440" tIns="45720" bIns="45720" anchor="ctr">
+          <a:bodyPr lIns="91440" rIns="91440" tIns="45720" bIns="45720" anchor="t">
             <a:noAutofit/>
           </a:bodyPr>
-          <a:lstStyle>
-            <a:lvl1pPr indent="0" algn="ctr">
-              <a:buNone/>
-              <a:defRPr b="0" lang="pt-BR" sz="1400" strike="noStrike" u="none">
-                <a:solidFill>
-                  <a:srgbClr val="000000"/>
-                </a:solidFill>
-                <a:effectLst/>
-                <a:uFillTx/>
-                <a:latin typeface="Times New Roman"/>
-              </a:defRPr>
-            </a:lvl1pPr>
-          </a:lstStyle>
-          <a:p>
-            <a:pPr indent="0" algn="ctr">
-              <a:buNone/>
+          <a:p>
+            <a:pPr marL="228600" indent="-228600" defTabSz="914400">
+              <a:lnSpc>
+                <a:spcPct val="120000"/>
+              </a:lnSpc>
+              <a:spcBef>
+                <a:spcPts val="1001"/>
+              </a:spcBef>
+              <a:buClr>
+                <a:srgbClr val="4472c4"/>
+              </a:buClr>
+              <a:buFont typeface="Arial"/>
+              <a:buChar char="•"/>
+            </a:pPr>
+            <a:r>
+              <a:rPr b="0" lang="pt-BR" sz="2000" strike="noStrike" u="none">
+                <a:solidFill>
+                  <a:schemeClr val="dk1"/>
+                </a:solidFill>
+                <a:effectLst/>
+                <a:uFillTx/>
+                <a:latin typeface="Gill Sans MT"/>
+              </a:rPr>
+              <a:t>Clique para editar os estilos de texto Mestres</a:t>
+            </a:r>
+            <a:endParaRPr b="0" lang="pt-BR" sz="2000" strike="noStrike" u="none">
+              <a:solidFill>
+                <a:srgbClr val="000000"/>
+              </a:solidFill>
+              <a:effectLst/>
+              <a:uFillTx/>
+              <a:latin typeface="Arial"/>
+            </a:endParaRPr>
+          </a:p>
+          <a:p>
+            <a:pPr lvl="1" marL="685800" indent="-228600" defTabSz="914400">
+              <a:lnSpc>
+                <a:spcPct val="120000"/>
+              </a:lnSpc>
+              <a:spcBef>
+                <a:spcPts val="499"/>
+              </a:spcBef>
+              <a:buClr>
+                <a:srgbClr val="4472c4"/>
+              </a:buClr>
+              <a:buFont typeface="Arial"/>
+              <a:buChar char="•"/>
+            </a:pPr>
+            <a:r>
+              <a:rPr b="0" lang="pt-BR" sz="1800" strike="noStrike" u="none">
+                <a:solidFill>
+                  <a:schemeClr val="dk1"/>
+                </a:solidFill>
+                <a:effectLst/>
+                <a:uFillTx/>
+                <a:latin typeface="Gill Sans MT"/>
+              </a:rPr>
+              <a:t>Segundo nível</a:t>
+            </a:r>
+            <a:endParaRPr b="0" lang="pt-BR" sz="1800" strike="noStrike" u="none">
+              <a:solidFill>
+                <a:srgbClr val="000000"/>
+              </a:solidFill>
+              <a:effectLst/>
+              <a:uFillTx/>
+              <a:latin typeface="Arial"/>
+            </a:endParaRPr>
+          </a:p>
+          <a:p>
+            <a:pPr lvl="2" marL="1143000" indent="-228600" defTabSz="914400">
+              <a:lnSpc>
+                <a:spcPct val="120000"/>
+              </a:lnSpc>
+              <a:spcBef>
+                <a:spcPts val="499"/>
+              </a:spcBef>
+              <a:buClr>
+                <a:srgbClr val="4472c4"/>
+              </a:buClr>
+              <a:buFont typeface="Arial"/>
+              <a:buChar char="•"/>
+            </a:pPr>
+            <a:r>
+              <a:rPr b="0" lang="pt-BR" sz="1600" strike="noStrike" u="none">
+                <a:solidFill>
+                  <a:schemeClr val="dk1"/>
+                </a:solidFill>
+                <a:effectLst/>
+                <a:uFillTx/>
+                <a:latin typeface="Gill Sans MT"/>
+              </a:rPr>
+              <a:t>Terceiro nível</a:t>
+            </a:r>
+            <a:endParaRPr b="0" lang="pt-BR" sz="1600" strike="noStrike" u="none">
+              <a:solidFill>
+                <a:srgbClr val="000000"/>
+              </a:solidFill>
+              <a:effectLst/>
+              <a:uFillTx/>
+              <a:latin typeface="Arial"/>
+            </a:endParaRPr>
+          </a:p>
+          <a:p>
+            <a:pPr lvl="3" marL="1600200" indent="-228600" defTabSz="914400">
+              <a:lnSpc>
+                <a:spcPct val="120000"/>
+              </a:lnSpc>
+              <a:spcBef>
+                <a:spcPts val="499"/>
+              </a:spcBef>
+              <a:buClr>
+                <a:srgbClr val="4472c4"/>
+              </a:buClr>
+              <a:buFont typeface="Arial"/>
+              <a:buChar char="•"/>
             </a:pPr>
             <a:r>
               <a:rPr b="0" lang="pt-BR" sz="1400" strike="noStrike" u="none">
                 <a:solidFill>
-                  <a:srgbClr val="000000"/>
-                </a:solidFill>
-                <a:effectLst/>
-                <a:uFillTx/>
-                <a:latin typeface="Times New Roman"/>
-              </a:rPr>
-              <a:t>&lt;rodapé&gt;</a:t>
+                  <a:schemeClr val="dk1"/>
+                </a:solidFill>
+                <a:effectLst/>
+                <a:uFillTx/>
+                <a:latin typeface="Gill Sans MT"/>
+              </a:rPr>
+              <a:t>Quarto nível</a:t>
             </a:r>
             <a:endParaRPr b="0" lang="pt-BR" sz="1400" strike="noStrike" u="none">
               <a:solidFill>
@@ -7280,7 +7551,41 @@
               </a:solidFill>
               <a:effectLst/>
               <a:uFillTx/>
-              <a:latin typeface="Times New Roman"/>
+              <a:latin typeface="Arial"/>
+            </a:endParaRPr>
+          </a:p>
+          <a:p>
+            <a:pPr lvl="4" marL="2057400" indent="-228600" defTabSz="914400">
+              <a:lnSpc>
+                <a:spcPct val="120000"/>
+              </a:lnSpc>
+              <a:spcBef>
+                <a:spcPts val="499"/>
+              </a:spcBef>
+              <a:buClr>
+                <a:srgbClr val="4472c4"/>
+              </a:buClr>
+              <a:buFont typeface="Arial"/>
+              <a:buChar char="•"/>
+            </a:pPr>
+            <a:r>
+              <a:rPr b="0" lang="pt-BR" sz="1200" strike="noStrike" u="none">
+                <a:solidFill>
+                  <a:schemeClr val="dk1"/>
+                </a:solidFill>
+                <a:effectLst/>
+                <a:uFillTx/>
+                <a:latin typeface="Gill Sans MT"/>
+              </a:rPr>
+              <a:t>Quinto nível</a:t>
+            </a:r>
+            <a:endParaRPr b="0" lang="pt-BR" sz="1200" strike="noStrike" u="none">
+              <a:solidFill>
+                <a:srgbClr val="000000"/>
+              </a:solidFill>
+              <a:effectLst/>
+              <a:uFillTx/>
+              <a:latin typeface="Arial"/>
             </a:endParaRPr>
           </a:p>
         </p:txBody>
@@ -7292,13 +7597,13 @@
             <a:spLocks noGrp="1"/>
           </p:cNvSpPr>
           <p:nvPr>
-            <p:ph type="sldNum" idx="27"/>
+            <p:ph type="body"/>
           </p:nvPr>
         </p:nvSpPr>
         <p:spPr>
           <a:xfrm>
-            <a:off x="480240" y="798840"/>
-            <a:ext cx="810720" cy="503280"/>
+            <a:off x="6413760" y="2017440"/>
+            <a:ext cx="4644360" cy="3440880"/>
           </a:xfrm>
           <a:prstGeom prst="rect">
             <a:avLst/>
@@ -7312,47 +7617,174 @@
           <a:bodyPr lIns="91440" rIns="91440" tIns="45720" bIns="45720" anchor="t">
             <a:noAutofit/>
           </a:bodyPr>
-          <a:lstStyle>
-            <a:lvl1pPr indent="0" algn="r" defTabSz="457200">
-              <a:lnSpc>
-                <a:spcPct val="100000"/>
-              </a:lnSpc>
-              <a:buNone/>
-              <a:defRPr b="0" lang="pt-BR" sz="2800" strike="noStrike" u="none">
-                <a:solidFill>
-                  <a:schemeClr val="accent1"/>
-                </a:solidFill>
-                <a:effectLst/>
-                <a:uFillTx/>
-                <a:latin typeface="Gill Sans MT"/>
-              </a:defRPr>
-            </a:lvl1pPr>
-          </a:lstStyle>
-          <a:p>
-            <a:pPr indent="0" algn="r" defTabSz="457200">
-              <a:lnSpc>
-                <a:spcPct val="100000"/>
-              </a:lnSpc>
-              <a:buNone/>
-            </a:pPr>
-            <a:fld id="{53C4B7CF-3A99-4141-84E4-F6C732931B85}" type="slidenum">
-              <a:rPr b="0" lang="pt-BR" sz="2800" strike="noStrike" u="none">
-                <a:solidFill>
-                  <a:schemeClr val="accent1"/>
-                </a:solidFill>
-                <a:effectLst/>
-                <a:uFillTx/>
-                <a:latin typeface="Gill Sans MT"/>
-              </a:rPr>
-              <a:t>&lt;número&gt;</a:t>
-            </a:fld>
-            <a:endParaRPr b="0" lang="pt-BR" sz="2800" strike="noStrike" u="none">
-              <a:solidFill>
-                <a:srgbClr val="000000"/>
-              </a:solidFill>
-              <a:effectLst/>
-              <a:uFillTx/>
-              <a:latin typeface="Times New Roman"/>
+          <a:p>
+            <a:pPr marL="228600" indent="-228600" defTabSz="914400">
+              <a:lnSpc>
+                <a:spcPct val="120000"/>
+              </a:lnSpc>
+              <a:spcBef>
+                <a:spcPts val="1001"/>
+              </a:spcBef>
+              <a:buClr>
+                <a:srgbClr val="4472c4"/>
+              </a:buClr>
+              <a:buFont typeface="Arial"/>
+              <a:buChar char="•"/>
+            </a:pPr>
+            <a:r>
+              <a:rPr b="0" lang="pt-BR" sz="2000" strike="noStrike" u="none">
+                <a:solidFill>
+                  <a:schemeClr val="dk1"/>
+                </a:solidFill>
+                <a:effectLst/>
+                <a:uFillTx/>
+                <a:latin typeface="Gill Sans MT"/>
+              </a:rPr>
+              <a:t>Clique para editar os estilos de texto Mestres</a:t>
+            </a:r>
+            <a:endParaRPr b="0" lang="pt-BR" sz="2000" strike="noStrike" u="none">
+              <a:solidFill>
+                <a:srgbClr val="000000"/>
+              </a:solidFill>
+              <a:effectLst/>
+              <a:uFillTx/>
+              <a:latin typeface="Arial"/>
+            </a:endParaRPr>
+          </a:p>
+          <a:p>
+            <a:pPr lvl="1" marL="685800" indent="-228600" defTabSz="914400">
+              <a:lnSpc>
+                <a:spcPct val="120000"/>
+              </a:lnSpc>
+              <a:spcBef>
+                <a:spcPts val="499"/>
+              </a:spcBef>
+              <a:buClr>
+                <a:srgbClr val="4472c4"/>
+              </a:buClr>
+              <a:buFont typeface="Arial"/>
+              <a:buChar char="•"/>
+            </a:pPr>
+            <a:r>
+              <a:rPr b="0" lang="pt-BR" sz="1800" strike="noStrike" u="none">
+                <a:solidFill>
+                  <a:schemeClr val="dk1"/>
+                </a:solidFill>
+                <a:effectLst/>
+                <a:uFillTx/>
+                <a:latin typeface="Gill Sans MT"/>
+              </a:rPr>
+              <a:t>Segundo nível</a:t>
+            </a:r>
+            <a:endParaRPr b="0" lang="pt-BR" sz="1800" strike="noStrike" u="none">
+              <a:solidFill>
+                <a:srgbClr val="000000"/>
+              </a:solidFill>
+              <a:effectLst/>
+              <a:uFillTx/>
+              <a:latin typeface="Arial"/>
+            </a:endParaRPr>
+          </a:p>
+          <a:p>
+            <a:pPr lvl="2" marL="1143000" indent="-228600" defTabSz="914400">
+              <a:lnSpc>
+                <a:spcPct val="120000"/>
+              </a:lnSpc>
+              <a:spcBef>
+                <a:spcPts val="499"/>
+              </a:spcBef>
+              <a:buClr>
+                <a:srgbClr val="4472c4"/>
+              </a:buClr>
+              <a:buFont typeface="Arial"/>
+              <a:buChar char="•"/>
+            </a:pPr>
+            <a:r>
+              <a:rPr b="0" lang="pt-BR" sz="1600" strike="noStrike" u="none">
+                <a:solidFill>
+                  <a:schemeClr val="dk1"/>
+                </a:solidFill>
+                <a:effectLst/>
+                <a:uFillTx/>
+                <a:latin typeface="Gill Sans MT"/>
+              </a:rPr>
+              <a:t>Terceiro nível</a:t>
+            </a:r>
+            <a:endParaRPr b="0" lang="pt-BR" sz="1600" strike="noStrike" u="none">
+              <a:solidFill>
+                <a:srgbClr val="000000"/>
+              </a:solidFill>
+              <a:effectLst/>
+              <a:uFillTx/>
+              <a:latin typeface="Arial"/>
+            </a:endParaRPr>
+          </a:p>
+          <a:p>
+            <a:pPr lvl="3" marL="1600200" indent="-228600" defTabSz="914400">
+              <a:lnSpc>
+                <a:spcPct val="120000"/>
+              </a:lnSpc>
+              <a:spcBef>
+                <a:spcPts val="499"/>
+              </a:spcBef>
+              <a:buClr>
+                <a:srgbClr val="4472c4"/>
+              </a:buClr>
+              <a:buFont typeface="Arial"/>
+              <a:buChar char="•"/>
+            </a:pPr>
+            <a:r>
+              <a:rPr b="0" lang="pt-BR" sz="1400" strike="noStrike" u="none">
+                <a:solidFill>
+                  <a:schemeClr val="dk1"/>
+                </a:solidFill>
+                <a:effectLst/>
+                <a:uFillTx/>
+                <a:latin typeface="Gill Sans MT"/>
+              </a:rPr>
+              <a:t>Quarto nível</a:t>
+            </a:r>
+            <a:endParaRPr b="0" lang="pt-BR" sz="1400" strike="noStrike" u="none">
+              <a:solidFill>
+                <a:srgbClr val="000000"/>
+              </a:solidFill>
+              <a:effectLst/>
+              <a:uFillTx/>
+              <a:latin typeface="Arial"/>
+            </a:endParaRPr>
+          </a:p>
+          <a:p>
+            <a:pPr lvl="4" marL="2057400" indent="-228600" defTabSz="914400">
+              <a:lnSpc>
+                <a:spcPct val="120000"/>
+              </a:lnSpc>
+              <a:spcBef>
+                <a:spcPts val="499"/>
+              </a:spcBef>
+              <a:buClr>
+                <a:srgbClr val="4472c4"/>
+              </a:buClr>
+              <a:buFont typeface="Arial"/>
+              <a:buChar char="•"/>
+            </a:pPr>
+            <a:r>
+              <a:rPr b="0" lang="pt-BR" sz="1200" strike="noStrike" u="none">
+                <a:solidFill>
+                  <a:schemeClr val="dk1"/>
+                </a:solidFill>
+                <a:effectLst/>
+                <a:uFillTx/>
+                <a:latin typeface="Gill Sans MT"/>
+              </a:rPr>
+              <a:t>Quinto nível</a:t>
+            </a:r>
+            <a:endParaRPr b="0" lang="pt-BR" sz="1200" strike="noStrike" u="none">
+              <a:solidFill>
+                <a:srgbClr val="000000"/>
+              </a:solidFill>
+              <a:effectLst/>
+              <a:uFillTx/>
+              <a:latin typeface="Arial"/>
             </a:endParaRPr>
           </a:p>
         </p:txBody>
@@ -7364,13 +7796,13 @@
             <a:spLocks noGrp="1"/>
           </p:cNvSpPr>
           <p:nvPr>
-            <p:ph type="title"/>
+            <p:ph type="dt" idx="25"/>
           </p:nvPr>
         </p:nvSpPr>
         <p:spPr>
           <a:xfrm>
-            <a:off x="609480" y="273600"/>
-            <a:ext cx="10972440" cy="1144800"/>
+            <a:off x="7554240" y="330480"/>
+            <a:ext cx="3499920" cy="308520"/>
           </a:xfrm>
           <a:prstGeom prst="rect">
             <a:avLst/>
@@ -7381,31 +7813,60 @@
           </a:ln>
         </p:spPr>
         <p:txBody>
-          <a:bodyPr lIns="0" rIns="0" tIns="0" bIns="0" anchor="ctr">
+          <a:bodyPr lIns="91440" rIns="91440" tIns="45720" bIns="45720" anchor="ctr">
             <a:noAutofit/>
           </a:bodyPr>
-          <a:p>
-            <a:pPr indent="0">
+          <a:lstStyle>
+            <a:lvl1pPr indent="0" algn="r" defTabSz="457200">
+              <a:lnSpc>
+                <a:spcPct val="100000"/>
+              </a:lnSpc>
               <a:buNone/>
-            </a:pPr>
-            <a:r>
-              <a:rPr b="0" lang="en-US" sz="1800" strike="noStrike" u="none">
-                <a:solidFill>
-                  <a:schemeClr val="dk1"/>
-                </a:solidFill>
-                <a:effectLst/>
-                <a:uFillTx/>
-                <a:latin typeface="Gill Sans MT"/>
-              </a:rPr>
-              <a:t>Clique para editar o formato do texto do título</a:t>
-            </a:r>
-            <a:endParaRPr b="0" lang="en-US" sz="1800" strike="noStrike" u="none">
-              <a:solidFill>
-                <a:schemeClr val="dk1"/>
-              </a:solidFill>
-              <a:effectLst/>
-              <a:uFillTx/>
-              <a:latin typeface="Gill Sans MT"/>
+              <a:tabLst>
+                <a:tab algn="l" pos="0"/>
+              </a:tabLst>
+              <a:defRPr b="0" lang="pt-BR" sz="1000" strike="noStrike" u="none">
+                <a:solidFill>
+                  <a:schemeClr val="dk1">
+                    <a:tint val="75000"/>
+                  </a:schemeClr>
+                </a:solidFill>
+                <a:effectLst/>
+                <a:uFillTx/>
+                <a:latin typeface="Gill Sans MT"/>
+              </a:defRPr>
+            </a:lvl1pPr>
+          </a:lstStyle>
+          <a:p>
+            <a:pPr indent="0" algn="r" defTabSz="457200">
+              <a:lnSpc>
+                <a:spcPct val="100000"/>
+              </a:lnSpc>
+              <a:buNone/>
+              <a:tabLst>
+                <a:tab algn="l" pos="0"/>
+              </a:tabLst>
+            </a:pPr>
+            <a:r>
+              <a:rPr b="0" lang="pt-BR" sz="1000" strike="noStrike" u="none">
+                <a:solidFill>
+                  <a:schemeClr val="dk1">
+                    <a:tint val="75000"/>
+                  </a:schemeClr>
+                </a:solidFill>
+                <a:effectLst/>
+                <a:uFillTx/>
+                <a:latin typeface="Gill Sans MT"/>
+              </a:rPr>
+              <a:t>&lt;data/hora&gt;</a:t>
+            </a:r>
+            <a:endParaRPr b="0" lang="pt-BR" sz="1000" strike="noStrike" u="none">
+              <a:solidFill>
+                <a:srgbClr val="000000"/>
+              </a:solidFill>
+              <a:effectLst/>
+              <a:uFillTx/>
+              <a:latin typeface="Times New Roman"/>
             </a:endParaRPr>
           </a:p>
         </p:txBody>
@@ -7417,13 +7878,13 @@
             <a:spLocks noGrp="1"/>
           </p:cNvSpPr>
           <p:nvPr>
-            <p:ph type="body"/>
+            <p:ph type="ftr" idx="26"/>
           </p:nvPr>
         </p:nvSpPr>
         <p:spPr>
           <a:xfrm>
-            <a:off x="609480" y="1604520"/>
-            <a:ext cx="10972440" cy="3977280"/>
+            <a:off x="1451520" y="329400"/>
+            <a:ext cx="5938200" cy="308520"/>
           </a:xfrm>
           <a:prstGeom prst="rect">
             <a:avLst/>
@@ -7434,256 +7895,160 @@
           </a:ln>
         </p:spPr>
         <p:txBody>
-          <a:bodyPr lIns="0" rIns="0" tIns="0" bIns="0" anchor="t">
-            <a:normAutofit/>
+          <a:bodyPr lIns="91440" rIns="91440" tIns="45720" bIns="45720" anchor="ctr">
+            <a:noAutofit/>
           </a:bodyPr>
-          <a:p>
-            <a:pPr marL="432000" indent="-324000">
-              <a:lnSpc>
-                <a:spcPct val="120000"/>
-              </a:lnSpc>
-              <a:spcBef>
-                <a:spcPts val="1417"/>
-              </a:spcBef>
-              <a:buClr>
-                <a:srgbClr val="000000"/>
-              </a:buClr>
-              <a:buSzPct val="45000"/>
-              <a:buFont typeface="Wingdings" charset="2"/>
-              <a:buChar char=""/>
-            </a:pPr>
-            <a:r>
-              <a:rPr b="0" lang="en-US" sz="2000" strike="noStrike" u="none">
-                <a:solidFill>
-                  <a:schemeClr val="dk1"/>
-                </a:solidFill>
-                <a:effectLst/>
-                <a:uFillTx/>
-                <a:latin typeface="Gill Sans MT"/>
-              </a:rPr>
-              <a:t>Clique para editar o formato de texto dos tópicos</a:t>
-            </a:r>
-            <a:endParaRPr b="0" lang="en-US" sz="2000" strike="noStrike" u="none">
-              <a:solidFill>
-                <a:schemeClr val="dk1"/>
-              </a:solidFill>
-              <a:effectLst/>
-              <a:uFillTx/>
-              <a:latin typeface="Gill Sans MT"/>
-            </a:endParaRPr>
-          </a:p>
-          <a:p>
-            <a:pPr lvl="1" marL="864000" indent="-324000">
-              <a:lnSpc>
-                <a:spcPct val="120000"/>
-              </a:lnSpc>
-              <a:spcBef>
-                <a:spcPts val="1134"/>
-              </a:spcBef>
-              <a:buClr>
-                <a:srgbClr val="000000"/>
-              </a:buClr>
-              <a:buSzPct val="75000"/>
-              <a:buFont typeface="Symbol" charset="2"/>
-              <a:buChar char=""/>
-            </a:pPr>
-            <a:r>
-              <a:rPr b="0" lang="en-US" sz="1600" strike="noStrike" u="none">
-                <a:solidFill>
-                  <a:schemeClr val="dk1"/>
-                </a:solidFill>
-                <a:effectLst/>
-                <a:uFillTx/>
-                <a:latin typeface="Gill Sans MT"/>
-              </a:rPr>
-              <a:t>2.º nível de tópicos</a:t>
-            </a:r>
-            <a:endParaRPr b="0" lang="en-US" sz="1600" strike="noStrike" u="none">
-              <a:solidFill>
-                <a:schemeClr val="dk1"/>
-              </a:solidFill>
-              <a:effectLst/>
-              <a:uFillTx/>
-              <a:latin typeface="Gill Sans MT"/>
-            </a:endParaRPr>
-          </a:p>
-          <a:p>
-            <a:pPr lvl="2" marL="1296000" indent="-288000">
-              <a:lnSpc>
-                <a:spcPct val="120000"/>
-              </a:lnSpc>
-              <a:spcBef>
-                <a:spcPts val="850"/>
-              </a:spcBef>
-              <a:buClr>
-                <a:srgbClr val="000000"/>
-              </a:buClr>
-              <a:buSzPct val="45000"/>
-              <a:buFont typeface="Wingdings" charset="2"/>
-              <a:buChar char=""/>
-            </a:pPr>
-            <a:r>
-              <a:rPr b="0" lang="en-US" sz="1400" strike="noStrike" u="none">
-                <a:solidFill>
-                  <a:schemeClr val="dk1"/>
-                </a:solidFill>
-                <a:effectLst/>
-                <a:uFillTx/>
-                <a:latin typeface="Gill Sans MT"/>
-              </a:rPr>
-              <a:t>3.º nível de tópicos</a:t>
-            </a:r>
-            <a:endParaRPr b="0" lang="en-US" sz="1400" strike="noStrike" u="none">
-              <a:solidFill>
-                <a:schemeClr val="dk1"/>
-              </a:solidFill>
-              <a:effectLst/>
-              <a:uFillTx/>
-              <a:latin typeface="Gill Sans MT"/>
-            </a:endParaRPr>
-          </a:p>
-          <a:p>
-            <a:pPr lvl="3" marL="1728000" indent="-216000">
-              <a:lnSpc>
-                <a:spcPct val="120000"/>
-              </a:lnSpc>
-              <a:spcBef>
-                <a:spcPts val="567"/>
-              </a:spcBef>
-              <a:buClr>
-                <a:srgbClr val="000000"/>
-              </a:buClr>
-              <a:buSzPct val="75000"/>
-              <a:buFont typeface="Symbol" charset="2"/>
-              <a:buChar char=""/>
-            </a:pPr>
-            <a:r>
-              <a:rPr b="0" lang="en-US" sz="1200" strike="noStrike" u="none">
-                <a:solidFill>
-                  <a:schemeClr val="dk1"/>
-                </a:solidFill>
-                <a:effectLst/>
-                <a:uFillTx/>
-                <a:latin typeface="Gill Sans MT"/>
-              </a:rPr>
-              <a:t>4.º nível de tópicos</a:t>
-            </a:r>
-            <a:endParaRPr b="0" lang="en-US" sz="1200" strike="noStrike" u="none">
-              <a:solidFill>
-                <a:schemeClr val="dk1"/>
-              </a:solidFill>
-              <a:effectLst/>
-              <a:uFillTx/>
-              <a:latin typeface="Gill Sans MT"/>
-            </a:endParaRPr>
-          </a:p>
-          <a:p>
-            <a:pPr lvl="4" marL="2160000" indent="-216000">
-              <a:lnSpc>
-                <a:spcPct val="120000"/>
-              </a:lnSpc>
-              <a:spcBef>
-                <a:spcPts val="283"/>
-              </a:spcBef>
-              <a:buClr>
-                <a:srgbClr val="000000"/>
-              </a:buClr>
-              <a:buSzPct val="45000"/>
-              <a:buFont typeface="Wingdings" charset="2"/>
-              <a:buChar char=""/>
-            </a:pPr>
-            <a:r>
-              <a:rPr b="0" lang="en-US" sz="2000" strike="noStrike" u="none">
-                <a:solidFill>
-                  <a:schemeClr val="dk1"/>
-                </a:solidFill>
-                <a:effectLst/>
-                <a:uFillTx/>
-                <a:latin typeface="Gill Sans MT"/>
-              </a:rPr>
-              <a:t>5.º nível de tópicos</a:t>
-            </a:r>
-            <a:endParaRPr b="0" lang="en-US" sz="2000" strike="noStrike" u="none">
-              <a:solidFill>
-                <a:schemeClr val="dk1"/>
-              </a:solidFill>
-              <a:effectLst/>
-              <a:uFillTx/>
-              <a:latin typeface="Gill Sans MT"/>
-            </a:endParaRPr>
-          </a:p>
-          <a:p>
-            <a:pPr lvl="5" marL="2592000" indent="-216000">
-              <a:lnSpc>
-                <a:spcPct val="120000"/>
-              </a:lnSpc>
-              <a:spcBef>
-                <a:spcPts val="283"/>
-              </a:spcBef>
-              <a:buClr>
-                <a:srgbClr val="000000"/>
-              </a:buClr>
-              <a:buSzPct val="45000"/>
-              <a:buFont typeface="Wingdings" charset="2"/>
-              <a:buChar char=""/>
-            </a:pPr>
-            <a:r>
-              <a:rPr b="0" lang="en-US" sz="2000" strike="noStrike" u="none">
-                <a:solidFill>
-                  <a:schemeClr val="dk1"/>
-                </a:solidFill>
-                <a:effectLst/>
-                <a:uFillTx/>
-                <a:latin typeface="Gill Sans MT"/>
-              </a:rPr>
-              <a:t>6.º nível de tópicos</a:t>
-            </a:r>
-            <a:endParaRPr b="0" lang="en-US" sz="2000" strike="noStrike" u="none">
-              <a:solidFill>
-                <a:schemeClr val="dk1"/>
-              </a:solidFill>
-              <a:effectLst/>
-              <a:uFillTx/>
-              <a:latin typeface="Gill Sans MT"/>
-            </a:endParaRPr>
-          </a:p>
-          <a:p>
-            <a:pPr lvl="6" marL="3024000" indent="-216000">
-              <a:lnSpc>
-                <a:spcPct val="120000"/>
-              </a:lnSpc>
-              <a:spcBef>
-                <a:spcPts val="283"/>
-              </a:spcBef>
-              <a:buClr>
-                <a:srgbClr val="000000"/>
-              </a:buClr>
-              <a:buSzPct val="45000"/>
-              <a:buFont typeface="Wingdings" charset="2"/>
-              <a:buChar char=""/>
-            </a:pPr>
-            <a:r>
-              <a:rPr b="0" lang="en-US" sz="2000" strike="noStrike" u="none">
-                <a:solidFill>
-                  <a:schemeClr val="dk1"/>
-                </a:solidFill>
-                <a:effectLst/>
-                <a:uFillTx/>
-                <a:latin typeface="Gill Sans MT"/>
-              </a:rPr>
-              <a:t>7.º nível de tópicos</a:t>
-            </a:r>
-            <a:endParaRPr b="0" lang="en-US" sz="2000" strike="noStrike" u="none">
-              <a:solidFill>
-                <a:schemeClr val="dk1"/>
-              </a:solidFill>
-              <a:effectLst/>
-              <a:uFillTx/>
-              <a:latin typeface="Gill Sans MT"/>
+          <a:lstStyle>
+            <a:lvl1pPr indent="0" algn="ctr">
+              <a:lnSpc>
+                <a:spcPct val="100000"/>
+              </a:lnSpc>
+              <a:buNone/>
+              <a:tabLst>
+                <a:tab algn="l" pos="0"/>
+              </a:tabLst>
+              <a:defRPr b="0" lang="pt-BR" sz="1400" strike="noStrike" u="none">
+                <a:solidFill>
+                  <a:srgbClr val="000000"/>
+                </a:solidFill>
+                <a:effectLst/>
+                <a:uFillTx/>
+                <a:latin typeface="Times New Roman"/>
+              </a:defRPr>
+            </a:lvl1pPr>
+          </a:lstStyle>
+          <a:p>
+            <a:pPr indent="0" algn="ctr">
+              <a:lnSpc>
+                <a:spcPct val="100000"/>
+              </a:lnSpc>
+              <a:buNone/>
+              <a:tabLst>
+                <a:tab algn="l" pos="0"/>
+              </a:tabLst>
+            </a:pPr>
+            <a:r>
+              <a:rPr b="0" lang="pt-BR" sz="1400" strike="noStrike" u="none">
+                <a:solidFill>
+                  <a:srgbClr val="000000"/>
+                </a:solidFill>
+                <a:effectLst/>
+                <a:uFillTx/>
+                <a:latin typeface="Times New Roman"/>
+              </a:rPr>
+              <a:t>&lt;rodapé&gt;</a:t>
+            </a:r>
+            <a:endParaRPr b="0" lang="pt-BR" sz="1400" strike="noStrike" u="none">
+              <a:solidFill>
+                <a:srgbClr val="000000"/>
+              </a:solidFill>
+              <a:effectLst/>
+              <a:uFillTx/>
+              <a:latin typeface="Times New Roman"/>
             </a:endParaRPr>
           </a:p>
         </p:txBody>
       </p:sp>
+      <p:sp>
+        <p:nvSpPr>
+          <p:cNvPr id="84" name="PlaceHolder 6"/>
+          <p:cNvSpPr>
+            <a:spLocks noGrp="1"/>
+          </p:cNvSpPr>
+          <p:nvPr>
+            <p:ph type="sldNum" idx="27"/>
+          </p:nvPr>
+        </p:nvSpPr>
+        <p:spPr>
+          <a:xfrm>
+            <a:off x="480240" y="798840"/>
+            <a:ext cx="810360" cy="502920"/>
+          </a:xfrm>
+          <a:prstGeom prst="rect">
+            <a:avLst/>
+          </a:prstGeom>
+          <a:noFill/>
+          <a:ln w="0">
+            <a:noFill/>
+          </a:ln>
+        </p:spPr>
+        <p:txBody>
+          <a:bodyPr lIns="91440" rIns="91440" tIns="45720" bIns="45720" anchor="t">
+            <a:noAutofit/>
+          </a:bodyPr>
+          <a:lstStyle>
+            <a:lvl1pPr indent="0" algn="r" defTabSz="457200">
+              <a:lnSpc>
+                <a:spcPct val="100000"/>
+              </a:lnSpc>
+              <a:buNone/>
+              <a:tabLst>
+                <a:tab algn="l" pos="0"/>
+              </a:tabLst>
+              <a:defRPr b="0" lang="pt-BR" sz="2800" strike="noStrike" u="none">
+                <a:solidFill>
+                  <a:schemeClr val="accent1"/>
+                </a:solidFill>
+                <a:effectLst/>
+                <a:uFillTx/>
+                <a:latin typeface="Gill Sans MT"/>
+              </a:defRPr>
+            </a:lvl1pPr>
+          </a:lstStyle>
+          <a:p>
+            <a:pPr indent="0" algn="r" defTabSz="457200">
+              <a:lnSpc>
+                <a:spcPct val="100000"/>
+              </a:lnSpc>
+              <a:buNone/>
+              <a:tabLst>
+                <a:tab algn="l" pos="0"/>
+              </a:tabLst>
+            </a:pPr>
+            <a:fld id="{662A7AF6-FD7C-4ED5-8D7D-7C215A4D4F37}" type="slidenum">
+              <a:rPr b="0" lang="pt-BR" sz="2800" strike="noStrike" u="none">
+                <a:solidFill>
+                  <a:schemeClr val="accent1"/>
+                </a:solidFill>
+                <a:effectLst/>
+                <a:uFillTx/>
+                <a:latin typeface="Gill Sans MT"/>
+              </a:rPr>
+              <a:t>&lt;número&gt;</a:t>
+            </a:fld>
+            <a:endParaRPr b="0" lang="pt-BR" sz="2800" strike="noStrike" u="none">
+              <a:solidFill>
+                <a:srgbClr val="000000"/>
+              </a:solidFill>
+              <a:effectLst/>
+              <a:uFillTx/>
+              <a:latin typeface="Times New Roman"/>
+            </a:endParaRPr>
+          </a:p>
+        </p:txBody>
+      </p:sp>
+      <p:cxnSp>
+        <p:nvCxnSpPr>
+          <p:cNvPr id="85" name="Straight Connector 34"/>
+          <p:cNvCxnSpPr/>
+          <p:nvPr/>
+        </p:nvCxnSpPr>
+        <p:spPr>
+          <a:xfrm>
+            <a:off x="1453680" y="1846800"/>
+            <a:ext cx="9608400" cy="720"/>
+          </a:xfrm>
+          <a:prstGeom prst="straightConnector1">
+            <a:avLst/>
+          </a:prstGeom>
+          <a:ln w="31750">
+            <a:solidFill>
+              <a:srgbClr val="4472c4"/>
+            </a:solidFill>
+            <a:round/>
+          </a:ln>
+        </p:spPr>
+      </p:cxnSp>
     </p:spTree>
   </p:cSld>
 </p:sldLayout>
@@ -7755,7 +8120,7 @@
         <p:spPr>
           <a:xfrm>
             <a:off x="930240" y="693720"/>
-            <a:ext cx="10042200" cy="2734920"/>
+            <a:ext cx="10041840" cy="2734560"/>
           </a:xfrm>
           <a:prstGeom prst="rect">
             <a:avLst/>
@@ -7775,6 +8140,9 @@
                 <a:spcPct val="90000"/>
               </a:lnSpc>
               <a:buNone/>
+              <a:tabLst>
+                <a:tab algn="l" pos="0"/>
+              </a:tabLst>
             </a:pPr>
             <a:r>
               <a:rPr b="1" lang="pt-BR" sz="6600" strike="noStrike" u="none" cap="all">
@@ -7787,13 +8155,13 @@
               </a:rPr>
               <a:t>Trabalho de Modelagem de Software</a:t>
             </a:r>
-            <a:endParaRPr b="0" lang="en-US" sz="6600" strike="noStrike" u="none">
-              <a:solidFill>
-                <a:schemeClr val="dk1"/>
-              </a:solidFill>
-              <a:effectLst/>
-              <a:uFillTx/>
-              <a:latin typeface="Gill Sans MT"/>
+            <a:endParaRPr b="0" lang="pt-BR" sz="6600" strike="noStrike" u="none">
+              <a:solidFill>
+                <a:srgbClr val="000000"/>
+              </a:solidFill>
+              <a:effectLst/>
+              <a:uFillTx/>
+              <a:latin typeface="Arial"/>
             </a:endParaRPr>
           </a:p>
         </p:txBody>
@@ -7811,7 +8179,7 @@
         <p:spPr>
           <a:xfrm>
             <a:off x="1268640" y="3429000"/>
-            <a:ext cx="7766640" cy="1850760"/>
+            <a:ext cx="7766280" cy="1850400"/>
           </a:xfrm>
           <a:prstGeom prst="rect">
             <a:avLst/>
@@ -7980,7 +8348,7 @@
         <p:spPr>
           <a:xfrm>
             <a:off x="0" y="5234040"/>
-            <a:ext cx="4224960" cy="929880"/>
+            <a:ext cx="4224600" cy="929520"/>
           </a:xfrm>
           <a:prstGeom prst="rect">
             <a:avLst/>
@@ -8030,7 +8398,7 @@
         <p:spPr>
           <a:xfrm>
             <a:off x="196920" y="168840"/>
-            <a:ext cx="2976120" cy="1076760"/>
+            <a:ext cx="2975760" cy="1076400"/>
           </a:xfrm>
           <a:prstGeom prst="rect">
             <a:avLst/>
@@ -8106,7 +8474,7 @@
         <p:spPr>
           <a:xfrm>
             <a:off x="0" y="938880"/>
-            <a:ext cx="12191760" cy="4979520"/>
+            <a:ext cx="12191400" cy="4979160"/>
           </a:xfrm>
           <a:prstGeom prst="rect">
             <a:avLst/>
@@ -8156,7 +8524,7 @@
         <p:spPr>
           <a:xfrm>
             <a:off x="196920" y="168840"/>
-            <a:ext cx="5753160" cy="584280"/>
+            <a:ext cx="5752800" cy="583920"/>
           </a:xfrm>
           <a:prstGeom prst="rect">
             <a:avLst/>
@@ -8217,7 +8585,7 @@
         <p:spPr>
           <a:xfrm>
             <a:off x="0" y="1188000"/>
-            <a:ext cx="12191760" cy="4482000"/>
+            <a:ext cx="12191400" cy="4481640"/>
           </a:xfrm>
           <a:prstGeom prst="rect">
             <a:avLst/>
@@ -8271,7 +8639,7 @@
         <p:spPr>
           <a:xfrm>
             <a:off x="1074600" y="693720"/>
-            <a:ext cx="10042200" cy="2734920"/>
+            <a:ext cx="10041840" cy="2734560"/>
           </a:xfrm>
           <a:prstGeom prst="rect">
             <a:avLst/>
@@ -8291,6 +8659,9 @@
                 <a:spcPct val="90000"/>
               </a:lnSpc>
               <a:buNone/>
+              <a:tabLst>
+                <a:tab algn="l" pos="0"/>
+              </a:tabLst>
             </a:pPr>
             <a:r>
               <a:rPr b="1" lang="pt-BR" sz="6000" strike="noStrike" u="none" cap="all">
@@ -8303,13 +8674,13 @@
               </a:rPr>
               <a:t>Diagrama de IMPLANTAÇÃO</a:t>
             </a:r>
-            <a:endParaRPr b="0" lang="en-US" sz="6000" strike="noStrike" u="none">
-              <a:solidFill>
-                <a:schemeClr val="dk1"/>
-              </a:solidFill>
-              <a:effectLst/>
-              <a:uFillTx/>
-              <a:latin typeface="Gill Sans MT"/>
+            <a:endParaRPr b="0" lang="pt-BR" sz="6000" strike="noStrike" u="none">
+              <a:solidFill>
+                <a:srgbClr val="000000"/>
+              </a:solidFill>
+              <a:effectLst/>
+              <a:uFillTx/>
+              <a:latin typeface="Arial"/>
             </a:endParaRPr>
           </a:p>
         </p:txBody>
@@ -8353,7 +8724,7 @@
         <p:spPr>
           <a:xfrm>
             <a:off x="196920" y="168840"/>
-            <a:ext cx="5753160" cy="1076760"/>
+            <a:ext cx="5752800" cy="1076400"/>
           </a:xfrm>
           <a:prstGeom prst="rect">
             <a:avLst/>
@@ -8429,7 +8800,7 @@
         <p:spPr>
           <a:xfrm>
             <a:off x="0" y="661320"/>
-            <a:ext cx="12191760" cy="5415840"/>
+            <a:ext cx="12191400" cy="5415480"/>
           </a:xfrm>
           <a:prstGeom prst="rect">
             <a:avLst/>
@@ -8479,7 +8850,7 @@
         <p:spPr>
           <a:xfrm>
             <a:off x="196920" y="168840"/>
-            <a:ext cx="5753160" cy="1076760"/>
+            <a:ext cx="5752800" cy="1076400"/>
           </a:xfrm>
           <a:prstGeom prst="rect">
             <a:avLst/>
@@ -8555,7 +8926,7 @@
         <p:spPr>
           <a:xfrm>
             <a:off x="0" y="689400"/>
-            <a:ext cx="12191760" cy="5412960"/>
+            <a:ext cx="12191400" cy="5412600"/>
           </a:xfrm>
           <a:prstGeom prst="rect">
             <a:avLst/>
@@ -8609,7 +8980,7 @@
         <p:spPr>
           <a:xfrm>
             <a:off x="0" y="804600"/>
-            <a:ext cx="12191760" cy="4878360"/>
+            <a:ext cx="12191400" cy="4878000"/>
           </a:xfrm>
           <a:prstGeom prst="rect">
             <a:avLst/>
@@ -8629,6 +9000,9 @@
                 <a:spcPct val="90000"/>
               </a:lnSpc>
               <a:buNone/>
+              <a:tabLst>
+                <a:tab algn="l" pos="0"/>
+              </a:tabLst>
             </a:pPr>
             <a:r>
               <a:rPr b="0" lang="pt-BR" sz="14900" strike="noStrike" u="none" cap="all">
@@ -8666,13 +9040,13 @@
               </a:rPr>
               <a:t>Obrigado!</a:t>
             </a:r>
-            <a:endParaRPr b="0" lang="en-US" sz="10300" strike="noStrike" u="none">
-              <a:solidFill>
-                <a:schemeClr val="dk1"/>
-              </a:solidFill>
-              <a:effectLst/>
-              <a:uFillTx/>
-              <a:latin typeface="Gill Sans MT"/>
+            <a:endParaRPr b="0" lang="pt-BR" sz="10300" strike="noStrike" u="none">
+              <a:solidFill>
+                <a:srgbClr val="000000"/>
+              </a:solidFill>
+              <a:effectLst/>
+              <a:uFillTx/>
+              <a:latin typeface="Arial"/>
             </a:endParaRPr>
           </a:p>
         </p:txBody>
@@ -8720,7 +9094,7 @@
         <p:spPr>
           <a:xfrm>
             <a:off x="1074600" y="693720"/>
-            <a:ext cx="10042200" cy="2734920"/>
+            <a:ext cx="10041840" cy="2734560"/>
           </a:xfrm>
           <a:prstGeom prst="rect">
             <a:avLst/>
@@ -8740,6 +9114,9 @@
                 <a:spcPct val="90000"/>
               </a:lnSpc>
               <a:buNone/>
+              <a:tabLst>
+                <a:tab algn="l" pos="0"/>
+              </a:tabLst>
             </a:pPr>
             <a:r>
               <a:rPr b="1" lang="pt-BR" sz="6000" strike="noStrike" u="none" cap="all">
@@ -8752,13 +9129,13 @@
               </a:rPr>
               <a:t>Diagrama de Estado</a:t>
             </a:r>
-            <a:endParaRPr b="0" lang="en-US" sz="6000" strike="noStrike" u="none">
-              <a:solidFill>
-                <a:schemeClr val="dk1"/>
-              </a:solidFill>
-              <a:effectLst/>
-              <a:uFillTx/>
-              <a:latin typeface="Gill Sans MT"/>
+            <a:endParaRPr b="0" lang="pt-BR" sz="6000" strike="noStrike" u="none">
+              <a:solidFill>
+                <a:srgbClr val="000000"/>
+              </a:solidFill>
+              <a:effectLst/>
+              <a:uFillTx/>
+              <a:latin typeface="Arial"/>
             </a:endParaRPr>
           </a:p>
         </p:txBody>
@@ -8806,7 +9183,7 @@
         <p:spPr>
           <a:xfrm>
             <a:off x="0" y="-112680"/>
-            <a:ext cx="12191760" cy="7286760"/>
+            <a:ext cx="12191400" cy="7286400"/>
           </a:xfrm>
           <a:prstGeom prst="rect">
             <a:avLst/>
@@ -8830,7 +9207,7 @@
         <p:spPr>
           <a:xfrm>
             <a:off x="182880" y="196920"/>
-            <a:ext cx="4458960" cy="815400"/>
+            <a:ext cx="4458600" cy="815040"/>
           </a:xfrm>
           <a:prstGeom prst="rect">
             <a:avLst/>
@@ -8850,6 +9227,9 @@
                 <a:spcPct val="90000"/>
               </a:lnSpc>
               <a:buNone/>
+              <a:tabLst>
+                <a:tab algn="l" pos="0"/>
+              </a:tabLst>
             </a:pPr>
             <a:r>
               <a:rPr b="1" lang="pt-BR" sz="3200" strike="noStrike" u="none" cap="all">
@@ -8862,13 +9242,13 @@
               </a:rPr>
               <a:t>AtendimentO</a:t>
             </a:r>
-            <a:endParaRPr b="0" lang="en-US" sz="3200" strike="noStrike" u="none">
-              <a:solidFill>
-                <a:schemeClr val="dk1"/>
-              </a:solidFill>
-              <a:effectLst/>
-              <a:uFillTx/>
-              <a:latin typeface="Gill Sans MT"/>
+            <a:endParaRPr b="0" lang="pt-BR" sz="3200" strike="noStrike" u="none">
+              <a:solidFill>
+                <a:srgbClr val="000000"/>
+              </a:solidFill>
+              <a:effectLst/>
+              <a:uFillTx/>
+              <a:latin typeface="Arial"/>
             </a:endParaRPr>
           </a:p>
         </p:txBody>
@@ -8916,7 +9296,7 @@
         <p:spPr>
           <a:xfrm>
             <a:off x="2468520" y="0"/>
-            <a:ext cx="7254360" cy="6090840"/>
+            <a:ext cx="7254000" cy="6090480"/>
           </a:xfrm>
           <a:prstGeom prst="rect">
             <a:avLst/>
@@ -8936,7 +9316,7 @@
         <p:spPr>
           <a:xfrm>
             <a:off x="323640" y="309600"/>
-            <a:ext cx="2391120" cy="584280"/>
+            <a:ext cx="2390760" cy="583920"/>
           </a:xfrm>
           <a:prstGeom prst="rect">
             <a:avLst/>
@@ -9023,7 +9403,7 @@
         <p:spPr>
           <a:xfrm>
             <a:off x="323640" y="309600"/>
-            <a:ext cx="2391120" cy="1076760"/>
+            <a:ext cx="2390760" cy="1076400"/>
           </a:xfrm>
           <a:prstGeom prst="rect">
             <a:avLst/>
@@ -9099,7 +9479,7 @@
         <p:spPr>
           <a:xfrm>
             <a:off x="2025000" y="0"/>
-            <a:ext cx="8141400" cy="6076800"/>
+            <a:ext cx="8141040" cy="6076440"/>
           </a:xfrm>
           <a:prstGeom prst="rect">
             <a:avLst/>
@@ -9153,7 +9533,7 @@
         <p:spPr>
           <a:xfrm>
             <a:off x="1074600" y="693720"/>
-            <a:ext cx="10042200" cy="2734920"/>
+            <a:ext cx="10041840" cy="2734560"/>
           </a:xfrm>
           <a:prstGeom prst="rect">
             <a:avLst/>
@@ -9173,6 +9553,9 @@
                 <a:spcPct val="90000"/>
               </a:lnSpc>
               <a:buNone/>
+              <a:tabLst>
+                <a:tab algn="l" pos="0"/>
+              </a:tabLst>
             </a:pPr>
             <a:r>
               <a:rPr b="1" lang="pt-BR" sz="6000" strike="noStrike" u="none" cap="all">
@@ -9185,13 +9568,13 @@
               </a:rPr>
               <a:t>Diagrama de Classe de Projeto</a:t>
             </a:r>
-            <a:endParaRPr b="0" lang="en-US" sz="6000" strike="noStrike" u="none">
-              <a:solidFill>
-                <a:schemeClr val="dk1"/>
-              </a:solidFill>
-              <a:effectLst/>
-              <a:uFillTx/>
-              <a:latin typeface="Gill Sans MT"/>
+            <a:endParaRPr b="0" lang="pt-BR" sz="6000" strike="noStrike" u="none">
+              <a:solidFill>
+                <a:srgbClr val="000000"/>
+              </a:solidFill>
+              <a:effectLst/>
+              <a:uFillTx/>
+              <a:latin typeface="Arial"/>
             </a:endParaRPr>
           </a:p>
         </p:txBody>
@@ -9238,8 +9621,8 @@
         </p:blipFill>
         <p:spPr>
           <a:xfrm>
-            <a:off x="0" y="0"/>
-            <a:ext cx="12192120" cy="6120000"/>
+            <a:off x="0" y="13320"/>
+            <a:ext cx="12192120" cy="6106680"/>
           </a:xfrm>
           <a:prstGeom prst="rect">
             <a:avLst/>
@@ -9293,7 +9676,7 @@
         <p:spPr>
           <a:xfrm>
             <a:off x="1074600" y="693720"/>
-            <a:ext cx="10042200" cy="2734920"/>
+            <a:ext cx="10041840" cy="2734560"/>
           </a:xfrm>
           <a:prstGeom prst="rect">
             <a:avLst/>
@@ -9313,6 +9696,9 @@
                 <a:spcPct val="90000"/>
               </a:lnSpc>
               <a:buNone/>
+              <a:tabLst>
+                <a:tab algn="l" pos="0"/>
+              </a:tabLst>
             </a:pPr>
             <a:r>
               <a:rPr b="1" lang="pt-BR" sz="6000" strike="noStrike" u="none" cap="all">
@@ -9325,13 +9711,13 @@
               </a:rPr>
               <a:t>Diagrama de Sequência de Projeto</a:t>
             </a:r>
-            <a:endParaRPr b="0" lang="en-US" sz="6000" strike="noStrike" u="none">
-              <a:solidFill>
-                <a:schemeClr val="dk1"/>
-              </a:solidFill>
-              <a:effectLst/>
-              <a:uFillTx/>
-              <a:latin typeface="Gill Sans MT"/>
+            <a:endParaRPr b="0" lang="pt-BR" sz="6000" strike="noStrike" u="none">
+              <a:solidFill>
+                <a:srgbClr val="000000"/>
+              </a:solidFill>
+              <a:effectLst/>
+              <a:uFillTx/>
+              <a:latin typeface="Arial"/>
             </a:endParaRPr>
           </a:p>
         </p:txBody>
@@ -9379,7 +9765,7 @@
         <p:spPr>
           <a:xfrm>
             <a:off x="0" y="647280"/>
-            <a:ext cx="12191760" cy="5472000"/>
+            <a:ext cx="12191400" cy="5471640"/>
           </a:xfrm>
           <a:prstGeom prst="rect">
             <a:avLst/>
@@ -9399,7 +9785,7 @@
         <p:spPr>
           <a:xfrm>
             <a:off x="196920" y="168840"/>
-            <a:ext cx="2976120" cy="584280"/>
+            <a:ext cx="2975760" cy="583920"/>
           </a:xfrm>
           <a:prstGeom prst="rect">
             <a:avLst/>
